--- a/dm_integration_0110.pptx
+++ b/dm_integration_0110.pptx
@@ -6,16 +6,13 @@
     <p:sldMasterId id="2147483673" r:id="rId2"/>
   </p:sldMasterIdLst>
   <p:notesMasterIdLst>
-    <p:notesMasterId r:id="rId10"/>
+    <p:notesMasterId r:id="rId7"/>
   </p:notesMasterIdLst>
   <p:sldIdLst>
     <p:sldId id="266" r:id="rId3"/>
     <p:sldId id="267" r:id="rId4"/>
-    <p:sldId id="268" r:id="rId5"/>
-    <p:sldId id="269" r:id="rId6"/>
-    <p:sldId id="270" r:id="rId7"/>
-    <p:sldId id="271" r:id="rId8"/>
-    <p:sldId id="272" r:id="rId9"/>
+    <p:sldId id="269" r:id="rId5"/>
+    <p:sldId id="270" r:id="rId6"/>
   </p:sldIdLst>
   <p:sldSz cx="9144000" cy="6858000" type="screen4x3"/>
   <p:notesSz cx="6858000" cy="9144000"/>
@@ -954,112 +951,6 @@
   <p:cSld>
     <p:spTree>
       <p:nvGrpSpPr>
-        <p:cNvPr id="1" name="Shape 281"/>
-        <p:cNvGrpSpPr/>
-        <p:nvPr/>
-      </p:nvGrpSpPr>
-      <p:grpSpPr>
-        <a:xfrm>
-          <a:off x="0" y="0"/>
-          <a:ext cx="0" cy="0"/>
-          <a:chOff x="0" y="0"/>
-          <a:chExt cx="0" cy="0"/>
-        </a:xfrm>
-      </p:grpSpPr>
-      <p:sp>
-        <p:nvSpPr>
-          <p:cNvPr id="282" name="Google Shape;282;g4e1ddd803d_0_64:notes"/>
-          <p:cNvSpPr>
-            <a:spLocks noGrp="1" noRot="1" noChangeAspect="1"/>
-          </p:cNvSpPr>
-          <p:nvPr>
-            <p:ph type="sldImg" idx="2"/>
-          </p:nvPr>
-        </p:nvSpPr>
-        <p:spPr>
-          <a:xfrm>
-            <a:off x="1143000" y="685800"/>
-            <a:ext cx="4572000" cy="3429000"/>
-          </a:xfrm>
-          <a:custGeom>
-            <a:avLst/>
-            <a:gdLst/>
-            <a:ahLst/>
-            <a:cxnLst/>
-            <a:rect l="l" t="t" r="r" b="b"/>
-            <a:pathLst>
-              <a:path w="120000" h="120000" extrusionOk="0">
-                <a:moveTo>
-                  <a:pt x="0" y="0"/>
-                </a:moveTo>
-                <a:lnTo>
-                  <a:pt x="120000" y="0"/>
-                </a:lnTo>
-                <a:lnTo>
-                  <a:pt x="120000" y="120000"/>
-                </a:lnTo>
-                <a:lnTo>
-                  <a:pt x="0" y="120000"/>
-                </a:lnTo>
-                <a:close/>
-              </a:path>
-            </a:pathLst>
-          </a:custGeom>
-        </p:spPr>
-      </p:sp>
-      <p:sp>
-        <p:nvSpPr>
-          <p:cNvPr id="283" name="Google Shape;283;g4e1ddd803d_0_64:notes"/>
-          <p:cNvSpPr txBox="1">
-            <a:spLocks noGrp="1"/>
-          </p:cNvSpPr>
-          <p:nvPr>
-            <p:ph type="body" idx="1"/>
-          </p:nvPr>
-        </p:nvSpPr>
-        <p:spPr>
-          <a:xfrm>
-            <a:off x="685800" y="4343400"/>
-            <a:ext cx="5486400" cy="4114800"/>
-          </a:xfrm>
-          <a:prstGeom prst="rect">
-            <a:avLst/>
-          </a:prstGeom>
-        </p:spPr>
-        <p:txBody>
-          <a:bodyPr spcFirstLastPara="1" wrap="square" lIns="91425" tIns="91425" rIns="91425" bIns="91425" anchor="t" anchorCtr="0">
-            <a:noAutofit/>
-          </a:bodyPr>
-          <a:lstStyle/>
-          <a:p>
-            <a:pPr marL="0" lvl="0" indent="0" algn="l" rtl="0">
-              <a:spcBef>
-                <a:spcPts val="0"/>
-              </a:spcBef>
-              <a:spcAft>
-                <a:spcPts val="0"/>
-              </a:spcAft>
-              <a:buNone/>
-            </a:pPr>
-            <a:endParaRPr>
-              <a:uFillTx/>
-            </a:endParaRPr>
-          </a:p>
-        </p:txBody>
-      </p:sp>
-    </p:spTree>
-  </p:cSld>
-  <p:clrMapOvr>
-    <a:masterClrMapping/>
-  </p:clrMapOvr>
-</p:notes>
-</file>
-
-<file path=ppt/notesSlides/notesSlide4.xml><?xml version="1.0" encoding="utf-8"?>
-<p:notes xmlns:a="http://schemas.openxmlformats.org/drawingml/2006/main" xmlns:r="http://schemas.openxmlformats.org/officeDocument/2006/relationships" xmlns:p="http://schemas.openxmlformats.org/presentationml/2006/main">
-  <p:cSld>
-    <p:spTree>
-      <p:nvGrpSpPr>
         <p:cNvPr id="1" name="Shape 296"/>
         <p:cNvGrpSpPr/>
         <p:nvPr/>
@@ -1165,7 +1056,7 @@
 </p:notes>
 </file>
 
-<file path=ppt/notesSlides/notesSlide5.xml><?xml version="1.0" encoding="utf-8"?>
+<file path=ppt/notesSlides/notesSlide4.xml><?xml version="1.0" encoding="utf-8"?>
 <p:notes xmlns:a="http://schemas.openxmlformats.org/drawingml/2006/main" xmlns:r="http://schemas.openxmlformats.org/officeDocument/2006/relationships" xmlns:p="http://schemas.openxmlformats.org/presentationml/2006/main">
   <p:cSld>
     <p:spTree>
@@ -1262,222 +1153,6 @@
             </a:endParaRPr>
           </a:p>
         </p:txBody>
-      </p:sp>
-    </p:spTree>
-  </p:cSld>
-  <p:clrMapOvr>
-    <a:masterClrMapping/>
-  </p:clrMapOvr>
-</p:notes>
-</file>
-
-<file path=ppt/notesSlides/notesSlide6.xml><?xml version="1.0" encoding="utf-8"?>
-<p:notes xmlns:a="http://schemas.openxmlformats.org/drawingml/2006/main" xmlns:r="http://schemas.openxmlformats.org/officeDocument/2006/relationships" xmlns:p="http://schemas.openxmlformats.org/presentationml/2006/main">
-  <p:cSld>
-    <p:spTree>
-      <p:nvGrpSpPr>
-        <p:cNvPr id="1" name="Shape 336"/>
-        <p:cNvGrpSpPr/>
-        <p:nvPr/>
-      </p:nvGrpSpPr>
-      <p:grpSpPr>
-        <a:xfrm>
-          <a:off x="0" y="0"/>
-          <a:ext cx="0" cy="0"/>
-          <a:chOff x="0" y="0"/>
-          <a:chExt cx="0" cy="0"/>
-        </a:xfrm>
-      </p:grpSpPr>
-      <p:sp>
-        <p:nvSpPr>
-          <p:cNvPr id="337" name="Google Shape;337;g25e9e35275_0_453:notes"/>
-          <p:cNvSpPr>
-            <a:spLocks noGrp="1" noRot="1" noChangeAspect="1"/>
-          </p:cNvSpPr>
-          <p:nvPr>
-            <p:ph type="sldImg" idx="2"/>
-          </p:nvPr>
-        </p:nvSpPr>
-        <p:spPr>
-          <a:xfrm>
-            <a:off x="1143000" y="685800"/>
-            <a:ext cx="4572000" cy="3429000"/>
-          </a:xfrm>
-          <a:custGeom>
-            <a:avLst/>
-            <a:gdLst/>
-            <a:ahLst/>
-            <a:cxnLst/>
-            <a:rect l="l" t="t" r="r" b="b"/>
-            <a:pathLst>
-              <a:path w="120000" h="120000" extrusionOk="0">
-                <a:moveTo>
-                  <a:pt x="0" y="0"/>
-                </a:moveTo>
-                <a:lnTo>
-                  <a:pt x="120000" y="0"/>
-                </a:lnTo>
-                <a:lnTo>
-                  <a:pt x="120000" y="120000"/>
-                </a:lnTo>
-                <a:lnTo>
-                  <a:pt x="0" y="120000"/>
-                </a:lnTo>
-                <a:close/>
-              </a:path>
-            </a:pathLst>
-          </a:custGeom>
-        </p:spPr>
-      </p:sp>
-      <p:sp>
-        <p:nvSpPr>
-          <p:cNvPr id="338" name="Google Shape;338;g25e9e35275_0_453:notes"/>
-          <p:cNvSpPr txBox="1">
-            <a:spLocks noGrp="1"/>
-          </p:cNvSpPr>
-          <p:nvPr>
-            <p:ph type="body" idx="1"/>
-          </p:nvPr>
-        </p:nvSpPr>
-        <p:spPr>
-          <a:xfrm>
-            <a:off x="685800" y="4343400"/>
-            <a:ext cx="5486400" cy="4114800"/>
-          </a:xfrm>
-          <a:prstGeom prst="rect">
-            <a:avLst/>
-          </a:prstGeom>
-        </p:spPr>
-        <p:txBody>
-          <a:bodyPr spcFirstLastPara="1" wrap="square" lIns="91425" tIns="91425" rIns="91425" bIns="91425" anchor="t" anchorCtr="0">
-            <a:noAutofit/>
-          </a:bodyPr>
-          <a:lstStyle/>
-          <a:p>
-            <a:pPr marL="0" lvl="0" indent="0" algn="l" rtl="0">
-              <a:spcBef>
-                <a:spcPts val="0"/>
-              </a:spcBef>
-              <a:spcAft>
-                <a:spcPts val="0"/>
-              </a:spcAft>
-              <a:buNone/>
-            </a:pPr>
-            <a:endParaRPr>
-              <a:uFillTx/>
-            </a:endParaRPr>
-          </a:p>
-        </p:txBody>
-      </p:sp>
-    </p:spTree>
-  </p:cSld>
-  <p:clrMapOvr>
-    <a:masterClrMapping/>
-  </p:clrMapOvr>
-</p:notes>
-</file>
-
-<file path=ppt/notesSlides/notesSlide7.xml><?xml version="1.0" encoding="utf-8"?>
-<p:notes xmlns:a="http://schemas.openxmlformats.org/drawingml/2006/main" xmlns:r="http://schemas.openxmlformats.org/officeDocument/2006/relationships" xmlns:p="http://schemas.openxmlformats.org/presentationml/2006/main">
-  <p:cSld>
-    <p:spTree>
-      <p:nvGrpSpPr>
-        <p:cNvPr id="1" name="Shape 360"/>
-        <p:cNvGrpSpPr/>
-        <p:nvPr/>
-      </p:nvGrpSpPr>
-      <p:grpSpPr>
-        <a:xfrm>
-          <a:off x="0" y="0"/>
-          <a:ext cx="0" cy="0"/>
-          <a:chOff x="0" y="0"/>
-          <a:chExt cx="0" cy="0"/>
-        </a:xfrm>
-      </p:grpSpPr>
-      <p:sp>
-        <p:nvSpPr>
-          <p:cNvPr id="361" name="Google Shape;361;g25e9e35275_0_648:notes"/>
-          <p:cNvSpPr txBox="1">
-            <a:spLocks noGrp="1"/>
-          </p:cNvSpPr>
-          <p:nvPr>
-            <p:ph type="body" idx="1"/>
-          </p:nvPr>
-        </p:nvSpPr>
-        <p:spPr>
-          <a:xfrm>
-            <a:off x="685800" y="4343400"/>
-            <a:ext cx="5486400" cy="4114800"/>
-          </a:xfrm>
-          <a:prstGeom prst="rect">
-            <a:avLst/>
-          </a:prstGeom>
-          <a:noFill/>
-          <a:ln>
-            <a:noFill/>
-          </a:ln>
-        </p:spPr>
-        <p:txBody>
-          <a:bodyPr spcFirstLastPara="1" wrap="square" lIns="91425" tIns="91425" rIns="91425" bIns="91425" anchor="ctr" anchorCtr="0">
-            <a:noAutofit/>
-          </a:bodyPr>
-          <a:lstStyle/>
-          <a:p>
-            <a:pPr marL="0" lvl="0" indent="0" algn="l" rtl="0">
-              <a:spcBef>
-                <a:spcPts val="0"/>
-              </a:spcBef>
-              <a:spcAft>
-                <a:spcPts val="0"/>
-              </a:spcAft>
-              <a:buNone/>
-            </a:pPr>
-            <a:endParaRPr>
-              <a:uFillTx/>
-            </a:endParaRPr>
-          </a:p>
-        </p:txBody>
-      </p:sp>
-      <p:sp>
-        <p:nvSpPr>
-          <p:cNvPr id="362" name="Google Shape;362;g25e9e35275_0_648:notes"/>
-          <p:cNvSpPr>
-            <a:spLocks noGrp="1" noRot="1" noChangeAspect="1"/>
-          </p:cNvSpPr>
-          <p:nvPr>
-            <p:ph type="sldImg" idx="2"/>
-          </p:nvPr>
-        </p:nvSpPr>
-        <p:spPr>
-          <a:xfrm>
-            <a:off x="1143000" y="685800"/>
-            <a:ext cx="4572000" cy="3429000"/>
-          </a:xfrm>
-          <a:custGeom>
-            <a:avLst/>
-            <a:gdLst/>
-            <a:ahLst/>
-            <a:cxnLst/>
-            <a:rect l="l" t="t" r="r" b="b"/>
-            <a:pathLst>
-              <a:path w="120000" h="120000" extrusionOk="0">
-                <a:moveTo>
-                  <a:pt x="0" y="0"/>
-                </a:moveTo>
-                <a:lnTo>
-                  <a:pt x="120000" y="0"/>
-                </a:lnTo>
-                <a:lnTo>
-                  <a:pt x="120000" y="120000"/>
-                </a:lnTo>
-                <a:lnTo>
-                  <a:pt x="0" y="120000"/>
-                </a:lnTo>
-                <a:close/>
-              </a:path>
-            </a:pathLst>
-          </a:custGeom>
-        </p:spPr>
       </p:sp>
     </p:spTree>
   </p:cSld>
@@ -11263,11 +10938,7 @@
             </a:r>
             <a:r>
               <a:rPr lang="ja-JP" altLang="en-US" sz="4000" dirty="0" smtClean="0"/>
-              <a:t>要因</a:t>
-            </a:r>
-            <a:r>
-              <a:rPr lang="ja-JP" altLang="en-US" sz="4000" dirty="0" smtClean="0"/>
-              <a:t>分析</a:t>
+              <a:t>要因分析</a:t>
             </a:r>
             <a:endParaRPr lang="ja" altLang="en-US" sz="4000" dirty="0">
               <a:latin typeface="Meiryo"/>
@@ -11581,11 +11252,7 @@
             </a:r>
             <a:r>
               <a:rPr lang="ja-JP" altLang="en-US" dirty="0" smtClean="0"/>
-              <a:t>定量的</a:t>
-            </a:r>
-            <a:r>
-              <a:rPr lang="ja-JP" altLang="en-US" dirty="0" smtClean="0"/>
-              <a:t>に</a:t>
+              <a:t>定量的に</a:t>
             </a:r>
             <a:r>
               <a:rPr lang="ja-JP" altLang="en-US" dirty="0" smtClean="0">
@@ -12750,804 +12417,6 @@
   <p:cSld>
     <p:spTree>
       <p:nvGrpSpPr>
-        <p:cNvPr id="1" name="Shape 284"/>
-        <p:cNvGrpSpPr/>
-        <p:nvPr/>
-      </p:nvGrpSpPr>
-      <p:grpSpPr>
-        <a:xfrm>
-          <a:off x="0" y="0"/>
-          <a:ext cx="0" cy="0"/>
-          <a:chOff x="0" y="0"/>
-          <a:chExt cx="0" cy="0"/>
-        </a:xfrm>
-      </p:grpSpPr>
-      <p:sp>
-        <p:nvSpPr>
-          <p:cNvPr id="285" name="Google Shape;285;p30"/>
-          <p:cNvSpPr txBox="1">
-            <a:spLocks noGrp="1"/>
-          </p:cNvSpPr>
-          <p:nvPr>
-            <p:ph type="title"/>
-          </p:nvPr>
-        </p:nvSpPr>
-        <p:spPr>
-          <a:xfrm>
-            <a:off x="143763" y="104752"/>
-            <a:ext cx="8793600" cy="890400"/>
-          </a:xfrm>
-          <a:prstGeom prst="rect">
-            <a:avLst/>
-          </a:prstGeom>
-        </p:spPr>
-        <p:txBody>
-          <a:bodyPr spcFirstLastPara="1" wrap="square" lIns="91425" tIns="91425" rIns="91425" bIns="91425" anchor="ctr" anchorCtr="0">
-            <a:noAutofit/>
-          </a:bodyPr>
-          <a:lstStyle/>
-          <a:p>
-            <a:pPr marL="457200" lvl="0" indent="-419100" algn="ctr" rtl="0">
-              <a:spcBef>
-                <a:spcPts val="720"/>
-              </a:spcBef>
-              <a:spcAft>
-                <a:spcPts val="0"/>
-              </a:spcAft>
-              <a:buClr>
-                <a:srgbClr val="FFFFFF"/>
-              </a:buClr>
-              <a:buSzPts val="3000"/>
-              <a:buAutoNum type="arabicPeriod"/>
-            </a:pPr>
-            <a:r>
-              <a:rPr lang="ja" sz="3000">
-                <a:solidFill>
-                  <a:srgbClr val="FFFFFF"/>
-                </a:solidFill>
-                <a:uFillTx/>
-              </a:rPr>
-              <a:t>分析の目的とターゲットKPI</a:t>
-            </a:r>
-            <a:endParaRPr sz="3000">
-              <a:solidFill>
-                <a:srgbClr val="FFFFFF"/>
-              </a:solidFill>
-              <a:uFillTx/>
-            </a:endParaRPr>
-          </a:p>
-        </p:txBody>
-      </p:sp>
-      <p:sp>
-        <p:nvSpPr>
-          <p:cNvPr id="286" name="Google Shape;286;p30"/>
-          <p:cNvSpPr txBox="1">
-            <a:spLocks noGrp="1"/>
-          </p:cNvSpPr>
-          <p:nvPr>
-            <p:ph type="sldNum" idx="12"/>
-          </p:nvPr>
-        </p:nvSpPr>
-        <p:spPr>
-          <a:xfrm>
-            <a:off x="6553200" y="6490819"/>
-            <a:ext cx="2133600" cy="365100"/>
-          </a:xfrm>
-          <a:prstGeom prst="rect">
-            <a:avLst/>
-          </a:prstGeom>
-        </p:spPr>
-        <p:txBody>
-          <a:bodyPr spcFirstLastPara="1" wrap="square" lIns="91425" tIns="45700" rIns="91425" bIns="45700" anchor="ctr" anchorCtr="0">
-            <a:noAutofit/>
-          </a:bodyPr>
-          <a:lstStyle/>
-          <a:p>
-            <a:pPr marL="0" lvl="0" indent="0" algn="r" rtl="0">
-              <a:spcBef>
-                <a:spcPts val="0"/>
-              </a:spcBef>
-              <a:spcAft>
-                <a:spcPts val="0"/>
-              </a:spcAft>
-              <a:buClr>
-                <a:srgbClr val="888888"/>
-              </a:buClr>
-              <a:buFont typeface="Calibri"/>
-              <a:buNone/>
-            </a:pPr>
-            <a:fld id="{00000000-1234-1234-1234-123412341234}" type="slidenum">
-              <a:rPr lang="en-US" altLang="ja">
-                <a:uFillTx/>
-              </a:rPr>
-              <a:t>3</a:t>
-            </a:fld>
-            <a:endParaRPr>
-              <a:uFillTx/>
-            </a:endParaRPr>
-          </a:p>
-        </p:txBody>
-      </p:sp>
-      <p:sp>
-        <p:nvSpPr>
-          <p:cNvPr id="287" name="Google Shape;287;p30"/>
-          <p:cNvSpPr>
-            <a:spLocks/>
-          </p:cNvSpPr>
-          <p:nvPr/>
-        </p:nvSpPr>
-        <p:spPr>
-          <a:xfrm>
-            <a:off x="457200" y="4321900"/>
-            <a:ext cx="1770300" cy="1411500"/>
-          </a:xfrm>
-          <a:prstGeom prst="rect">
-            <a:avLst/>
-          </a:prstGeom>
-          <a:solidFill>
-            <a:schemeClr val="lt2"/>
-          </a:solidFill>
-          <a:ln w="9525" cap="flat" cmpd="sng">
-            <a:solidFill>
-              <a:schemeClr val="dk2"/>
-            </a:solidFill>
-            <a:prstDash val="solid"/>
-            <a:round/>
-            <a:headEnd type="none" w="sm" len="sm"/>
-            <a:tailEnd type="none" w="sm" len="sm"/>
-          </a:ln>
-        </p:spPr>
-        <p:txBody>
-          <a:bodyPr spcFirstLastPara="1" wrap="square" lIns="91425" tIns="91425" rIns="91425" bIns="91425" anchor="ctr" anchorCtr="0">
-            <a:noAutofit/>
-          </a:bodyPr>
-          <a:lstStyle/>
-          <a:p>
-            <a:pPr marL="0" lvl="0" indent="0" algn="ctr" rtl="0">
-              <a:spcBef>
-                <a:spcPts val="0"/>
-              </a:spcBef>
-              <a:spcAft>
-                <a:spcPts val="0"/>
-              </a:spcAft>
-              <a:buNone/>
-            </a:pPr>
-            <a:r>
-              <a:rPr lang="ja" sz="1600" b="1">
-                <a:solidFill>
-                  <a:srgbClr val="FFFFFF"/>
-                </a:solidFill>
-                <a:uFillTx/>
-              </a:rPr>
-              <a:t>KPIと</a:t>
-            </a:r>
-            <a:endParaRPr sz="1600" b="1">
-              <a:solidFill>
-                <a:srgbClr val="FFFFFF"/>
-              </a:solidFill>
-              <a:uFillTx/>
-            </a:endParaRPr>
-          </a:p>
-          <a:p>
-            <a:pPr marL="0" lvl="0" indent="0" algn="ctr" rtl="0">
-              <a:spcBef>
-                <a:spcPts val="0"/>
-              </a:spcBef>
-              <a:spcAft>
-                <a:spcPts val="0"/>
-              </a:spcAft>
-              <a:buNone/>
-            </a:pPr>
-            <a:r>
-              <a:rPr lang="ja" sz="1600" b="1">
-                <a:solidFill>
-                  <a:srgbClr val="FFFFFF"/>
-                </a:solidFill>
-                <a:uFillTx/>
-              </a:rPr>
-              <a:t>その目標</a:t>
-            </a:r>
-            <a:endParaRPr sz="1600" b="1">
-              <a:solidFill>
-                <a:srgbClr val="FFFFFF"/>
-              </a:solidFill>
-              <a:uFillTx/>
-            </a:endParaRPr>
-          </a:p>
-        </p:txBody>
-      </p:sp>
-      <p:sp>
-        <p:nvSpPr>
-          <p:cNvPr id="288" name="Google Shape;288;p30"/>
-          <p:cNvSpPr txBox="1">
-            <a:spLocks/>
-          </p:cNvSpPr>
-          <p:nvPr/>
-        </p:nvSpPr>
-        <p:spPr>
-          <a:xfrm>
-            <a:off x="2227500" y="4321900"/>
-            <a:ext cx="6311400" cy="1411500"/>
-          </a:xfrm>
-          <a:prstGeom prst="rect">
-            <a:avLst/>
-          </a:prstGeom>
-          <a:noFill/>
-          <a:ln w="9525" cap="flat" cmpd="sng">
-            <a:solidFill>
-              <a:srgbClr val="000000"/>
-            </a:solidFill>
-            <a:prstDash val="solid"/>
-            <a:round/>
-            <a:headEnd type="none" w="sm" len="sm"/>
-            <a:tailEnd type="none" w="sm" len="sm"/>
-          </a:ln>
-        </p:spPr>
-        <p:txBody>
-          <a:bodyPr spcFirstLastPara="1" wrap="square" lIns="91425" tIns="91425" rIns="91425" bIns="91425" anchor="t" anchorCtr="0">
-            <a:noAutofit/>
-          </a:bodyPr>
-          <a:lstStyle/>
-          <a:p>
-            <a:pPr marL="457200" lvl="0" indent="-342900" algn="l" rtl="0">
-              <a:lnSpc>
-                <a:spcPct val="115000"/>
-              </a:lnSpc>
-              <a:spcBef>
-                <a:spcPts val="0"/>
-              </a:spcBef>
-              <a:spcAft>
-                <a:spcPts val="0"/>
-              </a:spcAft>
-              <a:buClr>
-                <a:schemeClr val="dk1"/>
-              </a:buClr>
-              <a:buSzPts val="1800"/>
-              <a:buChar char="●"/>
-            </a:pPr>
-            <a:r>
-              <a:rPr lang="ja" sz="1800">
-                <a:solidFill>
-                  <a:schemeClr val="dk1"/>
-                </a:solidFill>
-                <a:uFillTx/>
-              </a:rPr>
-              <a:t>中長期的なKPI（半年~1年）</a:t>
-            </a:r>
-            <a:endParaRPr sz="1800">
-              <a:solidFill>
-                <a:schemeClr val="dk1"/>
-              </a:solidFill>
-              <a:uFillTx/>
-            </a:endParaRPr>
-          </a:p>
-          <a:p>
-            <a:pPr marL="914400" lvl="1" indent="-342900" algn="l" rtl="0">
-              <a:lnSpc>
-                <a:spcPct val="115000"/>
-              </a:lnSpc>
-              <a:spcBef>
-                <a:spcPts val="0"/>
-              </a:spcBef>
-              <a:spcAft>
-                <a:spcPts val="0"/>
-              </a:spcAft>
-              <a:buClr>
-                <a:schemeClr val="dk1"/>
-              </a:buClr>
-              <a:buSzPts val="1800"/>
-              <a:buChar char="○"/>
-            </a:pPr>
-            <a:r>
-              <a:rPr lang="ja" sz="1800">
-                <a:solidFill>
-                  <a:schemeClr val="dk1"/>
-                </a:solidFill>
-                <a:uFillTx/>
-              </a:rPr>
-              <a:t>歩留まり率が+X%改善する</a:t>
-            </a:r>
-            <a:endParaRPr sz="1800">
-              <a:solidFill>
-                <a:schemeClr val="dk1"/>
-              </a:solidFill>
-              <a:uFillTx/>
-            </a:endParaRPr>
-          </a:p>
-          <a:p>
-            <a:pPr marL="457200" lvl="0" indent="-342900" algn="l" rtl="0">
-              <a:lnSpc>
-                <a:spcPct val="115000"/>
-              </a:lnSpc>
-              <a:spcBef>
-                <a:spcPts val="0"/>
-              </a:spcBef>
-              <a:spcAft>
-                <a:spcPts val="0"/>
-              </a:spcAft>
-              <a:buClr>
-                <a:schemeClr val="dk1"/>
-              </a:buClr>
-              <a:buSzPts val="1800"/>
-              <a:buChar char="●"/>
-            </a:pPr>
-            <a:r>
-              <a:rPr lang="ja" sz="1800">
-                <a:solidFill>
-                  <a:schemeClr val="dk1"/>
-                </a:solidFill>
-                <a:uFillTx/>
-              </a:rPr>
-              <a:t>短期的なKPI（3ヶ月~半年）</a:t>
-            </a:r>
-            <a:endParaRPr sz="1800">
-              <a:solidFill>
-                <a:schemeClr val="dk1"/>
-              </a:solidFill>
-              <a:uFillTx/>
-            </a:endParaRPr>
-          </a:p>
-          <a:p>
-            <a:pPr marL="914400" lvl="1" indent="-342900" algn="l" rtl="0">
-              <a:lnSpc>
-                <a:spcPct val="115000"/>
-              </a:lnSpc>
-              <a:spcBef>
-                <a:spcPts val="0"/>
-              </a:spcBef>
-              <a:spcAft>
-                <a:spcPts val="0"/>
-              </a:spcAft>
-              <a:buClr>
-                <a:schemeClr val="dk1"/>
-              </a:buClr>
-              <a:buSzPts val="1800"/>
-              <a:buChar char="○"/>
-            </a:pPr>
-            <a:r>
-              <a:rPr lang="ja" sz="1800">
-                <a:solidFill>
-                  <a:schemeClr val="dk1"/>
-                </a:solidFill>
-                <a:uFillTx/>
-              </a:rPr>
-              <a:t>終了時アンケートのQ.Xのスコアが+0.5pt</a:t>
-            </a:r>
-            <a:endParaRPr sz="1800">
-              <a:solidFill>
-                <a:schemeClr val="dk1"/>
-              </a:solidFill>
-              <a:uFillTx/>
-            </a:endParaRPr>
-          </a:p>
-          <a:p>
-            <a:pPr marL="0" lvl="0" indent="0" algn="l" rtl="0">
-              <a:lnSpc>
-                <a:spcPct val="115000"/>
-              </a:lnSpc>
-              <a:spcBef>
-                <a:spcPts val="0"/>
-              </a:spcBef>
-              <a:spcAft>
-                <a:spcPts val="0"/>
-              </a:spcAft>
-              <a:buNone/>
-            </a:pPr>
-            <a:endParaRPr sz="1800">
-              <a:solidFill>
-                <a:schemeClr val="dk1"/>
-              </a:solidFill>
-              <a:uFillTx/>
-            </a:endParaRPr>
-          </a:p>
-        </p:txBody>
-      </p:sp>
-      <p:sp>
-        <p:nvSpPr>
-          <p:cNvPr id="289" name="Google Shape;289;p30"/>
-          <p:cNvSpPr>
-            <a:spLocks/>
-          </p:cNvSpPr>
-          <p:nvPr/>
-        </p:nvSpPr>
-        <p:spPr>
-          <a:xfrm>
-            <a:off x="457200" y="2863125"/>
-            <a:ext cx="1770300" cy="890400"/>
-          </a:xfrm>
-          <a:prstGeom prst="rect">
-            <a:avLst/>
-          </a:prstGeom>
-          <a:solidFill>
-            <a:schemeClr val="lt2"/>
-          </a:solidFill>
-          <a:ln w="9525" cap="flat" cmpd="sng">
-            <a:solidFill>
-              <a:schemeClr val="dk2"/>
-            </a:solidFill>
-            <a:prstDash val="solid"/>
-            <a:round/>
-            <a:headEnd type="none" w="sm" len="sm"/>
-            <a:tailEnd type="none" w="sm" len="sm"/>
-          </a:ln>
-        </p:spPr>
-        <p:txBody>
-          <a:bodyPr spcFirstLastPara="1" wrap="square" lIns="91425" tIns="91425" rIns="91425" bIns="91425" anchor="ctr" anchorCtr="0">
-            <a:noAutofit/>
-          </a:bodyPr>
-          <a:lstStyle/>
-          <a:p>
-            <a:pPr marL="0" lvl="0" indent="0" algn="ctr" rtl="0">
-              <a:spcBef>
-                <a:spcPts val="0"/>
-              </a:spcBef>
-              <a:spcAft>
-                <a:spcPts val="0"/>
-              </a:spcAft>
-              <a:buNone/>
-            </a:pPr>
-            <a:r>
-              <a:rPr lang="ja" sz="1600" b="1">
-                <a:solidFill>
-                  <a:srgbClr val="FFFFFF"/>
-                </a:solidFill>
-                <a:uFillTx/>
-              </a:rPr>
-              <a:t>分析の目的</a:t>
-            </a:r>
-            <a:endParaRPr sz="1600" b="1">
-              <a:solidFill>
-                <a:srgbClr val="FFFFFF"/>
-              </a:solidFill>
-              <a:uFillTx/>
-            </a:endParaRPr>
-          </a:p>
-        </p:txBody>
-      </p:sp>
-      <p:sp>
-        <p:nvSpPr>
-          <p:cNvPr id="290" name="Google Shape;290;p30"/>
-          <p:cNvSpPr txBox="1">
-            <a:spLocks/>
-          </p:cNvSpPr>
-          <p:nvPr/>
-        </p:nvSpPr>
-        <p:spPr>
-          <a:xfrm>
-            <a:off x="2227500" y="2863125"/>
-            <a:ext cx="6311400" cy="890400"/>
-          </a:xfrm>
-          <a:prstGeom prst="rect">
-            <a:avLst/>
-          </a:prstGeom>
-          <a:noFill/>
-          <a:ln w="9525" cap="flat" cmpd="sng">
-            <a:solidFill>
-              <a:srgbClr val="000000"/>
-            </a:solidFill>
-            <a:prstDash val="solid"/>
-            <a:round/>
-            <a:headEnd type="none" w="sm" len="sm"/>
-            <a:tailEnd type="none" w="sm" len="sm"/>
-          </a:ln>
-        </p:spPr>
-        <p:txBody>
-          <a:bodyPr spcFirstLastPara="1" wrap="square" lIns="91425" tIns="91425" rIns="91425" bIns="91425" anchor="t" anchorCtr="0">
-            <a:noAutofit/>
-          </a:bodyPr>
-          <a:lstStyle/>
-          <a:p>
-            <a:pPr marL="457200" lvl="0" indent="-330200" algn="l" rtl="0">
-              <a:spcBef>
-                <a:spcPts val="0"/>
-              </a:spcBef>
-              <a:spcAft>
-                <a:spcPts val="0"/>
-              </a:spcAft>
-              <a:buClr>
-                <a:schemeClr val="dk1"/>
-              </a:buClr>
-              <a:buSzPts val="1600"/>
-              <a:buChar char="●"/>
-            </a:pPr>
-            <a:r>
-              <a:rPr lang="ja" sz="1600">
-                <a:solidFill>
-                  <a:schemeClr val="dk1"/>
-                </a:solidFill>
-                <a:uFillTx/>
-              </a:rPr>
-              <a:t>ブートキャンプ受講中に、講師が各受講生の離脱確率を理解することで、早めにフォロー面談などを行うことで、歩留まり率を改善する。</a:t>
-            </a:r>
-            <a:endParaRPr sz="1600">
-              <a:solidFill>
-                <a:schemeClr val="dk1"/>
-              </a:solidFill>
-              <a:uFillTx/>
-            </a:endParaRPr>
-          </a:p>
-        </p:txBody>
-      </p:sp>
-      <p:sp>
-        <p:nvSpPr>
-          <p:cNvPr id="292" name="Google Shape;292;p30"/>
-          <p:cNvSpPr>
-            <a:spLocks/>
-          </p:cNvSpPr>
-          <p:nvPr/>
-        </p:nvSpPr>
-        <p:spPr>
-          <a:xfrm rot="10800000">
-            <a:off x="3044825" y="2469000"/>
-            <a:ext cx="3540600" cy="365100"/>
-          </a:xfrm>
-          <a:prstGeom prst="triangle">
-            <a:avLst>
-              <a:gd name="adj" fmla="val 50000"/>
-            </a:avLst>
-          </a:prstGeom>
-          <a:solidFill>
-            <a:schemeClr val="lt2"/>
-          </a:solidFill>
-          <a:ln w="9525" cap="flat" cmpd="sng">
-            <a:solidFill>
-              <a:schemeClr val="dk2"/>
-            </a:solidFill>
-            <a:prstDash val="solid"/>
-            <a:round/>
-            <a:headEnd type="none" w="sm" len="sm"/>
-            <a:tailEnd type="none" w="sm" len="sm"/>
-          </a:ln>
-        </p:spPr>
-        <p:txBody>
-          <a:bodyPr spcFirstLastPara="1" wrap="square" lIns="91425" tIns="91425" rIns="91425" bIns="91425" anchor="ctr" anchorCtr="0">
-            <a:noAutofit/>
-          </a:bodyPr>
-          <a:lstStyle/>
-          <a:p>
-            <a:pPr marL="0" lvl="0" indent="0" algn="l" rtl="0">
-              <a:spcBef>
-                <a:spcPts val="0"/>
-              </a:spcBef>
-              <a:spcAft>
-                <a:spcPts val="0"/>
-              </a:spcAft>
-              <a:buNone/>
-            </a:pPr>
-            <a:endParaRPr>
-              <a:uFillTx/>
-            </a:endParaRPr>
-          </a:p>
-        </p:txBody>
-      </p:sp>
-      <p:sp>
-        <p:nvSpPr>
-          <p:cNvPr id="293" name="Google Shape;293;p30"/>
-          <p:cNvSpPr>
-            <a:spLocks/>
-          </p:cNvSpPr>
-          <p:nvPr/>
-        </p:nvSpPr>
-        <p:spPr>
-          <a:xfrm rot="10800000">
-            <a:off x="3049100" y="3915339"/>
-            <a:ext cx="3540600" cy="365100"/>
-          </a:xfrm>
-          <a:prstGeom prst="triangle">
-            <a:avLst>
-              <a:gd name="adj" fmla="val 50000"/>
-            </a:avLst>
-          </a:prstGeom>
-          <a:solidFill>
-            <a:schemeClr val="lt2"/>
-          </a:solidFill>
-          <a:ln w="9525" cap="flat" cmpd="sng">
-            <a:solidFill>
-              <a:schemeClr val="dk2"/>
-            </a:solidFill>
-            <a:prstDash val="solid"/>
-            <a:round/>
-            <a:headEnd type="none" w="sm" len="sm"/>
-            <a:tailEnd type="none" w="sm" len="sm"/>
-          </a:ln>
-        </p:spPr>
-        <p:txBody>
-          <a:bodyPr spcFirstLastPara="1" wrap="square" lIns="91425" tIns="91425" rIns="91425" bIns="91425" anchor="ctr" anchorCtr="0">
-            <a:noAutofit/>
-          </a:bodyPr>
-          <a:lstStyle/>
-          <a:p>
-            <a:pPr marL="0" lvl="0" indent="0" algn="l" rtl="0">
-              <a:spcBef>
-                <a:spcPts val="0"/>
-              </a:spcBef>
-              <a:spcAft>
-                <a:spcPts val="0"/>
-              </a:spcAft>
-              <a:buNone/>
-            </a:pPr>
-            <a:endParaRPr>
-              <a:uFillTx/>
-            </a:endParaRPr>
-          </a:p>
-        </p:txBody>
-      </p:sp>
-      <p:sp>
-        <p:nvSpPr>
-          <p:cNvPr id="294" name="Google Shape;294;p30"/>
-          <p:cNvSpPr>
-            <a:spLocks/>
-          </p:cNvSpPr>
-          <p:nvPr/>
-        </p:nvSpPr>
-        <p:spPr>
-          <a:xfrm>
-            <a:off x="462962" y="1521450"/>
-            <a:ext cx="1770300" cy="890400"/>
-          </a:xfrm>
-          <a:prstGeom prst="rect">
-            <a:avLst/>
-          </a:prstGeom>
-          <a:solidFill>
-            <a:schemeClr val="lt2"/>
-          </a:solidFill>
-          <a:ln w="9525" cap="flat" cmpd="sng">
-            <a:solidFill>
-              <a:schemeClr val="dk2"/>
-            </a:solidFill>
-            <a:prstDash val="solid"/>
-            <a:round/>
-            <a:headEnd type="none" w="sm" len="sm"/>
-            <a:tailEnd type="none" w="sm" len="sm"/>
-          </a:ln>
-        </p:spPr>
-        <p:txBody>
-          <a:bodyPr spcFirstLastPara="1" wrap="square" lIns="91425" tIns="91425" rIns="91425" bIns="91425" anchor="ctr" anchorCtr="0">
-            <a:noAutofit/>
-          </a:bodyPr>
-          <a:lstStyle/>
-          <a:p>
-            <a:pPr marL="0" lvl="0" indent="0" algn="ctr" rtl="0">
-              <a:spcBef>
-                <a:spcPts val="0"/>
-              </a:spcBef>
-              <a:spcAft>
-                <a:spcPts val="0"/>
-              </a:spcAft>
-              <a:buNone/>
-            </a:pPr>
-            <a:r>
-              <a:rPr lang="ja" sz="1600" b="1">
-                <a:solidFill>
-                  <a:srgbClr val="FFFFFF"/>
-                </a:solidFill>
-                <a:uFillTx/>
-              </a:rPr>
-              <a:t>ビジネス課題</a:t>
-            </a:r>
-            <a:endParaRPr sz="1600" b="1">
-              <a:solidFill>
-                <a:srgbClr val="FFFFFF"/>
-              </a:solidFill>
-              <a:uFillTx/>
-            </a:endParaRPr>
-          </a:p>
-        </p:txBody>
-      </p:sp>
-      <p:sp>
-        <p:nvSpPr>
-          <p:cNvPr id="295" name="Google Shape;295;p30"/>
-          <p:cNvSpPr txBox="1">
-            <a:spLocks/>
-          </p:cNvSpPr>
-          <p:nvPr/>
-        </p:nvSpPr>
-        <p:spPr>
-          <a:xfrm>
-            <a:off x="2233262" y="1521450"/>
-            <a:ext cx="6311400" cy="890400"/>
-          </a:xfrm>
-          <a:prstGeom prst="rect">
-            <a:avLst/>
-          </a:prstGeom>
-          <a:noFill/>
-          <a:ln w="9525" cap="flat" cmpd="sng">
-            <a:solidFill>
-              <a:srgbClr val="000000"/>
-            </a:solidFill>
-            <a:prstDash val="solid"/>
-            <a:round/>
-            <a:headEnd type="none" w="sm" len="sm"/>
-            <a:tailEnd type="none" w="sm" len="sm"/>
-          </a:ln>
-        </p:spPr>
-        <p:txBody>
-          <a:bodyPr spcFirstLastPara="1" wrap="square" lIns="91425" tIns="91425" rIns="91425" bIns="91425" anchor="t" anchorCtr="0">
-            <a:noAutofit/>
-          </a:bodyPr>
-          <a:lstStyle/>
-          <a:p>
-            <a:pPr marL="457200" lvl="0" indent="-330200" algn="l" rtl="0">
-              <a:spcBef>
-                <a:spcPts val="0"/>
-              </a:spcBef>
-              <a:spcAft>
-                <a:spcPts val="0"/>
-              </a:spcAft>
-              <a:buClr>
-                <a:schemeClr val="dk1"/>
-              </a:buClr>
-              <a:buSzPts val="1600"/>
-              <a:buChar char="●"/>
-            </a:pPr>
-            <a:r>
-              <a:rPr lang="ja" sz="1600" dirty="0">
-                <a:solidFill>
-                  <a:schemeClr val="dk1"/>
-                </a:solidFill>
-                <a:uFillTx/>
-              </a:rPr>
-              <a:t>データミックスでは、ブートキャンプステップからベーシックステップへの歩留まり率を改善することで収入向上を検討している。</a:t>
-            </a:r>
-            <a:endParaRPr sz="1600" dirty="0">
-              <a:solidFill>
-                <a:schemeClr val="dk1"/>
-              </a:solidFill>
-              <a:uFillTx/>
-            </a:endParaRPr>
-          </a:p>
-        </p:txBody>
-      </p:sp>
-      <p:sp>
-        <p:nvSpPr>
-          <p:cNvPr id="2" name="テキスト ボックス 1"/>
-          <p:cNvSpPr txBox="1"/>
-          <p:nvPr/>
-        </p:nvSpPr>
-        <p:spPr>
-          <a:xfrm rot="914259">
-            <a:off x="572985" y="191994"/>
-            <a:ext cx="912948" cy="1862048"/>
-          </a:xfrm>
-          <a:prstGeom prst="rect">
-            <a:avLst/>
-          </a:prstGeom>
-        </p:spPr>
-        <p:txBody>
-          <a:bodyPr wrap="square" rtlCol="0">
-            <a:spAutoFit/>
-          </a:bodyPr>
-          <a:lstStyle/>
-          <a:p>
-            <a:r>
-              <a:rPr kumimoji="1" lang="ja-JP" altLang="en-US" sz="11500" b="1" dirty="0" smtClean="0">
-                <a:solidFill>
-                  <a:srgbClr val="FF0000"/>
-                </a:solidFill>
-              </a:rPr>
-              <a:t>未</a:t>
-            </a:r>
-            <a:endParaRPr kumimoji="1" lang="ja-JP" altLang="en-US" sz="11500" b="1" dirty="0">
-              <a:solidFill>
-                <a:srgbClr val="FF0000"/>
-              </a:solidFill>
-            </a:endParaRPr>
-          </a:p>
-        </p:txBody>
-      </p:sp>
-    </p:spTree>
-  </p:cSld>
-  <p:clrMapOvr>
-    <a:masterClrMapping/>
-  </p:clrMapOvr>
-</p:sld>
-</file>
-
-<file path=ppt/slides/slide4.xml><?xml version="1.0" encoding="utf-8"?>
-<p:sld xmlns:a="http://schemas.openxmlformats.org/drawingml/2006/main" xmlns:r="http://schemas.openxmlformats.org/officeDocument/2006/relationships" xmlns:p="http://schemas.openxmlformats.org/presentationml/2006/main">
-  <p:cSld>
-    <p:spTree>
-      <p:nvGrpSpPr>
         <p:cNvPr id="1" name="Shape 299"/>
         <p:cNvGrpSpPr/>
         <p:nvPr/>
@@ -13654,7 +12523,7 @@
           </a:bodyPr>
           <a:lstStyle/>
           <a:p>
-            <a:pPr marL="342900" marR="0" lvl="0" indent="-88900" algn="l" rtl="0">
+            <a:pPr marL="254000" marR="0" lvl="0" indent="0" algn="l" rtl="0">
               <a:lnSpc>
                 <a:spcPct val="90000"/>
               </a:lnSpc>
@@ -13668,20 +12537,96 @@
                 <a:schemeClr val="dk1"/>
               </a:buClr>
               <a:buSzPts val="2040"/>
-              <a:buFont typeface="Meiryo"/>
-              <a:buChar char="•"/>
+              <a:buNone/>
             </a:pPr>
             <a:r>
-              <a:rPr lang="ja" sz="2040">
-                <a:uFillTx/>
+              <a:rPr lang="ja-JP" altLang="en-US" sz="2040" dirty="0" smtClean="0">
                 <a:latin typeface="Meiryo"/>
                 <a:ea typeface="Meiryo"/>
                 <a:cs typeface="Meiryo"/>
                 <a:sym typeface="Meiryo"/>
               </a:rPr>
-              <a:t>本プロジェクトでは、データミックスの講師陣がいち早く、学習に躓いている受講生を察知し、フォローすることが目的です。そのためには、常にダッシュボード上でモニタリングできる必要があります。</a:t>
+              <a:t>・ドラマのクリエイティブ面の意思決定の際に、これまでの人の勘に加え、</a:t>
             </a:r>
-            <a:endParaRPr sz="2040">
+            <a:endParaRPr lang="en-US" altLang="ja-JP" sz="2040" dirty="0" smtClean="0">
+              <a:latin typeface="Meiryo"/>
+              <a:ea typeface="Meiryo"/>
+              <a:cs typeface="Meiryo"/>
+              <a:sym typeface="Meiryo"/>
+            </a:endParaRPr>
+          </a:p>
+          <a:p>
+            <a:pPr marL="254000" marR="0" lvl="0" indent="0" algn="l" rtl="0">
+              <a:lnSpc>
+                <a:spcPct val="90000"/>
+              </a:lnSpc>
+              <a:spcBef>
+                <a:spcPts val="800"/>
+              </a:spcBef>
+              <a:spcAft>
+                <a:spcPts val="0"/>
+              </a:spcAft>
+              <a:buClr>
+                <a:schemeClr val="dk1"/>
+              </a:buClr>
+              <a:buSzPts val="2040"/>
+              <a:buNone/>
+            </a:pPr>
+            <a:r>
+              <a:rPr lang="ja-JP" altLang="en-US" sz="2040" dirty="0" smtClean="0">
+                <a:uFillTx/>
+                <a:latin typeface="Meiryo"/>
+                <a:ea typeface="Meiryo"/>
+                <a:cs typeface="Meiryo"/>
+                <a:sym typeface="Meiryo"/>
+              </a:rPr>
+              <a:t>　定量的な評価指標を持って判断することができるようにする。</a:t>
+            </a:r>
+            <a:endParaRPr lang="en-US" altLang="ja-JP" sz="2040" dirty="0" smtClean="0">
+              <a:uFillTx/>
+              <a:latin typeface="Meiryo"/>
+              <a:ea typeface="Meiryo"/>
+              <a:cs typeface="Meiryo"/>
+              <a:sym typeface="Meiryo"/>
+            </a:endParaRPr>
+          </a:p>
+          <a:p>
+            <a:pPr marL="254000" marR="0" lvl="0" indent="0" algn="l" rtl="0">
+              <a:lnSpc>
+                <a:spcPct val="90000"/>
+              </a:lnSpc>
+              <a:spcBef>
+                <a:spcPts val="800"/>
+              </a:spcBef>
+              <a:spcAft>
+                <a:spcPts val="0"/>
+              </a:spcAft>
+              <a:buClr>
+                <a:schemeClr val="dk1"/>
+              </a:buClr>
+              <a:buSzPts val="2040"/>
+              <a:buNone/>
+            </a:pPr>
+            <a:r>
+              <a:rPr lang="ja-JP" altLang="en-US" sz="2040" dirty="0" smtClean="0">
+                <a:latin typeface="Meiryo"/>
+                <a:ea typeface="Meiryo"/>
+                <a:cs typeface="Meiryo"/>
+                <a:sym typeface="Meiryo"/>
+              </a:rPr>
+              <a:t>・また寄与度の低いものに対しての工数削減を提言する根拠を与える。</a:t>
+            </a:r>
+            <a:r>
+              <a:rPr lang="ja-JP" altLang="ja-JP" sz="2040" dirty="0">
+                <a:uFillTx/>
+                <a:latin typeface="Meiryo"/>
+                <a:ea typeface="Meiryo"/>
+                <a:cs typeface="Meiryo"/>
+                <a:sym typeface="Meiryo"/>
+              </a:rPr>
+              <a:t>　</a:t>
+            </a:r>
+            <a:endParaRPr sz="2040" dirty="0">
               <a:uFillTx/>
               <a:latin typeface="Meiryo"/>
               <a:ea typeface="Meiryo"/>
@@ -13737,7 +12682,7 @@
               <a:rPr lang="en-US" altLang="ja">
                 <a:uFillTx/>
               </a:rPr>
-              <a:t>4</a:t>
+              <a:t>3</a:t>
             </a:fld>
             <a:endParaRPr>
               <a:uFillTx/>
@@ -14015,17 +12960,18 @@
               <a:buNone/>
             </a:pPr>
             <a:r>
-              <a:rPr lang="ja">
-                <a:solidFill>
-                  <a:schemeClr val="dk1"/>
-                </a:solidFill>
-                <a:uFillTx/>
-              </a:rPr>
-              <a:t>データミックス講師に</a:t>
+              <a:rPr lang="ja-JP" altLang="en-US" dirty="0" smtClean="0"/>
+              <a:t>番組</a:t>
             </a:r>
-            <a:endParaRPr>
-              <a:uFillTx/>
-            </a:endParaRPr>
+            <a:r>
+              <a:rPr lang="en-US" altLang="ja-JP" dirty="0" smtClean="0"/>
+              <a:t>P</a:t>
+            </a:r>
+            <a:r>
+              <a:rPr lang="ja-JP" altLang="en-US" dirty="0" smtClean="0"/>
+              <a:t>、編成部に</a:t>
+            </a:r>
+            <a:endParaRPr lang="en-US" altLang="ja-JP" dirty="0" smtClean="0"/>
           </a:p>
         </p:txBody>
       </p:sp>
@@ -14077,15 +13023,29 @@
               <a:buNone/>
             </a:pPr>
             <a:r>
-              <a:rPr lang="ja">
-                <a:solidFill>
-                  <a:schemeClr val="dk1"/>
-                </a:solidFill>
+              <a:rPr lang="ja-JP" altLang="en-US" dirty="0" smtClean="0">
                 <a:uFillTx/>
               </a:rPr>
-              <a:t>各ステップ終了時に</a:t>
+              <a:t>常に</a:t>
             </a:r>
-            <a:endParaRPr>
+            <a:r>
+              <a:rPr lang="en-US" altLang="ja-JP" dirty="0" smtClean="0">
+                <a:uFillTx/>
+              </a:rPr>
+              <a:t/>
+            </a:r>
+            <a:br>
+              <a:rPr lang="en-US" altLang="ja-JP" dirty="0" smtClean="0">
+                <a:uFillTx/>
+              </a:rPr>
+            </a:br>
+            <a:r>
+              <a:rPr lang="ja-JP" altLang="en-US" dirty="0" smtClean="0">
+                <a:uFillTx/>
+              </a:rPr>
+              <a:t>（データセットは随時更新）</a:t>
+            </a:r>
+            <a:endParaRPr dirty="0">
               <a:uFillTx/>
             </a:endParaRPr>
           </a:p>
@@ -14134,12 +13094,12 @@
               <a:buNone/>
             </a:pPr>
             <a:r>
-              <a:rPr lang="ja">
+              <a:rPr lang="ja-JP" altLang="en-US" dirty="0" smtClean="0">
                 <a:uFillTx/>
               </a:rPr>
-              <a:t>受講生別の</a:t>
+              <a:t>・キャスティング、</a:t>
             </a:r>
-            <a:endParaRPr>
+            <a:endParaRPr lang="en-US" altLang="ja-JP" dirty="0" smtClean="0">
               <a:uFillTx/>
             </a:endParaRPr>
           </a:p>
@@ -14154,12 +13114,60 @@
               <a:buNone/>
             </a:pPr>
             <a:r>
-              <a:rPr lang="ja">
+              <a:rPr lang="ja-JP" altLang="ja-JP" dirty="0"/>
+              <a:t>　</a:t>
+            </a:r>
+            <a:r>
+              <a:rPr lang="ja-JP" altLang="en-US" dirty="0" smtClean="0">
                 <a:uFillTx/>
               </a:rPr>
-              <a:t>ドロップアウト確率を</a:t>
+              <a:t>原作選びの指標</a:t>
             </a:r>
-            <a:endParaRPr>
+            <a:endParaRPr lang="en-US" dirty="0" smtClean="0">
+              <a:uFillTx/>
+            </a:endParaRPr>
+          </a:p>
+          <a:p>
+            <a:pPr marL="0" lvl="0" indent="0" algn="l" rtl="0">
+              <a:spcBef>
+                <a:spcPts val="0"/>
+              </a:spcBef>
+              <a:spcAft>
+                <a:spcPts val="0"/>
+              </a:spcAft>
+              <a:buNone/>
+            </a:pPr>
+            <a:r>
+              <a:rPr lang="ja-JP" altLang="en-US" dirty="0" smtClean="0">
+                <a:uFillTx/>
+              </a:rPr>
+              <a:t>・そもそもそれらの</a:t>
+            </a:r>
+            <a:endParaRPr lang="en-US" altLang="ja-JP" dirty="0" smtClean="0">
+              <a:uFillTx/>
+            </a:endParaRPr>
+          </a:p>
+          <a:p>
+            <a:pPr marL="0" lvl="0" indent="0" algn="l" rtl="0">
+              <a:spcBef>
+                <a:spcPts val="0"/>
+              </a:spcBef>
+              <a:spcAft>
+                <a:spcPts val="0"/>
+              </a:spcAft>
+              <a:buNone/>
+            </a:pPr>
+            <a:r>
+              <a:rPr lang="ja-JP" altLang="ja-JP" dirty="0"/>
+              <a:t>　</a:t>
+            </a:r>
+            <a:r>
+              <a:rPr lang="ja-JP" altLang="en-US" dirty="0" smtClean="0">
+                <a:uFillTx/>
+              </a:rPr>
+              <a:t>特徴量の寄与度</a:t>
+            </a:r>
+            <a:endParaRPr dirty="0">
               <a:uFillTx/>
             </a:endParaRPr>
           </a:p>
@@ -14704,12 +13712,24 @@
               <a:buNone/>
             </a:pPr>
             <a:r>
-              <a:rPr lang="ja">
+              <a:rPr lang="ja-JP" altLang="en-US" dirty="0" smtClean="0">
                 <a:uFillTx/>
               </a:rPr>
-              <a:t>データミックス講師が</a:t>
+              <a:t>番組</a:t>
             </a:r>
-            <a:endParaRPr>
+            <a:r>
+              <a:rPr lang="en-US" altLang="ja-JP" dirty="0" smtClean="0">
+                <a:uFillTx/>
+              </a:rPr>
+              <a:t>P</a:t>
+            </a:r>
+            <a:r>
+              <a:rPr lang="ja-JP" altLang="en-US" dirty="0" smtClean="0">
+                <a:uFillTx/>
+              </a:rPr>
+              <a:t>、編成部が</a:t>
+            </a:r>
+            <a:endParaRPr dirty="0">
               <a:uFillTx/>
             </a:endParaRPr>
           </a:p>
@@ -14758,12 +13778,12 @@
               <a:buNone/>
             </a:pPr>
             <a:r>
-              <a:rPr lang="ja">
+              <a:rPr lang="ja-JP" altLang="en-US" dirty="0" smtClean="0">
                 <a:uFillTx/>
               </a:rPr>
-              <a:t>各ステップ終了時に</a:t>
+              <a:t>ドラマの企画時に</a:t>
             </a:r>
-            <a:endParaRPr>
+            <a:endParaRPr dirty="0">
               <a:uFillTx/>
             </a:endParaRPr>
           </a:p>
@@ -14812,12 +13832,12 @@
               <a:buNone/>
             </a:pPr>
             <a:r>
-              <a:rPr lang="ja">
+              <a:rPr lang="ja-JP" altLang="en-US" dirty="0" smtClean="0">
                 <a:uFillTx/>
               </a:rPr>
-              <a:t>ドロップアウトしそうな受講生と面談できる</a:t>
+              <a:t>キャスティング、原作選びをする際の定量的な指標を得られる</a:t>
             </a:r>
-            <a:endParaRPr>
+            <a:endParaRPr dirty="0">
               <a:uFillTx/>
             </a:endParaRPr>
           </a:p>
@@ -14871,43 +13891,6 @@
           </a:p>
         </p:txBody>
       </p:sp>
-      <p:sp>
-        <p:nvSpPr>
-          <p:cNvPr id="29" name="テキスト ボックス 28"/>
-          <p:cNvSpPr txBox="1"/>
-          <p:nvPr/>
-        </p:nvSpPr>
-        <p:spPr>
-          <a:xfrm rot="914259">
-            <a:off x="572985" y="191994"/>
-            <a:ext cx="912948" cy="1862048"/>
-          </a:xfrm>
-          <a:prstGeom prst="rect">
-            <a:avLst/>
-          </a:prstGeom>
-        </p:spPr>
-        <p:txBody>
-          <a:bodyPr wrap="square" rtlCol="0">
-            <a:spAutoFit/>
-          </a:bodyPr>
-          <a:lstStyle/>
-          <a:p>
-            <a:r>
-              <a:rPr kumimoji="1" lang="ja-JP" altLang="en-US" sz="11500" b="1" dirty="0" smtClean="0">
-                <a:solidFill>
-                  <a:srgbClr val="FF0000"/>
-                </a:solidFill>
-              </a:rPr>
-              <a:t>未</a:t>
-            </a:r>
-            <a:endParaRPr kumimoji="1" lang="ja-JP" altLang="en-US" sz="11500" b="1" dirty="0">
-              <a:solidFill>
-                <a:srgbClr val="FF0000"/>
-              </a:solidFill>
-            </a:endParaRPr>
-          </a:p>
-        </p:txBody>
-      </p:sp>
     </p:spTree>
   </p:cSld>
   <p:clrMapOvr>
@@ -14916,7 +13899,7 @@
 </p:sld>
 </file>
 
-<file path=ppt/slides/slide5.xml><?xml version="1.0" encoding="utf-8"?>
+<file path=ppt/slides/slide4.xml><?xml version="1.0" encoding="utf-8"?>
 <p:sld xmlns:a="http://schemas.openxmlformats.org/drawingml/2006/main" xmlns:r="http://schemas.openxmlformats.org/officeDocument/2006/relationships" xmlns:p="http://schemas.openxmlformats.org/presentationml/2006/main">
   <p:cSld>
     <p:spTree>
@@ -15032,7 +14015,7 @@
               <a:rPr lang="en-US" altLang="ja">
                 <a:uFillTx/>
               </a:rPr>
-              <a:t>5</a:t>
+              <a:t>4</a:t>
             </a:fld>
             <a:endParaRPr>
               <a:uFillTx/>
@@ -15157,11 +14140,17 @@
         <p:nvGraphicFramePr>
           <p:cNvPr id="334" name="Google Shape;334;p32"/>
           <p:cNvGraphicFramePr/>
-          <p:nvPr/>
+          <p:nvPr>
+            <p:extLst>
+              <p:ext uri="{D42A27DB-BD31-4B8C-83A1-F6EECF244321}">
+                <p14:modId xmlns:p14="http://schemas.microsoft.com/office/powerpoint/2010/main" val="2331873381"/>
+              </p:ext>
+            </p:extLst>
+          </p:nvPr>
         </p:nvGraphicFramePr>
         <p:xfrm>
           <a:off x="295367" y="2489686"/>
-          <a:ext cx="8641950" cy="2743289"/>
+          <a:ext cx="8641950" cy="3602927"/>
         </p:xfrm>
         <a:graphic>
           <a:graphicData uri="http://schemas.openxmlformats.org/drawingml/2006/table">
@@ -15220,14 +14209,41 @@
                     </a:p>
                   </a:txBody>
                   <a:tcPr marL="91450" marR="91450" marT="45725" marB="45725">
-                    <a:lnB w="12700" cap="flat" cmpd="sng">
+                    <a:lnL w="12700" cap="flat" cmpd="sng" algn="ctr">
                       <a:solidFill>
-                        <a:srgbClr val="000000"/>
+                        <a:scrgbClr r="0" g="0" b="0"/>
                       </a:solidFill>
                       <a:prstDash val="solid"/>
                       <a:round/>
-                      <a:headEnd type="none" w="sm" len="sm"/>
-                      <a:tailEnd type="none" w="sm" len="sm"/>
+                      <a:headEnd type="none" w="med" len="med"/>
+                      <a:tailEnd type="none" w="med" len="med"/>
+                    </a:lnL>
+                    <a:lnR w="12700" cap="flat" cmpd="sng" algn="ctr">
+                      <a:solidFill>
+                        <a:scrgbClr r="0" g="0" b="0"/>
+                      </a:solidFill>
+                      <a:prstDash val="solid"/>
+                      <a:round/>
+                      <a:headEnd type="none" w="med" len="med"/>
+                      <a:tailEnd type="none" w="med" len="med"/>
+                    </a:lnR>
+                    <a:lnT w="12700" cap="flat" cmpd="sng" algn="ctr">
+                      <a:solidFill>
+                        <a:scrgbClr r="0" g="0" b="0"/>
+                      </a:solidFill>
+                      <a:prstDash val="solid"/>
+                      <a:round/>
+                      <a:headEnd type="none" w="med" len="med"/>
+                      <a:tailEnd type="none" w="med" len="med"/>
+                    </a:lnT>
+                    <a:lnB w="12700" cap="flat" cmpd="sng" algn="ctr">
+                      <a:solidFill>
+                        <a:scrgbClr r="0" g="0" b="0"/>
+                      </a:solidFill>
+                      <a:prstDash val="solid"/>
+                      <a:round/>
+                      <a:headEnd type="none" w="med" len="med"/>
+                      <a:tailEnd type="none" w="med" len="med"/>
                     </a:lnB>
                   </a:tcPr>
                 </a:tc>
@@ -15253,7 +14269,7 @@
                         <a:buNone/>
                       </a:pPr>
                       <a:r>
-                        <a:rPr lang="ja">
+                        <a:rPr lang="ja" dirty="0">
                           <a:uFillTx/>
                           <a:latin typeface="Meiryo"/>
                           <a:ea typeface="Meiryo"/>
@@ -15262,7 +14278,7 @@
                         </a:rPr>
                         <a:t>入手方法</a:t>
                       </a:r>
-                      <a:endParaRPr sz="1400" u="none" strike="noStrike" cap="none">
+                      <a:endParaRPr sz="1400" u="none" strike="noStrike" cap="none" dirty="0">
                         <a:uFillTx/>
                         <a:latin typeface="Meiryo"/>
                         <a:ea typeface="Meiryo"/>
@@ -15272,14 +14288,41 @@
                     </a:p>
                   </a:txBody>
                   <a:tcPr marL="91450" marR="91450" marT="45725" marB="45725">
-                    <a:lnB w="12700" cap="flat" cmpd="sng">
+                    <a:lnL w="12700" cap="flat" cmpd="sng" algn="ctr">
                       <a:solidFill>
-                        <a:srgbClr val="000000"/>
+                        <a:scrgbClr r="0" g="0" b="0"/>
                       </a:solidFill>
                       <a:prstDash val="solid"/>
                       <a:round/>
-                      <a:headEnd type="none" w="sm" len="sm"/>
-                      <a:tailEnd type="none" w="sm" len="sm"/>
+                      <a:headEnd type="none" w="med" len="med"/>
+                      <a:tailEnd type="none" w="med" len="med"/>
+                    </a:lnL>
+                    <a:lnR w="12700" cap="flat" cmpd="sng" algn="ctr">
+                      <a:solidFill>
+                        <a:scrgbClr r="0" g="0" b="0"/>
+                      </a:solidFill>
+                      <a:prstDash val="solid"/>
+                      <a:round/>
+                      <a:headEnd type="none" w="med" len="med"/>
+                      <a:tailEnd type="none" w="med" len="med"/>
+                    </a:lnR>
+                    <a:lnT w="12700" cap="flat" cmpd="sng" algn="ctr">
+                      <a:solidFill>
+                        <a:scrgbClr r="0" g="0" b="0"/>
+                      </a:solidFill>
+                      <a:prstDash val="solid"/>
+                      <a:round/>
+                      <a:headEnd type="none" w="med" len="med"/>
+                      <a:tailEnd type="none" w="med" len="med"/>
+                    </a:lnT>
+                    <a:lnB w="12700" cap="flat" cmpd="sng" algn="ctr">
+                      <a:solidFill>
+                        <a:scrgbClr r="0" g="0" b="0"/>
+                      </a:solidFill>
+                      <a:prstDash val="solid"/>
+                      <a:round/>
+                      <a:headEnd type="none" w="med" len="med"/>
+                      <a:tailEnd type="none" w="med" len="med"/>
                     </a:lnB>
                   </a:tcPr>
                 </a:tc>
@@ -15324,14 +14367,41 @@
                     </a:p>
                   </a:txBody>
                   <a:tcPr marL="91450" marR="91450" marT="45725" marB="45725">
-                    <a:lnB w="12700" cap="flat" cmpd="sng">
+                    <a:lnL w="12700" cap="flat" cmpd="sng" algn="ctr">
                       <a:solidFill>
-                        <a:srgbClr val="000000"/>
+                        <a:scrgbClr r="0" g="0" b="0"/>
                       </a:solidFill>
                       <a:prstDash val="solid"/>
                       <a:round/>
-                      <a:headEnd type="none" w="sm" len="sm"/>
-                      <a:tailEnd type="none" w="sm" len="sm"/>
+                      <a:headEnd type="none" w="med" len="med"/>
+                      <a:tailEnd type="none" w="med" len="med"/>
+                    </a:lnL>
+                    <a:lnR w="12700" cap="flat" cmpd="sng" algn="ctr">
+                      <a:solidFill>
+                        <a:scrgbClr r="0" g="0" b="0"/>
+                      </a:solidFill>
+                      <a:prstDash val="solid"/>
+                      <a:round/>
+                      <a:headEnd type="none" w="med" len="med"/>
+                      <a:tailEnd type="none" w="med" len="med"/>
+                    </a:lnR>
+                    <a:lnT w="12700" cap="flat" cmpd="sng" algn="ctr">
+                      <a:solidFill>
+                        <a:scrgbClr r="0" g="0" b="0"/>
+                      </a:solidFill>
+                      <a:prstDash val="solid"/>
+                      <a:round/>
+                      <a:headEnd type="none" w="med" len="med"/>
+                      <a:tailEnd type="none" w="med" len="med"/>
+                    </a:lnT>
+                    <a:lnB w="12700" cap="flat" cmpd="sng" algn="ctr">
+                      <a:solidFill>
+                        <a:scrgbClr r="0" g="0" b="0"/>
+                      </a:solidFill>
+                      <a:prstDash val="solid"/>
+                      <a:round/>
+                      <a:headEnd type="none" w="med" len="med"/>
+                      <a:tailEnd type="none" w="med" len="med"/>
                     </a:lnB>
                   </a:tcPr>
                 </a:tc>
@@ -15376,14 +14446,41 @@
                     </a:p>
                   </a:txBody>
                   <a:tcPr marL="91450" marR="91450" marT="45725" marB="45725">
-                    <a:lnB w="12700" cap="flat" cmpd="sng">
+                    <a:lnL w="12700" cap="flat" cmpd="sng" algn="ctr">
                       <a:solidFill>
-                        <a:srgbClr val="000000"/>
+                        <a:scrgbClr r="0" g="0" b="0"/>
                       </a:solidFill>
                       <a:prstDash val="solid"/>
                       <a:round/>
-                      <a:headEnd type="none" w="sm" len="sm"/>
-                      <a:tailEnd type="none" w="sm" len="sm"/>
+                      <a:headEnd type="none" w="med" len="med"/>
+                      <a:tailEnd type="none" w="med" len="med"/>
+                    </a:lnL>
+                    <a:lnR w="12700" cap="flat" cmpd="sng" algn="ctr">
+                      <a:solidFill>
+                        <a:scrgbClr r="0" g="0" b="0"/>
+                      </a:solidFill>
+                      <a:prstDash val="solid"/>
+                      <a:round/>
+                      <a:headEnd type="none" w="med" len="med"/>
+                      <a:tailEnd type="none" w="med" len="med"/>
+                    </a:lnR>
+                    <a:lnT w="12700" cap="flat" cmpd="sng" algn="ctr">
+                      <a:solidFill>
+                        <a:scrgbClr r="0" g="0" b="0"/>
+                      </a:solidFill>
+                      <a:prstDash val="solid"/>
+                      <a:round/>
+                      <a:headEnd type="none" w="med" len="med"/>
+                      <a:tailEnd type="none" w="med" len="med"/>
+                    </a:lnT>
+                    <a:lnB w="12700" cap="flat" cmpd="sng" algn="ctr">
+                      <a:solidFill>
+                        <a:scrgbClr r="0" g="0" b="0"/>
+                      </a:solidFill>
+                      <a:prstDash val="solid"/>
+                      <a:round/>
+                      <a:headEnd type="none" w="med" len="med"/>
+                      <a:tailEnd type="none" w="med" len="med"/>
                     </a:lnB>
                   </a:tcPr>
                 </a:tc>
@@ -15428,14 +14525,41 @@
                     </a:p>
                   </a:txBody>
                   <a:tcPr marL="91450" marR="91450" marT="45725" marB="45725">
-                    <a:lnB w="12700" cap="flat" cmpd="sng">
+                    <a:lnL w="12700" cap="flat" cmpd="sng" algn="ctr">
                       <a:solidFill>
-                        <a:srgbClr val="000000"/>
+                        <a:scrgbClr r="0" g="0" b="0"/>
                       </a:solidFill>
                       <a:prstDash val="solid"/>
                       <a:round/>
-                      <a:headEnd type="none" w="sm" len="sm"/>
-                      <a:tailEnd type="none" w="sm" len="sm"/>
+                      <a:headEnd type="none" w="med" len="med"/>
+                      <a:tailEnd type="none" w="med" len="med"/>
+                    </a:lnL>
+                    <a:lnR w="12700" cap="flat" cmpd="sng" algn="ctr">
+                      <a:solidFill>
+                        <a:scrgbClr r="0" g="0" b="0"/>
+                      </a:solidFill>
+                      <a:prstDash val="solid"/>
+                      <a:round/>
+                      <a:headEnd type="none" w="med" len="med"/>
+                      <a:tailEnd type="none" w="med" len="med"/>
+                    </a:lnR>
+                    <a:lnT w="12700" cap="flat" cmpd="sng" algn="ctr">
+                      <a:solidFill>
+                        <a:scrgbClr r="0" g="0" b="0"/>
+                      </a:solidFill>
+                      <a:prstDash val="solid"/>
+                      <a:round/>
+                      <a:headEnd type="none" w="med" len="med"/>
+                      <a:tailEnd type="none" w="med" len="med"/>
+                    </a:lnT>
+                    <a:lnB w="12700" cap="flat" cmpd="sng" algn="ctr">
+                      <a:solidFill>
+                        <a:scrgbClr r="0" g="0" b="0"/>
+                      </a:solidFill>
+                      <a:prstDash val="solid"/>
+                      <a:round/>
+                      <a:headEnd type="none" w="med" len="med"/>
+                      <a:tailEnd type="none" w="med" len="med"/>
                     </a:lnB>
                   </a:tcPr>
                 </a:tc>
@@ -15461,7 +14585,7 @@
                         <a:buNone/>
                       </a:pPr>
                       <a:r>
-                        <a:rPr lang="ja" sz="1400" u="none" strike="noStrike" cap="none">
+                        <a:rPr lang="ja" sz="1400" u="none" strike="noStrike" cap="none" dirty="0">
                           <a:uFillTx/>
                           <a:latin typeface="Meiryo"/>
                           <a:ea typeface="Meiryo"/>
@@ -15470,7 +14594,7 @@
                         </a:rPr>
                         <a:t>例</a:t>
                       </a:r>
-                      <a:endParaRPr sz="1400" u="none" strike="noStrike" cap="none">
+                      <a:endParaRPr sz="1400" u="none" strike="noStrike" cap="none" dirty="0">
                         <a:uFillTx/>
                         <a:latin typeface="Meiryo"/>
                         <a:ea typeface="Meiryo"/>
@@ -15480,20 +14604,47 @@
                     </a:p>
                   </a:txBody>
                   <a:tcPr marL="91450" marR="91450" marT="45725" marB="45725">
-                    <a:lnB w="12700" cap="flat" cmpd="sng">
+                    <a:lnL w="12700" cap="flat" cmpd="sng" algn="ctr">
                       <a:solidFill>
-                        <a:srgbClr val="000000"/>
+                        <a:scrgbClr r="0" g="0" b="0"/>
                       </a:solidFill>
                       <a:prstDash val="solid"/>
                       <a:round/>
-                      <a:headEnd type="none" w="sm" len="sm"/>
-                      <a:tailEnd type="none" w="sm" len="sm"/>
+                      <a:headEnd type="none" w="med" len="med"/>
+                      <a:tailEnd type="none" w="med" len="med"/>
+                    </a:lnL>
+                    <a:lnR w="12700" cap="flat" cmpd="sng" algn="ctr">
+                      <a:solidFill>
+                        <a:scrgbClr r="0" g="0" b="0"/>
+                      </a:solidFill>
+                      <a:prstDash val="solid"/>
+                      <a:round/>
+                      <a:headEnd type="none" w="med" len="med"/>
+                      <a:tailEnd type="none" w="med" len="med"/>
+                    </a:lnR>
+                    <a:lnT w="12700" cap="flat" cmpd="sng" algn="ctr">
+                      <a:solidFill>
+                        <a:scrgbClr r="0" g="0" b="0"/>
+                      </a:solidFill>
+                      <a:prstDash val="solid"/>
+                      <a:round/>
+                      <a:headEnd type="none" w="med" len="med"/>
+                      <a:tailEnd type="none" w="med" len="med"/>
+                    </a:lnT>
+                    <a:lnB w="12700" cap="flat" cmpd="sng" algn="ctr">
+                      <a:solidFill>
+                        <a:scrgbClr r="0" g="0" b="0"/>
+                      </a:solidFill>
+                      <a:prstDash val="solid"/>
+                      <a:round/>
+                      <a:headEnd type="none" w="med" len="med"/>
+                      <a:tailEnd type="none" w="med" len="med"/>
                     </a:lnB>
                   </a:tcPr>
                 </a:tc>
               </a:tr>
               <a:tr h="290675">
-                <a:tc rowSpan="4">
+                <a:tc rowSpan="3">
                   <a:txBody>
                     <a:bodyPr/>
                     <a:lstStyle/>
@@ -15515,98 +14666,16 @@
                         <a:buNone/>
                       </a:pPr>
                       <a:r>
-                        <a:rPr lang="ja">
+                        <a:rPr lang="ja-JP" altLang="en-US" sz="1400" u="none" strike="noStrike" cap="none" dirty="0" smtClean="0">
                           <a:uFillTx/>
                           <a:latin typeface="Meiryo"/>
                           <a:ea typeface="Meiryo"/>
                           <a:cs typeface="Meiryo"/>
                           <a:sym typeface="Meiryo"/>
                         </a:rPr>
-                        <a:t>小テストデータ</a:t>
+                        <a:t>ドラマの視聴率</a:t>
                       </a:r>
-                      <a:endParaRPr sz="1400" u="none" strike="noStrike" cap="none">
-                        <a:uFillTx/>
-                        <a:latin typeface="Meiryo"/>
-                        <a:ea typeface="Meiryo"/>
-                        <a:cs typeface="Meiryo"/>
-                        <a:sym typeface="Meiryo"/>
-                      </a:endParaRPr>
-                    </a:p>
-                  </a:txBody>
-                  <a:tcPr marL="91450" marR="91450" marT="45725" marB="45725">
-                    <a:lnL w="12700" cap="flat" cmpd="sng">
-                      <a:solidFill>
-                        <a:srgbClr val="000000"/>
-                      </a:solidFill>
-                      <a:prstDash val="solid"/>
-                      <a:round/>
-                      <a:headEnd type="none" w="sm" len="sm"/>
-                      <a:tailEnd type="none" w="sm" len="sm"/>
-                    </a:lnL>
-                    <a:lnR w="12700" cap="flat" cmpd="sng">
-                      <a:solidFill>
-                        <a:srgbClr val="000000"/>
-                      </a:solidFill>
-                      <a:prstDash val="solid"/>
-                      <a:round/>
-                      <a:headEnd type="none" w="sm" len="sm"/>
-                      <a:tailEnd type="none" w="sm" len="sm"/>
-                    </a:lnR>
-                    <a:lnT w="12700" cap="flat" cmpd="sng">
-                      <a:solidFill>
-                        <a:srgbClr val="000000"/>
-                      </a:solidFill>
-                      <a:prstDash val="solid"/>
-                      <a:round/>
-                      <a:headEnd type="none" w="sm" len="sm"/>
-                      <a:tailEnd type="none" w="sm" len="sm"/>
-                    </a:lnT>
-                    <a:lnB w="12700" cap="flat" cmpd="sng">
-                      <a:solidFill>
-                        <a:srgbClr val="000000"/>
-                      </a:solidFill>
-                      <a:prstDash val="solid"/>
-                      <a:round/>
-                      <a:headEnd type="none" w="sm" len="sm"/>
-                      <a:tailEnd type="none" w="sm" len="sm"/>
-                    </a:lnB>
-                    <a:solidFill>
-                      <a:srgbClr val="FFFFFF"/>
-                    </a:solidFill>
-                  </a:tcPr>
-                </a:tc>
-                <a:tc rowSpan="4">
-                  <a:txBody>
-                    <a:bodyPr/>
-                    <a:lstStyle/>
-                    <a:p>
-                      <a:pPr marL="0" marR="0" lvl="0" indent="0" algn="l" rtl="0">
-                        <a:lnSpc>
-                          <a:spcPct val="100000"/>
-                        </a:lnSpc>
-                        <a:spcBef>
-                          <a:spcPts val="0"/>
-                        </a:spcBef>
-                        <a:spcAft>
-                          <a:spcPts val="0"/>
-                        </a:spcAft>
-                        <a:buClr>
-                          <a:srgbClr val="000000"/>
-                        </a:buClr>
-                        <a:buFont typeface="Arial"/>
-                        <a:buNone/>
-                      </a:pPr>
-                      <a:r>
-                        <a:rPr lang="ja">
-                          <a:uFillTx/>
-                          <a:latin typeface="Meiryo"/>
-                          <a:ea typeface="Meiryo"/>
-                          <a:cs typeface="Meiryo"/>
-                          <a:sym typeface="Meiryo"/>
-                        </a:rPr>
-                        <a:t>オペレーション部に依頼し、</a:t>
-                      </a:r>
-                      <a:endParaRPr>
+                      <a:endParaRPr lang="en-US" altLang="ja-JP" sz="1400" u="none" strike="noStrike" cap="none" dirty="0" smtClean="0">
                         <a:uFillTx/>
                         <a:latin typeface="Meiryo"/>
                         <a:ea typeface="Meiryo"/>
@@ -15632,16 +14701,36 @@
                         <a:buNone/>
                       </a:pPr>
                       <a:r>
-                        <a:rPr lang="ja">
+                        <a:rPr lang="en-US" altLang="ja-JP" sz="1400" u="none" strike="noStrike" cap="none" dirty="0" smtClean="0">
                           <a:uFillTx/>
                           <a:latin typeface="Meiryo"/>
                           <a:ea typeface="Meiryo"/>
                           <a:cs typeface="Meiryo"/>
                           <a:sym typeface="Meiryo"/>
                         </a:rPr>
-                        <a:t>データベースへ接続する</a:t>
+                        <a:t>(</a:t>
                       </a:r>
-                      <a:endParaRPr>
+                      <a:r>
+                        <a:rPr lang="ja-JP" altLang="en-US" sz="1400" u="none" strike="noStrike" cap="none" dirty="0" smtClean="0">
+                          <a:uFillTx/>
+                          <a:latin typeface="Meiryo"/>
+                          <a:ea typeface="Meiryo"/>
+                          <a:cs typeface="Meiryo"/>
+                          <a:sym typeface="Meiryo"/>
+                        </a:rPr>
+                        <a:t>各回</a:t>
+                      </a:r>
+                      <a:r>
+                        <a:rPr lang="en-US" altLang="ja-JP" sz="1400" u="none" strike="noStrike" cap="none" dirty="0" smtClean="0">
+                          <a:uFillTx/>
+                          <a:latin typeface="Meiryo"/>
+                          <a:ea typeface="Meiryo"/>
+                          <a:cs typeface="Meiryo"/>
+                          <a:sym typeface="Meiryo"/>
+                        </a:rPr>
+                        <a:t>)</a:t>
+                      </a:r>
+                      <a:endParaRPr sz="1400" u="none" strike="noStrike" cap="none" dirty="0">
                         <a:uFillTx/>
                         <a:latin typeface="Meiryo"/>
                         <a:ea typeface="Meiryo"/>
@@ -15651,48 +14740,48 @@
                     </a:p>
                   </a:txBody>
                   <a:tcPr marL="91450" marR="91450" marT="45725" marB="45725">
-                    <a:lnL w="12700" cap="flat" cmpd="sng">
+                    <a:lnL w="12700" cap="flat" cmpd="sng" algn="ctr">
                       <a:solidFill>
-                        <a:srgbClr val="000000"/>
+                        <a:scrgbClr r="0" g="0" b="0"/>
                       </a:solidFill>
                       <a:prstDash val="solid"/>
                       <a:round/>
-                      <a:headEnd type="none" w="sm" len="sm"/>
-                      <a:tailEnd type="none" w="sm" len="sm"/>
+                      <a:headEnd type="none" w="med" len="med"/>
+                      <a:tailEnd type="none" w="med" len="med"/>
                     </a:lnL>
-                    <a:lnR w="12700" cap="flat" cmpd="sng">
+                    <a:lnR w="12700" cap="flat" cmpd="sng" algn="ctr">
                       <a:solidFill>
-                        <a:srgbClr val="000000"/>
+                        <a:scrgbClr r="0" g="0" b="0"/>
                       </a:solidFill>
                       <a:prstDash val="solid"/>
                       <a:round/>
-                      <a:headEnd type="none" w="sm" len="sm"/>
-                      <a:tailEnd type="none" w="sm" len="sm"/>
+                      <a:headEnd type="none" w="med" len="med"/>
+                      <a:tailEnd type="none" w="med" len="med"/>
                     </a:lnR>
-                    <a:lnT w="12700" cap="flat" cmpd="sng">
+                    <a:lnT w="12700" cap="flat" cmpd="sng" algn="ctr">
                       <a:solidFill>
-                        <a:srgbClr val="000000"/>
+                        <a:scrgbClr r="0" g="0" b="0"/>
                       </a:solidFill>
                       <a:prstDash val="solid"/>
                       <a:round/>
-                      <a:headEnd type="none" w="sm" len="sm"/>
-                      <a:tailEnd type="none" w="sm" len="sm"/>
+                      <a:headEnd type="none" w="med" len="med"/>
+                      <a:tailEnd type="none" w="med" len="med"/>
                     </a:lnT>
-                    <a:lnB w="12700" cap="flat" cmpd="sng">
+                    <a:lnB w="12700" cap="flat" cmpd="sng" algn="ctr">
                       <a:solidFill>
-                        <a:srgbClr val="000000"/>
+                        <a:scrgbClr r="0" g="0" b="0"/>
                       </a:solidFill>
                       <a:prstDash val="solid"/>
                       <a:round/>
-                      <a:headEnd type="none" w="sm" len="sm"/>
-                      <a:tailEnd type="none" w="sm" len="sm"/>
+                      <a:headEnd type="none" w="med" len="med"/>
+                      <a:tailEnd type="none" w="med" len="med"/>
                     </a:lnB>
                     <a:solidFill>
                       <a:srgbClr val="FFFFFF"/>
                     </a:solidFill>
                   </a:tcPr>
                 </a:tc>
-                <a:tc rowSpan="4">
+                <a:tc rowSpan="3">
                   <a:txBody>
                     <a:bodyPr/>
                     <a:lstStyle/>
@@ -15714,138 +14803,16 @@
                         <a:buNone/>
                       </a:pPr>
                       <a:r>
-                        <a:rPr lang="ja" sz="1400" u="none" strike="noStrike" cap="none" dirty="0">
+                        <a:rPr lang="ja-JP" altLang="en-US" dirty="0" smtClean="0">
                           <a:uFillTx/>
                           <a:latin typeface="Meiryo"/>
                           <a:ea typeface="Meiryo"/>
                           <a:cs typeface="Meiryo"/>
                           <a:sym typeface="Meiryo"/>
                         </a:rPr>
-                        <a:t>20</a:t>
+                        <a:t>スクレイピング</a:t>
                       </a:r>
-                      <a:r>
-                        <a:rPr lang="en-US" altLang="ja" sz="1400" u="none" strike="noStrike" cap="none" dirty="0">
-                          <a:uFillTx/>
-                          <a:latin typeface="Meiryo"/>
-                          <a:ea typeface="Meiryo"/>
-                          <a:cs typeface="Meiryo"/>
-                          <a:sym typeface="Meiryo"/>
-                        </a:rPr>
-                        <a:t>XX</a:t>
-                      </a:r>
-                      <a:r>
-                        <a:rPr lang="ja" sz="1400" u="none" strike="noStrike" cap="none" dirty="0">
-                          <a:uFillTx/>
-                          <a:latin typeface="Meiryo"/>
-                          <a:ea typeface="Meiryo"/>
-                          <a:cs typeface="Meiryo"/>
-                          <a:sym typeface="Meiryo"/>
-                        </a:rPr>
-                        <a:t>/X~20</a:t>
-                      </a:r>
-                      <a:r>
-                        <a:rPr lang="en-US" altLang="ja" sz="1400" u="none" strike="noStrike" cap="none" dirty="0">
-                          <a:uFillTx/>
-                          <a:latin typeface="Meiryo"/>
-                          <a:ea typeface="Meiryo"/>
-                          <a:cs typeface="Meiryo"/>
-                          <a:sym typeface="Meiryo"/>
-                        </a:rPr>
-                        <a:t>XX</a:t>
-                      </a:r>
-                      <a:r>
-                        <a:rPr lang="ja" sz="1400" u="none" strike="noStrike" cap="none" dirty="0">
-                          <a:uFillTx/>
-                          <a:latin typeface="Meiryo"/>
-                          <a:ea typeface="Meiryo"/>
-                          <a:cs typeface="Meiryo"/>
-                          <a:sym typeface="Meiryo"/>
-                        </a:rPr>
-                        <a:t>/X</a:t>
-                      </a:r>
-                      <a:endParaRPr sz="1400" u="none" strike="noStrike" cap="none" dirty="0">
-                        <a:uFillTx/>
-                        <a:latin typeface="Meiryo"/>
-                        <a:ea typeface="Meiryo"/>
-                        <a:cs typeface="Meiryo"/>
-                        <a:sym typeface="Meiryo"/>
-                      </a:endParaRPr>
-                    </a:p>
-                  </a:txBody>
-                  <a:tcPr marL="91450" marR="91450" marT="45725" marB="45725">
-                    <a:lnL w="12700" cap="flat" cmpd="sng">
-                      <a:solidFill>
-                        <a:srgbClr val="000000"/>
-                      </a:solidFill>
-                      <a:prstDash val="solid"/>
-                      <a:round/>
-                      <a:headEnd type="none" w="sm" len="sm"/>
-                      <a:tailEnd type="none" w="sm" len="sm"/>
-                    </a:lnL>
-                    <a:lnR w="12700" cap="flat" cmpd="sng">
-                      <a:solidFill>
-                        <a:srgbClr val="000000"/>
-                      </a:solidFill>
-                      <a:prstDash val="solid"/>
-                      <a:round/>
-                      <a:headEnd type="none" w="sm" len="sm"/>
-                      <a:tailEnd type="none" w="sm" len="sm"/>
-                    </a:lnR>
-                    <a:lnT w="12700" cap="flat" cmpd="sng">
-                      <a:solidFill>
-                        <a:srgbClr val="000000"/>
-                      </a:solidFill>
-                      <a:prstDash val="solid"/>
-                      <a:round/>
-                      <a:headEnd type="none" w="sm" len="sm"/>
-                      <a:tailEnd type="none" w="sm" len="sm"/>
-                    </a:lnT>
-                    <a:lnB w="12700" cap="flat" cmpd="sng">
-                      <a:solidFill>
-                        <a:srgbClr val="000000"/>
-                      </a:solidFill>
-                      <a:prstDash val="solid"/>
-                      <a:round/>
-                      <a:headEnd type="none" w="sm" len="sm"/>
-                      <a:tailEnd type="none" w="sm" len="sm"/>
-                    </a:lnB>
-                    <a:solidFill>
-                      <a:srgbClr val="FFFFFF"/>
-                    </a:solidFill>
-                  </a:tcPr>
-                </a:tc>
-                <a:tc rowSpan="4">
-                  <a:txBody>
-                    <a:bodyPr/>
-                    <a:lstStyle/>
-                    <a:p>
-                      <a:pPr marL="0" marR="0" lvl="0" indent="0" algn="l" rtl="0">
-                        <a:lnSpc>
-                          <a:spcPct val="100000"/>
-                        </a:lnSpc>
-                        <a:spcBef>
-                          <a:spcPts val="0"/>
-                        </a:spcBef>
-                        <a:spcAft>
-                          <a:spcPts val="0"/>
-                        </a:spcAft>
-                        <a:buClr>
-                          <a:srgbClr val="000000"/>
-                        </a:buClr>
-                        <a:buFont typeface="Arial"/>
-                        <a:buNone/>
-                      </a:pPr>
-                      <a:r>
-                        <a:rPr lang="ja" sz="1400" u="none" strike="noStrike" cap="none">
-                          <a:uFillTx/>
-                          <a:latin typeface="Meiryo"/>
-                          <a:ea typeface="Meiryo"/>
-                          <a:cs typeface="Meiryo"/>
-                          <a:sym typeface="Meiryo"/>
-                        </a:rPr>
-                        <a:t>日別</a:t>
-                      </a:r>
-                      <a:endParaRPr sz="1400" u="none" strike="noStrike" cap="none">
+                      <a:endParaRPr lang="en-US" altLang="ja-JP" dirty="0" smtClean="0">
                         <a:uFillTx/>
                         <a:latin typeface="Meiryo"/>
                         <a:ea typeface="Meiryo"/>
@@ -15870,7 +14837,37 @@
                         <a:buFont typeface="Arial"/>
                         <a:buNone/>
                       </a:pPr>
-                      <a:endParaRPr sz="1400" u="none" strike="noStrike" cap="none">
+                      <a:r>
+                        <a:rPr lang="en-US" dirty="0" smtClean="0">
+                          <a:uFillTx/>
+                          <a:latin typeface="Meiryo"/>
+                          <a:ea typeface="Meiryo"/>
+                          <a:cs typeface="Meiryo"/>
+                          <a:sym typeface="Meiryo"/>
+                        </a:rPr>
+                        <a:t>https://</a:t>
+                      </a:r>
+                      <a:r>
+                        <a:rPr lang="en-US" dirty="0" err="1" smtClean="0">
+                          <a:uFillTx/>
+                          <a:latin typeface="Meiryo"/>
+                          <a:ea typeface="Meiryo"/>
+                          <a:cs typeface="Meiryo"/>
+                          <a:sym typeface="Meiryo"/>
+                        </a:rPr>
+                        <a:t>artv.info</a:t>
+                      </a:r>
+                      <a:r>
+                        <a:rPr lang="en-US" dirty="0" smtClean="0">
+                          <a:uFillTx/>
+                          <a:latin typeface="Meiryo"/>
+                          <a:ea typeface="Meiryo"/>
+                          <a:cs typeface="Meiryo"/>
+                          <a:sym typeface="Meiryo"/>
+                        </a:rPr>
+                        <a:t>/ar1907.html</a:t>
+                      </a:r>
+                      <a:endParaRPr dirty="0">
                         <a:uFillTx/>
                         <a:latin typeface="Meiryo"/>
                         <a:ea typeface="Meiryo"/>
@@ -15880,48 +14877,48 @@
                     </a:p>
                   </a:txBody>
                   <a:tcPr marL="91450" marR="91450" marT="45725" marB="45725">
-                    <a:lnL w="12700" cap="flat" cmpd="sng">
+                    <a:lnL w="12700" cap="flat" cmpd="sng" algn="ctr">
                       <a:solidFill>
-                        <a:srgbClr val="000000"/>
+                        <a:scrgbClr r="0" g="0" b="0"/>
                       </a:solidFill>
                       <a:prstDash val="solid"/>
                       <a:round/>
-                      <a:headEnd type="none" w="sm" len="sm"/>
-                      <a:tailEnd type="none" w="sm" len="sm"/>
+                      <a:headEnd type="none" w="med" len="med"/>
+                      <a:tailEnd type="none" w="med" len="med"/>
                     </a:lnL>
-                    <a:lnR w="12700" cap="flat" cmpd="sng">
+                    <a:lnR w="12700" cap="flat" cmpd="sng" algn="ctr">
                       <a:solidFill>
-                        <a:srgbClr val="000000"/>
+                        <a:scrgbClr r="0" g="0" b="0"/>
                       </a:solidFill>
                       <a:prstDash val="solid"/>
                       <a:round/>
-                      <a:headEnd type="none" w="sm" len="sm"/>
-                      <a:tailEnd type="none" w="sm" len="sm"/>
+                      <a:headEnd type="none" w="med" len="med"/>
+                      <a:tailEnd type="none" w="med" len="med"/>
                     </a:lnR>
-                    <a:lnT w="12700" cap="flat" cmpd="sng">
+                    <a:lnT w="12700" cap="flat" cmpd="sng" algn="ctr">
                       <a:solidFill>
-                        <a:srgbClr val="000000"/>
+                        <a:scrgbClr r="0" g="0" b="0"/>
                       </a:solidFill>
                       <a:prstDash val="solid"/>
                       <a:round/>
-                      <a:headEnd type="none" w="sm" len="sm"/>
-                      <a:tailEnd type="none" w="sm" len="sm"/>
+                      <a:headEnd type="none" w="med" len="med"/>
+                      <a:tailEnd type="none" w="med" len="med"/>
                     </a:lnT>
-                    <a:lnB w="12700" cap="flat" cmpd="sng">
+                    <a:lnB w="12700" cap="flat" cmpd="sng" algn="ctr">
                       <a:solidFill>
-                        <a:srgbClr val="000000"/>
+                        <a:scrgbClr r="0" g="0" b="0"/>
                       </a:solidFill>
                       <a:prstDash val="solid"/>
                       <a:round/>
-                      <a:headEnd type="none" w="sm" len="sm"/>
-                      <a:tailEnd type="none" w="sm" len="sm"/>
+                      <a:headEnd type="none" w="med" len="med"/>
+                      <a:tailEnd type="none" w="med" len="med"/>
                     </a:lnB>
                     <a:solidFill>
                       <a:srgbClr val="FFFFFF"/>
                     </a:solidFill>
                   </a:tcPr>
                 </a:tc>
-                <a:tc>
+                <a:tc rowSpan="3">
                   <a:txBody>
                     <a:bodyPr/>
                     <a:lstStyle/>
@@ -15943,16 +14940,46 @@
                         <a:buNone/>
                       </a:pPr>
                       <a:r>
-                        <a:rPr lang="ja">
+                        <a:rPr lang="ja" sz="1400" u="none" strike="noStrike" cap="none" dirty="0" smtClean="0">
                           <a:uFillTx/>
                           <a:latin typeface="Meiryo"/>
                           <a:ea typeface="Meiryo"/>
                           <a:cs typeface="Meiryo"/>
                           <a:sym typeface="Meiryo"/>
                         </a:rPr>
-                        <a:t>日付</a:t>
+                        <a:t>20</a:t>
                       </a:r>
-                      <a:endParaRPr sz="1400" u="none" strike="noStrike" cap="none">
+                      <a:r>
+                        <a:rPr lang="en-US" altLang="ja" sz="1400" u="none" strike="noStrike" cap="none" dirty="0" smtClean="0">
+                          <a:uFillTx/>
+                          <a:latin typeface="Meiryo"/>
+                          <a:ea typeface="Meiryo"/>
+                          <a:cs typeface="Meiryo"/>
+                          <a:sym typeface="Meiryo"/>
+                        </a:rPr>
+                        <a:t>03</a:t>
+                      </a:r>
+                      <a:r>
+                        <a:rPr lang="en-US" altLang="ja-JP" sz="1400" u="none" strike="noStrike" cap="none" dirty="0" smtClean="0">
+                          <a:uFillTx/>
+                          <a:latin typeface="Meiryo"/>
+                          <a:ea typeface="Meiryo"/>
+                          <a:cs typeface="Meiryo"/>
+                          <a:sym typeface="Meiryo"/>
+                        </a:rPr>
+                        <a:t>〜2019</a:t>
+                      </a:r>
+                      <a:r>
+                        <a:rPr lang="ja-JP" altLang="en-US" sz="1400" u="none" strike="noStrike" cap="none" dirty="0" smtClean="0">
+                          <a:uFillTx/>
+                          <a:latin typeface="Meiryo"/>
+                          <a:ea typeface="Meiryo"/>
+                          <a:cs typeface="Meiryo"/>
+                          <a:sym typeface="Meiryo"/>
+                        </a:rPr>
+                        <a:t>年</a:t>
+                      </a:r>
+                      <a:endParaRPr sz="1400" u="none" strike="noStrike" cap="none" dirty="0">
                         <a:uFillTx/>
                         <a:latin typeface="Meiryo"/>
                         <a:ea typeface="Meiryo"/>
@@ -15962,48 +14989,48 @@
                     </a:p>
                   </a:txBody>
                   <a:tcPr marL="91450" marR="91450" marT="45725" marB="45725">
-                    <a:lnL w="12700" cap="flat" cmpd="sng">
+                    <a:lnL w="12700" cap="flat" cmpd="sng" algn="ctr">
                       <a:solidFill>
-                        <a:srgbClr val="000000"/>
+                        <a:scrgbClr r="0" g="0" b="0"/>
                       </a:solidFill>
                       <a:prstDash val="solid"/>
                       <a:round/>
-                      <a:headEnd type="none" w="sm" len="sm"/>
-                      <a:tailEnd type="none" w="sm" len="sm"/>
+                      <a:headEnd type="none" w="med" len="med"/>
+                      <a:tailEnd type="none" w="med" len="med"/>
                     </a:lnL>
-                    <a:lnR w="12700" cap="flat" cmpd="sng">
+                    <a:lnR w="12700" cap="flat" cmpd="sng" algn="ctr">
                       <a:solidFill>
-                        <a:srgbClr val="000000"/>
+                        <a:scrgbClr r="0" g="0" b="0"/>
                       </a:solidFill>
                       <a:prstDash val="solid"/>
                       <a:round/>
-                      <a:headEnd type="none" w="sm" len="sm"/>
-                      <a:tailEnd type="none" w="sm" len="sm"/>
+                      <a:headEnd type="none" w="med" len="med"/>
+                      <a:tailEnd type="none" w="med" len="med"/>
                     </a:lnR>
-                    <a:lnT w="12700" cap="flat" cmpd="sng">
+                    <a:lnT w="12700" cap="flat" cmpd="sng" algn="ctr">
                       <a:solidFill>
-                        <a:srgbClr val="000000"/>
+                        <a:scrgbClr r="0" g="0" b="0"/>
                       </a:solidFill>
                       <a:prstDash val="solid"/>
                       <a:round/>
-                      <a:headEnd type="none" w="sm" len="sm"/>
-                      <a:tailEnd type="none" w="sm" len="sm"/>
+                      <a:headEnd type="none" w="med" len="med"/>
+                      <a:tailEnd type="none" w="med" len="med"/>
                     </a:lnT>
-                    <a:lnB w="12700" cap="flat" cmpd="sng">
+                    <a:lnB w="12700" cap="flat" cmpd="sng" algn="ctr">
                       <a:solidFill>
-                        <a:srgbClr val="000000"/>
+                        <a:scrgbClr r="0" g="0" b="0"/>
                       </a:solidFill>
                       <a:prstDash val="solid"/>
                       <a:round/>
-                      <a:headEnd type="none" w="sm" len="sm"/>
-                      <a:tailEnd type="none" w="sm" len="sm"/>
+                      <a:headEnd type="none" w="med" len="med"/>
+                      <a:tailEnd type="none" w="med" len="med"/>
                     </a:lnB>
                     <a:solidFill>
                       <a:srgbClr val="FFFFFF"/>
                     </a:solidFill>
                   </a:tcPr>
                 </a:tc>
-                <a:tc>
+                <a:tc rowSpan="3">
                   <a:txBody>
                     <a:bodyPr/>
                     <a:lstStyle/>
@@ -16025,16 +15052,66 @@
                         <a:buNone/>
                       </a:pPr>
                       <a:r>
-                        <a:rPr lang="ja" sz="1400" u="none" strike="noStrike" cap="none">
+                        <a:rPr lang="ja-JP" altLang="en-US" sz="1400" u="none" strike="noStrike" cap="none" dirty="0" smtClean="0">
                           <a:uFillTx/>
                           <a:latin typeface="Meiryo"/>
                           <a:ea typeface="Meiryo"/>
                           <a:cs typeface="Meiryo"/>
                           <a:sym typeface="Meiryo"/>
                         </a:rPr>
-                        <a:t>2016-01-01</a:t>
+                        <a:t>各回</a:t>
                       </a:r>
-                      <a:endParaRPr sz="1400" u="none" strike="noStrike" cap="none">
+                      <a:endParaRPr lang="en-US" altLang="ja-JP" sz="1400" u="none" strike="noStrike" cap="none" dirty="0" smtClean="0">
+                        <a:uFillTx/>
+                        <a:latin typeface="Meiryo"/>
+                        <a:ea typeface="Meiryo"/>
+                        <a:cs typeface="Meiryo"/>
+                        <a:sym typeface="Meiryo"/>
+                      </a:endParaRPr>
+                    </a:p>
+                    <a:p>
+                      <a:pPr marL="0" marR="0" lvl="0" indent="0" algn="l" rtl="0">
+                        <a:lnSpc>
+                          <a:spcPct val="100000"/>
+                        </a:lnSpc>
+                        <a:spcBef>
+                          <a:spcPts val="0"/>
+                        </a:spcBef>
+                        <a:spcAft>
+                          <a:spcPts val="0"/>
+                        </a:spcAft>
+                        <a:buClr>
+                          <a:srgbClr val="000000"/>
+                        </a:buClr>
+                        <a:buFont typeface="Arial"/>
+                        <a:buNone/>
+                      </a:pPr>
+                      <a:endParaRPr sz="1400" u="none" strike="noStrike" cap="none" dirty="0">
+                        <a:uFillTx/>
+                        <a:latin typeface="Meiryo"/>
+                        <a:ea typeface="Meiryo"/>
+                        <a:cs typeface="Meiryo"/>
+                        <a:sym typeface="Meiryo"/>
+                      </a:endParaRPr>
+                    </a:p>
+                    <a:p>
+                      <a:pPr marL="0" marR="0" lvl="0" indent="0" algn="l" rtl="0">
+                        <a:lnSpc>
+                          <a:spcPct val="100000"/>
+                        </a:lnSpc>
+                        <a:spcBef>
+                          <a:spcPts val="0"/>
+                        </a:spcBef>
+                        <a:spcAft>
+                          <a:spcPts val="0"/>
+                        </a:spcAft>
+                        <a:buClr>
+                          <a:srgbClr val="000000"/>
+                        </a:buClr>
+                        <a:buFont typeface="Arial"/>
+                        <a:buNone/>
+                      </a:pPr>
+                      <a:endParaRPr sz="1400" u="none" strike="noStrike" cap="none" dirty="0">
                         <a:uFillTx/>
                         <a:latin typeface="Meiryo"/>
                         <a:ea typeface="Meiryo"/>
@@ -16044,41 +15121,141 @@
                     </a:p>
                   </a:txBody>
                   <a:tcPr marL="91450" marR="91450" marT="45725" marB="45725">
-                    <a:lnL w="12700" cap="flat" cmpd="sng">
+                    <a:lnL w="12700" cap="flat" cmpd="sng" algn="ctr">
                       <a:solidFill>
-                        <a:srgbClr val="000000"/>
+                        <a:scrgbClr r="0" g="0" b="0"/>
                       </a:solidFill>
                       <a:prstDash val="solid"/>
                       <a:round/>
-                      <a:headEnd type="none" w="sm" len="sm"/>
-                      <a:tailEnd type="none" w="sm" len="sm"/>
+                      <a:headEnd type="none" w="med" len="med"/>
+                      <a:tailEnd type="none" w="med" len="med"/>
                     </a:lnL>
-                    <a:lnR w="12700" cap="flat" cmpd="sng">
+                    <a:lnR w="12700" cap="flat" cmpd="sng" algn="ctr">
                       <a:solidFill>
-                        <a:srgbClr val="000000"/>
+                        <a:scrgbClr r="0" g="0" b="0"/>
                       </a:solidFill>
                       <a:prstDash val="solid"/>
                       <a:round/>
-                      <a:headEnd type="none" w="sm" len="sm"/>
-                      <a:tailEnd type="none" w="sm" len="sm"/>
+                      <a:headEnd type="none" w="med" len="med"/>
+                      <a:tailEnd type="none" w="med" len="med"/>
                     </a:lnR>
-                    <a:lnT w="12700" cap="flat" cmpd="sng">
+                    <a:lnT w="12700" cap="flat" cmpd="sng" algn="ctr">
                       <a:solidFill>
-                        <a:srgbClr val="000000"/>
+                        <a:scrgbClr r="0" g="0" b="0"/>
                       </a:solidFill>
                       <a:prstDash val="solid"/>
                       <a:round/>
-                      <a:headEnd type="none" w="sm" len="sm"/>
-                      <a:tailEnd type="none" w="sm" len="sm"/>
+                      <a:headEnd type="none" w="med" len="med"/>
+                      <a:tailEnd type="none" w="med" len="med"/>
                     </a:lnT>
-                    <a:lnB w="12700" cap="flat" cmpd="sng">
+                    <a:lnB w="12700" cap="flat" cmpd="sng" algn="ctr">
                       <a:solidFill>
-                        <a:srgbClr val="000000"/>
+                        <a:scrgbClr r="0" g="0" b="0"/>
                       </a:solidFill>
                       <a:prstDash val="solid"/>
                       <a:round/>
-                      <a:headEnd type="none" w="sm" len="sm"/>
-                      <a:tailEnd type="none" w="sm" len="sm"/>
+                      <a:headEnd type="none" w="med" len="med"/>
+                      <a:tailEnd type="none" w="med" len="med"/>
+                    </a:lnB>
+                    <a:solidFill>
+                      <a:srgbClr val="FFFFFF"/>
+                    </a:solidFill>
+                  </a:tcPr>
+                </a:tc>
+                <a:tc>
+                  <a:txBody>
+                    <a:bodyPr/>
+                    <a:lstStyle/>
+                    <a:p>
+                      <a:endParaRPr lang="ja-JP" altLang="en-US" dirty="0"/>
+                    </a:p>
+                  </a:txBody>
+                  <a:tcPr marL="91450" marR="91450" marT="45725" marB="45725">
+                    <a:lnL w="12700" cap="flat" cmpd="sng" algn="ctr">
+                      <a:solidFill>
+                        <a:scrgbClr r="0" g="0" b="0"/>
+                      </a:solidFill>
+                      <a:prstDash val="solid"/>
+                      <a:round/>
+                      <a:headEnd type="none" w="med" len="med"/>
+                      <a:tailEnd type="none" w="med" len="med"/>
+                    </a:lnL>
+                    <a:lnR w="12700" cap="flat" cmpd="sng" algn="ctr">
+                      <a:solidFill>
+                        <a:scrgbClr r="0" g="0" b="0"/>
+                      </a:solidFill>
+                      <a:prstDash val="solid"/>
+                      <a:round/>
+                      <a:headEnd type="none" w="med" len="med"/>
+                      <a:tailEnd type="none" w="med" len="med"/>
+                    </a:lnR>
+                    <a:lnT w="12700" cap="flat" cmpd="sng" algn="ctr">
+                      <a:solidFill>
+                        <a:scrgbClr r="0" g="0" b="0"/>
+                      </a:solidFill>
+                      <a:prstDash val="solid"/>
+                      <a:round/>
+                      <a:headEnd type="none" w="med" len="med"/>
+                      <a:tailEnd type="none" w="med" len="med"/>
+                    </a:lnT>
+                    <a:lnB w="12700" cap="flat" cmpd="sng" algn="ctr">
+                      <a:solidFill>
+                        <a:scrgbClr r="0" g="0" b="0"/>
+                      </a:solidFill>
+                      <a:prstDash val="solid"/>
+                      <a:round/>
+                      <a:headEnd type="none" w="med" len="med"/>
+                      <a:tailEnd type="none" w="med" len="med"/>
+                    </a:lnB>
+                    <a:solidFill>
+                      <a:srgbClr val="FFFFFF"/>
+                    </a:solidFill>
+                  </a:tcPr>
+                </a:tc>
+                <a:tc>
+                  <a:txBody>
+                    <a:bodyPr/>
+                    <a:lstStyle/>
+                    <a:p>
+                      <a:endParaRPr lang="ja-JP" altLang="en-US"/>
+                    </a:p>
+                  </a:txBody>
+                  <a:tcPr marL="91450" marR="91450" marT="45725" marB="45725">
+                    <a:lnL w="12700" cap="flat" cmpd="sng" algn="ctr">
+                      <a:solidFill>
+                        <a:scrgbClr r="0" g="0" b="0"/>
+                      </a:solidFill>
+                      <a:prstDash val="solid"/>
+                      <a:round/>
+                      <a:headEnd type="none" w="med" len="med"/>
+                      <a:tailEnd type="none" w="med" len="med"/>
+                    </a:lnL>
+                    <a:lnR w="12700" cap="flat" cmpd="sng" algn="ctr">
+                      <a:solidFill>
+                        <a:scrgbClr r="0" g="0" b="0"/>
+                      </a:solidFill>
+                      <a:prstDash val="solid"/>
+                      <a:round/>
+                      <a:headEnd type="none" w="med" len="med"/>
+                      <a:tailEnd type="none" w="med" len="med"/>
+                    </a:lnR>
+                    <a:lnT w="12700" cap="flat" cmpd="sng" algn="ctr">
+                      <a:solidFill>
+                        <a:scrgbClr r="0" g="0" b="0"/>
+                      </a:solidFill>
+                      <a:prstDash val="solid"/>
+                      <a:round/>
+                      <a:headEnd type="none" w="med" len="med"/>
+                      <a:tailEnd type="none" w="med" len="med"/>
+                    </a:lnT>
+                    <a:lnB w="12700" cap="flat" cmpd="sng" algn="ctr">
+                      <a:solidFill>
+                        <a:scrgbClr r="0" g="0" b="0"/>
+                      </a:solidFill>
+                      <a:prstDash val="solid"/>
+                      <a:round/>
+                      <a:headEnd type="none" w="med" len="med"/>
+                      <a:tailEnd type="none" w="med" len="med"/>
                     </a:lnB>
                     <a:solidFill>
                       <a:srgbClr val="FFFFFF"/>
@@ -16140,77 +15317,45 @@
                     <a:bodyPr/>
                     <a:lstStyle/>
                     <a:p>
-                      <a:pPr marL="0" marR="0" lvl="0" indent="0" algn="l" rtl="0">
-                        <a:lnSpc>
-                          <a:spcPct val="100000"/>
-                        </a:lnSpc>
-                        <a:spcBef>
-                          <a:spcPts val="0"/>
-                        </a:spcBef>
-                        <a:spcAft>
-                          <a:spcPts val="0"/>
-                        </a:spcAft>
-                        <a:buClr>
-                          <a:srgbClr val="000000"/>
-                        </a:buClr>
-                        <a:buFont typeface="Arial"/>
-                        <a:buNone/>
-                      </a:pPr>
-                      <a:r>
-                        <a:rPr lang="ja">
-                          <a:uFillTx/>
-                          <a:latin typeface="Meiryo"/>
-                          <a:ea typeface="Meiryo"/>
-                          <a:cs typeface="Meiryo"/>
-                          <a:sym typeface="Meiryo"/>
-                        </a:rPr>
-                        <a:t>student_id</a:t>
-                      </a:r>
-                      <a:endParaRPr sz="1400" u="none" strike="noStrike" cap="none">
-                        <a:uFillTx/>
-                        <a:latin typeface="Meiryo"/>
-                        <a:ea typeface="Meiryo"/>
-                        <a:cs typeface="Meiryo"/>
-                        <a:sym typeface="Meiryo"/>
-                      </a:endParaRPr>
+                      <a:endParaRPr lang="ja-JP" altLang="en-US"/>
                     </a:p>
                   </a:txBody>
                   <a:tcPr marL="91450" marR="91450" marT="45725" marB="45725">
-                    <a:lnL w="12700" cap="flat" cmpd="sng">
+                    <a:lnL w="12700" cap="flat" cmpd="sng" algn="ctr">
                       <a:solidFill>
-                        <a:srgbClr val="000000"/>
+                        <a:scrgbClr r="0" g="0" b="0"/>
                       </a:solidFill>
                       <a:prstDash val="solid"/>
                       <a:round/>
-                      <a:headEnd type="none" w="sm" len="sm"/>
-                      <a:tailEnd type="none" w="sm" len="sm"/>
+                      <a:headEnd type="none" w="med" len="med"/>
+                      <a:tailEnd type="none" w="med" len="med"/>
                     </a:lnL>
-                    <a:lnR w="12700" cap="flat" cmpd="sng">
+                    <a:lnR w="12700" cap="flat" cmpd="sng" algn="ctr">
                       <a:solidFill>
-                        <a:srgbClr val="000000"/>
+                        <a:scrgbClr r="0" g="0" b="0"/>
                       </a:solidFill>
                       <a:prstDash val="solid"/>
                       <a:round/>
-                      <a:headEnd type="none" w="sm" len="sm"/>
-                      <a:tailEnd type="none" w="sm" len="sm"/>
+                      <a:headEnd type="none" w="med" len="med"/>
+                      <a:tailEnd type="none" w="med" len="med"/>
                     </a:lnR>
-                    <a:lnT w="12700" cap="flat" cmpd="sng">
+                    <a:lnT w="12700" cap="flat" cmpd="sng" algn="ctr">
                       <a:solidFill>
-                        <a:srgbClr val="000000"/>
+                        <a:scrgbClr r="0" g="0" b="0"/>
                       </a:solidFill>
                       <a:prstDash val="solid"/>
                       <a:round/>
-                      <a:headEnd type="none" w="sm" len="sm"/>
-                      <a:tailEnd type="none" w="sm" len="sm"/>
+                      <a:headEnd type="none" w="med" len="med"/>
+                      <a:tailEnd type="none" w="med" len="med"/>
                     </a:lnT>
-                    <a:lnB w="12700" cap="flat" cmpd="sng">
+                    <a:lnB w="12700" cap="flat" cmpd="sng" algn="ctr">
                       <a:solidFill>
-                        <a:srgbClr val="000000"/>
+                        <a:scrgbClr r="0" g="0" b="0"/>
                       </a:solidFill>
                       <a:prstDash val="solid"/>
                       <a:round/>
-                      <a:headEnd type="none" w="sm" len="sm"/>
-                      <a:tailEnd type="none" w="sm" len="sm"/>
+                      <a:headEnd type="none" w="med" len="med"/>
+                      <a:tailEnd type="none" w="med" len="med"/>
                     </a:lnB>
                     <a:solidFill>
                       <a:srgbClr val="FFFFFF"/>
@@ -16222,77 +15367,45 @@
                     <a:bodyPr/>
                     <a:lstStyle/>
                     <a:p>
-                      <a:pPr marL="0" marR="0" lvl="0" indent="0" algn="l" rtl="0">
-                        <a:lnSpc>
-                          <a:spcPct val="100000"/>
-                        </a:lnSpc>
-                        <a:spcBef>
-                          <a:spcPts val="0"/>
-                        </a:spcBef>
-                        <a:spcAft>
-                          <a:spcPts val="0"/>
-                        </a:spcAft>
-                        <a:buClr>
-                          <a:srgbClr val="000000"/>
-                        </a:buClr>
-                        <a:buFont typeface="Arial"/>
-                        <a:buNone/>
-                      </a:pPr>
-                      <a:r>
-                        <a:rPr lang="ja">
-                          <a:uFillTx/>
-                          <a:latin typeface="Meiryo"/>
-                          <a:ea typeface="Meiryo"/>
-                          <a:cs typeface="Meiryo"/>
-                          <a:sym typeface="Meiryo"/>
-                        </a:rPr>
-                        <a:t>1</a:t>
-                      </a:r>
-                      <a:endParaRPr sz="1400" u="none" strike="noStrike" cap="none">
-                        <a:uFillTx/>
-                        <a:latin typeface="Meiryo"/>
-                        <a:ea typeface="Meiryo"/>
-                        <a:cs typeface="Meiryo"/>
-                        <a:sym typeface="Meiryo"/>
-                      </a:endParaRPr>
+                      <a:endParaRPr lang="ja-JP" altLang="en-US"/>
                     </a:p>
                   </a:txBody>
                   <a:tcPr marL="91450" marR="91450" marT="45725" marB="45725">
-                    <a:lnL w="12700" cap="flat" cmpd="sng">
+                    <a:lnL w="12700" cap="flat" cmpd="sng" algn="ctr">
                       <a:solidFill>
-                        <a:srgbClr val="000000"/>
+                        <a:scrgbClr r="0" g="0" b="0"/>
                       </a:solidFill>
                       <a:prstDash val="solid"/>
                       <a:round/>
-                      <a:headEnd type="none" w="sm" len="sm"/>
-                      <a:tailEnd type="none" w="sm" len="sm"/>
+                      <a:headEnd type="none" w="med" len="med"/>
+                      <a:tailEnd type="none" w="med" len="med"/>
                     </a:lnL>
-                    <a:lnR w="12700" cap="flat" cmpd="sng">
+                    <a:lnR w="12700" cap="flat" cmpd="sng" algn="ctr">
                       <a:solidFill>
-                        <a:srgbClr val="000000"/>
+                        <a:scrgbClr r="0" g="0" b="0"/>
                       </a:solidFill>
                       <a:prstDash val="solid"/>
                       <a:round/>
-                      <a:headEnd type="none" w="sm" len="sm"/>
-                      <a:tailEnd type="none" w="sm" len="sm"/>
+                      <a:headEnd type="none" w="med" len="med"/>
+                      <a:tailEnd type="none" w="med" len="med"/>
                     </a:lnR>
-                    <a:lnT w="12700" cap="flat" cmpd="sng">
+                    <a:lnT w="12700" cap="flat" cmpd="sng" algn="ctr">
                       <a:solidFill>
-                        <a:srgbClr val="000000"/>
+                        <a:scrgbClr r="0" g="0" b="0"/>
                       </a:solidFill>
                       <a:prstDash val="solid"/>
                       <a:round/>
-                      <a:headEnd type="none" w="sm" len="sm"/>
-                      <a:tailEnd type="none" w="sm" len="sm"/>
+                      <a:headEnd type="none" w="med" len="med"/>
+                      <a:tailEnd type="none" w="med" len="med"/>
                     </a:lnT>
-                    <a:lnB w="12700" cap="flat" cmpd="sng">
+                    <a:lnB w="12700" cap="flat" cmpd="sng" algn="ctr">
                       <a:solidFill>
-                        <a:srgbClr val="000000"/>
+                        <a:scrgbClr r="0" g="0" b="0"/>
                       </a:solidFill>
                       <a:prstDash val="solid"/>
                       <a:round/>
-                      <a:headEnd type="none" w="sm" len="sm"/>
-                      <a:tailEnd type="none" w="sm" len="sm"/>
+                      <a:headEnd type="none" w="med" len="med"/>
+                      <a:tailEnd type="none" w="med" len="med"/>
                     </a:lnB>
                     <a:solidFill>
                       <a:srgbClr val="FFFFFF"/>
@@ -16354,77 +15467,45 @@
                     <a:bodyPr/>
                     <a:lstStyle/>
                     <a:p>
-                      <a:pPr marL="0" marR="0" lvl="0" indent="0" algn="l" rtl="0">
-                        <a:lnSpc>
-                          <a:spcPct val="100000"/>
-                        </a:lnSpc>
-                        <a:spcBef>
-                          <a:spcPts val="0"/>
-                        </a:spcBef>
-                        <a:spcAft>
-                          <a:spcPts val="0"/>
-                        </a:spcAft>
-                        <a:buClr>
-                          <a:srgbClr val="000000"/>
-                        </a:buClr>
-                        <a:buFont typeface="Arial"/>
-                        <a:buNone/>
-                      </a:pPr>
-                      <a:r>
-                        <a:rPr lang="ja">
-                          <a:uFillTx/>
-                          <a:latin typeface="Meiryo"/>
-                          <a:ea typeface="Meiryo"/>
-                          <a:cs typeface="Meiryo"/>
-                          <a:sym typeface="Meiryo"/>
-                        </a:rPr>
-                        <a:t>拠点</a:t>
-                      </a:r>
-                      <a:endParaRPr sz="1400" u="none" strike="noStrike" cap="none">
-                        <a:uFillTx/>
-                        <a:latin typeface="Meiryo"/>
-                        <a:ea typeface="Meiryo"/>
-                        <a:cs typeface="Meiryo"/>
-                        <a:sym typeface="Meiryo"/>
-                      </a:endParaRPr>
+                      <a:endParaRPr lang="ja-JP" altLang="en-US" dirty="0"/>
                     </a:p>
                   </a:txBody>
                   <a:tcPr marL="91450" marR="91450" marT="45725" marB="45725">
-                    <a:lnL w="12700" cap="flat" cmpd="sng">
+                    <a:lnL w="12700" cap="flat" cmpd="sng" algn="ctr">
                       <a:solidFill>
-                        <a:srgbClr val="000000"/>
+                        <a:scrgbClr r="0" g="0" b="0"/>
                       </a:solidFill>
                       <a:prstDash val="solid"/>
                       <a:round/>
-                      <a:headEnd type="none" w="sm" len="sm"/>
-                      <a:tailEnd type="none" w="sm" len="sm"/>
+                      <a:headEnd type="none" w="med" len="med"/>
+                      <a:tailEnd type="none" w="med" len="med"/>
                     </a:lnL>
-                    <a:lnR w="12700" cap="flat" cmpd="sng">
+                    <a:lnR w="12700" cap="flat" cmpd="sng" algn="ctr">
                       <a:solidFill>
-                        <a:srgbClr val="000000"/>
+                        <a:scrgbClr r="0" g="0" b="0"/>
                       </a:solidFill>
                       <a:prstDash val="solid"/>
                       <a:round/>
-                      <a:headEnd type="none" w="sm" len="sm"/>
-                      <a:tailEnd type="none" w="sm" len="sm"/>
+                      <a:headEnd type="none" w="med" len="med"/>
+                      <a:tailEnd type="none" w="med" len="med"/>
                     </a:lnR>
-                    <a:lnT w="12700" cap="flat" cmpd="sng">
+                    <a:lnT w="12700" cap="flat" cmpd="sng" algn="ctr">
                       <a:solidFill>
-                        <a:srgbClr val="000000"/>
+                        <a:scrgbClr r="0" g="0" b="0"/>
                       </a:solidFill>
                       <a:prstDash val="solid"/>
                       <a:round/>
-                      <a:headEnd type="none" w="sm" len="sm"/>
-                      <a:tailEnd type="none" w="sm" len="sm"/>
+                      <a:headEnd type="none" w="med" len="med"/>
+                      <a:tailEnd type="none" w="med" len="med"/>
                     </a:lnT>
-                    <a:lnB w="12700" cap="flat" cmpd="sng">
+                    <a:lnB w="12700" cap="flat" cmpd="sng" algn="ctr">
                       <a:solidFill>
-                        <a:srgbClr val="000000"/>
+                        <a:scrgbClr r="0" g="0" b="0"/>
                       </a:solidFill>
                       <a:prstDash val="solid"/>
                       <a:round/>
-                      <a:headEnd type="none" w="sm" len="sm"/>
-                      <a:tailEnd type="none" w="sm" len="sm"/>
+                      <a:headEnd type="none" w="med" len="med"/>
+                      <a:tailEnd type="none" w="med" len="med"/>
                     </a:lnB>
                     <a:solidFill>
                       <a:srgbClr val="FFFFFF"/>
@@ -16432,6 +15513,58 @@
                   </a:tcPr>
                 </a:tc>
                 <a:tc>
+                  <a:txBody>
+                    <a:bodyPr/>
+                    <a:lstStyle/>
+                    <a:p>
+                      <a:endParaRPr lang="ja-JP" altLang="en-US"/>
+                    </a:p>
+                  </a:txBody>
+                  <a:tcPr marL="91450" marR="91450" marT="45725" marB="45725">
+                    <a:lnL w="12700" cap="flat" cmpd="sng" algn="ctr">
+                      <a:solidFill>
+                        <a:scrgbClr r="0" g="0" b="0"/>
+                      </a:solidFill>
+                      <a:prstDash val="solid"/>
+                      <a:round/>
+                      <a:headEnd type="none" w="med" len="med"/>
+                      <a:tailEnd type="none" w="med" len="med"/>
+                    </a:lnL>
+                    <a:lnR w="12700" cap="flat" cmpd="sng" algn="ctr">
+                      <a:solidFill>
+                        <a:scrgbClr r="0" g="0" b="0"/>
+                      </a:solidFill>
+                      <a:prstDash val="solid"/>
+                      <a:round/>
+                      <a:headEnd type="none" w="med" len="med"/>
+                      <a:tailEnd type="none" w="med" len="med"/>
+                    </a:lnR>
+                    <a:lnT w="12700" cap="flat" cmpd="sng" algn="ctr">
+                      <a:solidFill>
+                        <a:scrgbClr r="0" g="0" b="0"/>
+                      </a:solidFill>
+                      <a:prstDash val="solid"/>
+                      <a:round/>
+                      <a:headEnd type="none" w="med" len="med"/>
+                      <a:tailEnd type="none" w="med" len="med"/>
+                    </a:lnT>
+                    <a:lnB w="12700" cap="flat" cmpd="sng" algn="ctr">
+                      <a:solidFill>
+                        <a:scrgbClr r="0" g="0" b="0"/>
+                      </a:solidFill>
+                      <a:prstDash val="solid"/>
+                      <a:round/>
+                      <a:headEnd type="none" w="med" len="med"/>
+                      <a:tailEnd type="none" w="med" len="med"/>
+                    </a:lnB>
+                    <a:solidFill>
+                      <a:srgbClr val="FFFFFF"/>
+                    </a:solidFill>
+                  </a:tcPr>
+                </a:tc>
+              </a:tr>
+              <a:tr h="290675">
+                <a:tc rowSpan="2">
                   <a:txBody>
                     <a:bodyPr/>
                     <a:lstStyle/>
@@ -16453,26 +15586,118 @@
                         <a:buNone/>
                       </a:pPr>
                       <a:r>
-                        <a:rPr lang="ja" sz="1400" u="none" strike="noStrike" cap="none">
+                        <a:rPr lang="ja-JP" altLang="en-US" sz="1400" u="none" strike="noStrike" cap="none" dirty="0" smtClean="0">
                           <a:uFillTx/>
                           <a:latin typeface="Meiryo"/>
                           <a:ea typeface="Meiryo"/>
                           <a:cs typeface="Meiryo"/>
                           <a:sym typeface="Meiryo"/>
                         </a:rPr>
-                        <a:t>東京, </a:t>
+                        <a:t>ドラマの出演者、</a:t>
                       </a:r>
+                      <a:endParaRPr lang="en-US" altLang="ja-JP" sz="1400" u="none" strike="noStrike" cap="none" dirty="0" smtClean="0">
+                        <a:uFillTx/>
+                        <a:latin typeface="Meiryo"/>
+                        <a:ea typeface="Meiryo"/>
+                        <a:cs typeface="Meiryo"/>
+                        <a:sym typeface="Meiryo"/>
+                      </a:endParaRPr>
+                    </a:p>
+                    <a:p>
+                      <a:pPr marL="0" marR="0" lvl="0" indent="0" algn="l" rtl="0">
+                        <a:lnSpc>
+                          <a:spcPct val="100000"/>
+                        </a:lnSpc>
+                        <a:spcBef>
+                          <a:spcPts val="0"/>
+                        </a:spcBef>
+                        <a:spcAft>
+                          <a:spcPts val="0"/>
+                        </a:spcAft>
+                        <a:buClr>
+                          <a:srgbClr val="000000"/>
+                        </a:buClr>
+                        <a:buFont typeface="Arial"/>
+                        <a:buNone/>
+                      </a:pPr>
                       <a:r>
-                        <a:rPr lang="ja">
+                        <a:rPr lang="ja-JP" altLang="en-US" sz="1400" u="none" strike="noStrike" cap="none" dirty="0" smtClean="0">
                           <a:uFillTx/>
                           <a:latin typeface="Meiryo"/>
                           <a:ea typeface="Meiryo"/>
                           <a:cs typeface="Meiryo"/>
                           <a:sym typeface="Meiryo"/>
                         </a:rPr>
-                        <a:t>福岡</a:t>
+                        <a:t>原作、</a:t>
                       </a:r>
-                      <a:endParaRPr sz="1400" u="none" strike="noStrike" cap="none">
+                      <a:r>
+                        <a:rPr lang="en-US" altLang="ja-JP" sz="1400" u="none" strike="noStrike" cap="none" dirty="0" smtClean="0">
+                          <a:uFillTx/>
+                          <a:latin typeface="Meiryo"/>
+                          <a:ea typeface="Meiryo"/>
+                          <a:cs typeface="Meiryo"/>
+                          <a:sym typeface="Meiryo"/>
+                        </a:rPr>
+                        <a:t/>
+                      </a:r>
+                      <a:br>
+                        <a:rPr lang="en-US" altLang="ja-JP" sz="1400" u="none" strike="noStrike" cap="none" dirty="0" smtClean="0">
+                          <a:uFillTx/>
+                          <a:latin typeface="Meiryo"/>
+                          <a:ea typeface="Meiryo"/>
+                          <a:cs typeface="Meiryo"/>
+                          <a:sym typeface="Meiryo"/>
+                        </a:rPr>
+                      </a:br>
+                      <a:r>
+                        <a:rPr lang="ja-JP" altLang="en-US" sz="1400" u="none" strike="noStrike" cap="none" dirty="0" smtClean="0">
+                          <a:uFillTx/>
+                          <a:latin typeface="Meiryo"/>
+                          <a:ea typeface="Meiryo"/>
+                          <a:cs typeface="Meiryo"/>
+                          <a:sym typeface="Meiryo"/>
+                        </a:rPr>
+                        <a:t>スタッフ</a:t>
+                      </a:r>
+                      <a:r>
+                        <a:rPr lang="en-US" altLang="ja-JP" sz="1400" u="none" strike="noStrike" cap="none" dirty="0" smtClean="0">
+                          <a:uFillTx/>
+                          <a:latin typeface="Meiryo"/>
+                          <a:ea typeface="Meiryo"/>
+                          <a:cs typeface="Meiryo"/>
+                          <a:sym typeface="Meiryo"/>
+                        </a:rPr>
+                        <a:t>(P,D)</a:t>
+                      </a:r>
+                    </a:p>
+                    <a:p>
+                      <a:pPr marL="0" marR="0" lvl="0" indent="0" algn="l" rtl="0">
+                        <a:lnSpc>
+                          <a:spcPct val="100000"/>
+                        </a:lnSpc>
+                        <a:spcBef>
+                          <a:spcPts val="0"/>
+                        </a:spcBef>
+                        <a:spcAft>
+                          <a:spcPts val="0"/>
+                        </a:spcAft>
+                        <a:buClr>
+                          <a:srgbClr val="000000"/>
+                        </a:buClr>
+                        <a:buFont typeface="Arial"/>
+                        <a:buNone/>
+                      </a:pPr>
+                      <a:r>
+                        <a:rPr lang="ja-JP" altLang="en-US" sz="1400" u="none" strike="noStrike" cap="none" dirty="0" smtClean="0">
+                          <a:uFillTx/>
+                          <a:latin typeface="Meiryo"/>
+                          <a:ea typeface="Meiryo"/>
+                          <a:cs typeface="Meiryo"/>
+                          <a:sym typeface="Meiryo"/>
+                        </a:rPr>
+                        <a:t>主題歌</a:t>
+                      </a:r>
+                      <a:endParaRPr sz="1400" u="none" strike="noStrike" cap="none" dirty="0">
                         <a:uFillTx/>
                         <a:latin typeface="Meiryo"/>
                         <a:ea typeface="Meiryo"/>
@@ -16482,41 +15707,463 @@
                     </a:p>
                   </a:txBody>
                   <a:tcPr marL="91450" marR="91450" marT="45725" marB="45725">
-                    <a:lnL w="12700" cap="flat" cmpd="sng">
+                    <a:lnL w="12700" cap="flat" cmpd="sng" algn="ctr">
                       <a:solidFill>
-                        <a:srgbClr val="000000"/>
+                        <a:scrgbClr r="0" g="0" b="0"/>
                       </a:solidFill>
                       <a:prstDash val="solid"/>
                       <a:round/>
-                      <a:headEnd type="none" w="sm" len="sm"/>
-                      <a:tailEnd type="none" w="sm" len="sm"/>
+                      <a:headEnd type="none" w="med" len="med"/>
+                      <a:tailEnd type="none" w="med" len="med"/>
                     </a:lnL>
-                    <a:lnR w="12700" cap="flat" cmpd="sng">
+                    <a:lnR w="12700" cap="flat" cmpd="sng" algn="ctr">
                       <a:solidFill>
-                        <a:srgbClr val="000000"/>
+                        <a:scrgbClr r="0" g="0" b="0"/>
                       </a:solidFill>
                       <a:prstDash val="solid"/>
                       <a:round/>
-                      <a:headEnd type="none" w="sm" len="sm"/>
-                      <a:tailEnd type="none" w="sm" len="sm"/>
+                      <a:headEnd type="none" w="med" len="med"/>
+                      <a:tailEnd type="none" w="med" len="med"/>
                     </a:lnR>
-                    <a:lnT w="12700" cap="flat" cmpd="sng">
+                    <a:lnT w="12700" cap="flat" cmpd="sng" algn="ctr">
                       <a:solidFill>
-                        <a:srgbClr val="000000"/>
+                        <a:scrgbClr r="0" g="0" b="0"/>
                       </a:solidFill>
                       <a:prstDash val="solid"/>
                       <a:round/>
-                      <a:headEnd type="none" w="sm" len="sm"/>
-                      <a:tailEnd type="none" w="sm" len="sm"/>
+                      <a:headEnd type="none" w="med" len="med"/>
+                      <a:tailEnd type="none" w="med" len="med"/>
                     </a:lnT>
-                    <a:lnB w="12700" cap="flat" cmpd="sng">
+                    <a:lnB w="12700" cap="flat" cmpd="sng" algn="ctr">
                       <a:solidFill>
-                        <a:srgbClr val="000000"/>
+                        <a:scrgbClr r="0" g="0" b="0"/>
                       </a:solidFill>
                       <a:prstDash val="solid"/>
                       <a:round/>
-                      <a:headEnd type="none" w="sm" len="sm"/>
-                      <a:tailEnd type="none" w="sm" len="sm"/>
+                      <a:headEnd type="none" w="med" len="med"/>
+                      <a:tailEnd type="none" w="med" len="med"/>
+                    </a:lnB>
+                    <a:solidFill>
+                      <a:srgbClr val="FFFFFF"/>
+                    </a:solidFill>
+                  </a:tcPr>
+                </a:tc>
+                <a:tc rowSpan="2">
+                  <a:txBody>
+                    <a:bodyPr/>
+                    <a:lstStyle/>
+                    <a:p>
+                      <a:pPr marL="0" lvl="0" indent="0" algn="l" rtl="0">
+                        <a:spcBef>
+                          <a:spcPts val="0"/>
+                        </a:spcBef>
+                        <a:spcAft>
+                          <a:spcPts val="0"/>
+                        </a:spcAft>
+                        <a:buClr>
+                          <a:schemeClr val="dk1"/>
+                        </a:buClr>
+                        <a:buFont typeface="Arial"/>
+                        <a:buNone/>
+                      </a:pPr>
+                      <a:r>
+                        <a:rPr lang="ja-JP" altLang="en-US" dirty="0" smtClean="0">
+                          <a:uFillTx/>
+                          <a:latin typeface="Meiryo"/>
+                          <a:ea typeface="Meiryo"/>
+                          <a:cs typeface="Meiryo"/>
+                          <a:sym typeface="Meiryo"/>
+                        </a:rPr>
+                        <a:t>スクレイピング</a:t>
+                      </a:r>
+                      <a:r>
+                        <a:rPr lang="en-US" altLang="ja-JP" dirty="0" smtClean="0">
+                          <a:uFillTx/>
+                          <a:latin typeface="Meiryo"/>
+                          <a:ea typeface="Meiryo"/>
+                          <a:cs typeface="Meiryo"/>
+                          <a:sym typeface="Meiryo"/>
+                        </a:rPr>
+                        <a:t/>
+                      </a:r>
+                      <a:br>
+                        <a:rPr lang="en-US" altLang="ja-JP" dirty="0" smtClean="0">
+                          <a:uFillTx/>
+                          <a:latin typeface="Meiryo"/>
+                          <a:ea typeface="Meiryo"/>
+                          <a:cs typeface="Meiryo"/>
+                          <a:sym typeface="Meiryo"/>
+                        </a:rPr>
+                      </a:br>
+                      <a:r>
+                        <a:rPr lang="en-US" altLang="ja-JP" dirty="0" smtClean="0">
+                          <a:uFillTx/>
+                          <a:latin typeface="Meiryo"/>
+                          <a:ea typeface="Meiryo"/>
+                          <a:cs typeface="Meiryo"/>
+                          <a:sym typeface="Meiryo"/>
+                        </a:rPr>
+                        <a:t>https://</a:t>
+                      </a:r>
+                      <a:r>
+                        <a:rPr lang="en-US" altLang="ja-JP" dirty="0" err="1" smtClean="0">
+                          <a:uFillTx/>
+                          <a:latin typeface="Meiryo"/>
+                          <a:ea typeface="Meiryo"/>
+                          <a:cs typeface="Meiryo"/>
+                          <a:sym typeface="Meiryo"/>
+                        </a:rPr>
+                        <a:t>artv.info</a:t>
+                      </a:r>
+                      <a:r>
+                        <a:rPr lang="en-US" altLang="ja-JP" dirty="0" smtClean="0">
+                          <a:uFillTx/>
+                          <a:latin typeface="Meiryo"/>
+                          <a:ea typeface="Meiryo"/>
+                          <a:cs typeface="Meiryo"/>
+                          <a:sym typeface="Meiryo"/>
+                        </a:rPr>
+                        <a:t>/ar1907.html</a:t>
+                      </a:r>
+                      <a:endParaRPr dirty="0">
+                        <a:uFillTx/>
+                        <a:latin typeface="Meiryo"/>
+                        <a:ea typeface="Meiryo"/>
+                        <a:cs typeface="Meiryo"/>
+                        <a:sym typeface="Meiryo"/>
+                      </a:endParaRPr>
+                    </a:p>
+                  </a:txBody>
+                  <a:tcPr marL="91450" marR="91450" marT="45725" marB="45725">
+                    <a:lnL w="12700" cap="flat" cmpd="sng" algn="ctr">
+                      <a:solidFill>
+                        <a:scrgbClr r="0" g="0" b="0"/>
+                      </a:solidFill>
+                      <a:prstDash val="solid"/>
+                      <a:round/>
+                      <a:headEnd type="none" w="med" len="med"/>
+                      <a:tailEnd type="none" w="med" len="med"/>
+                    </a:lnL>
+                    <a:lnR w="12700" cap="flat" cmpd="sng" algn="ctr">
+                      <a:solidFill>
+                        <a:scrgbClr r="0" g="0" b="0"/>
+                      </a:solidFill>
+                      <a:prstDash val="solid"/>
+                      <a:round/>
+                      <a:headEnd type="none" w="med" len="med"/>
+                      <a:tailEnd type="none" w="med" len="med"/>
+                    </a:lnR>
+                    <a:lnT w="12700" cap="flat" cmpd="sng" algn="ctr">
+                      <a:solidFill>
+                        <a:scrgbClr r="0" g="0" b="0"/>
+                      </a:solidFill>
+                      <a:prstDash val="solid"/>
+                      <a:round/>
+                      <a:headEnd type="none" w="med" len="med"/>
+                      <a:tailEnd type="none" w="med" len="med"/>
+                    </a:lnT>
+                    <a:lnB w="12700" cap="flat" cmpd="sng" algn="ctr">
+                      <a:solidFill>
+                        <a:scrgbClr r="0" g="0" b="0"/>
+                      </a:solidFill>
+                      <a:prstDash val="solid"/>
+                      <a:round/>
+                      <a:headEnd type="none" w="med" len="med"/>
+                      <a:tailEnd type="none" w="med" len="med"/>
+                    </a:lnB>
+                    <a:solidFill>
+                      <a:srgbClr val="FFFFFF"/>
+                    </a:solidFill>
+                  </a:tcPr>
+                </a:tc>
+                <a:tc rowSpan="2">
+                  <a:txBody>
+                    <a:bodyPr/>
+                    <a:lstStyle/>
+                    <a:p>
+                      <a:pPr marL="0" marR="0" lvl="0" indent="0" algn="l" rtl="0">
+                        <a:lnSpc>
+                          <a:spcPct val="100000"/>
+                        </a:lnSpc>
+                        <a:spcBef>
+                          <a:spcPts val="0"/>
+                        </a:spcBef>
+                        <a:spcAft>
+                          <a:spcPts val="0"/>
+                        </a:spcAft>
+                        <a:buClr>
+                          <a:srgbClr val="000000"/>
+                        </a:buClr>
+                        <a:buFont typeface="Arial"/>
+                        <a:buNone/>
+                      </a:pPr>
+                      <a:r>
+                        <a:rPr lang="ja" sz="1400" u="none" strike="noStrike" cap="none" dirty="0" smtClean="0">
+                          <a:uFillTx/>
+                          <a:latin typeface="Meiryo"/>
+                          <a:ea typeface="Meiryo"/>
+                          <a:cs typeface="Meiryo"/>
+                          <a:sym typeface="Meiryo"/>
+                        </a:rPr>
+                        <a:t>20</a:t>
+                      </a:r>
+                      <a:r>
+                        <a:rPr lang="en-US" altLang="ja" sz="1400" u="none" strike="noStrike" cap="none" dirty="0" smtClean="0">
+                          <a:uFillTx/>
+                          <a:latin typeface="Meiryo"/>
+                          <a:ea typeface="Meiryo"/>
+                          <a:cs typeface="Meiryo"/>
+                          <a:sym typeface="Meiryo"/>
+                        </a:rPr>
+                        <a:t>03</a:t>
+                      </a:r>
+                      <a:r>
+                        <a:rPr lang="en-US" altLang="ja-JP" sz="1400" u="none" strike="noStrike" cap="none" dirty="0" smtClean="0">
+                          <a:uFillTx/>
+                          <a:latin typeface="Meiryo"/>
+                          <a:ea typeface="Meiryo"/>
+                          <a:cs typeface="Meiryo"/>
+                          <a:sym typeface="Meiryo"/>
+                        </a:rPr>
+                        <a:t>〜2019</a:t>
+                      </a:r>
+                      <a:r>
+                        <a:rPr lang="ja-JP" altLang="en-US" sz="1400" u="none" strike="noStrike" cap="none" dirty="0" smtClean="0">
+                          <a:uFillTx/>
+                          <a:latin typeface="Meiryo"/>
+                          <a:ea typeface="Meiryo"/>
+                          <a:cs typeface="Meiryo"/>
+                          <a:sym typeface="Meiryo"/>
+                        </a:rPr>
+                        <a:t>年</a:t>
+                      </a:r>
+                      <a:endParaRPr sz="1400" u="none" strike="noStrike" cap="none" dirty="0">
+                        <a:uFillTx/>
+                        <a:latin typeface="Meiryo"/>
+                        <a:ea typeface="Meiryo"/>
+                        <a:cs typeface="Meiryo"/>
+                        <a:sym typeface="Meiryo"/>
+                      </a:endParaRPr>
+                    </a:p>
+                  </a:txBody>
+                  <a:tcPr marL="91450" marR="91450" marT="45725" marB="45725">
+                    <a:lnL w="12700" cap="flat" cmpd="sng" algn="ctr">
+                      <a:solidFill>
+                        <a:scrgbClr r="0" g="0" b="0"/>
+                      </a:solidFill>
+                      <a:prstDash val="solid"/>
+                      <a:round/>
+                      <a:headEnd type="none" w="med" len="med"/>
+                      <a:tailEnd type="none" w="med" len="med"/>
+                    </a:lnL>
+                    <a:lnR w="12700" cap="flat" cmpd="sng" algn="ctr">
+                      <a:solidFill>
+                        <a:scrgbClr r="0" g="0" b="0"/>
+                      </a:solidFill>
+                      <a:prstDash val="solid"/>
+                      <a:round/>
+                      <a:headEnd type="none" w="med" len="med"/>
+                      <a:tailEnd type="none" w="med" len="med"/>
+                    </a:lnR>
+                    <a:lnT w="12700" cap="flat" cmpd="sng" algn="ctr">
+                      <a:solidFill>
+                        <a:scrgbClr r="0" g="0" b="0"/>
+                      </a:solidFill>
+                      <a:prstDash val="solid"/>
+                      <a:round/>
+                      <a:headEnd type="none" w="med" len="med"/>
+                      <a:tailEnd type="none" w="med" len="med"/>
+                    </a:lnT>
+                    <a:lnB w="12700" cap="flat" cmpd="sng" algn="ctr">
+                      <a:solidFill>
+                        <a:scrgbClr r="0" g="0" b="0"/>
+                      </a:solidFill>
+                      <a:prstDash val="solid"/>
+                      <a:round/>
+                      <a:headEnd type="none" w="med" len="med"/>
+                      <a:tailEnd type="none" w="med" len="med"/>
+                    </a:lnB>
+                    <a:solidFill>
+                      <a:srgbClr val="FFFFFF"/>
+                    </a:solidFill>
+                  </a:tcPr>
+                </a:tc>
+                <a:tc rowSpan="2">
+                  <a:txBody>
+                    <a:bodyPr/>
+                    <a:lstStyle/>
+                    <a:p>
+                      <a:pPr marL="0" marR="0" lvl="0" indent="0" algn="l" rtl="0">
+                        <a:lnSpc>
+                          <a:spcPct val="100000"/>
+                        </a:lnSpc>
+                        <a:spcBef>
+                          <a:spcPts val="0"/>
+                        </a:spcBef>
+                        <a:spcAft>
+                          <a:spcPts val="0"/>
+                        </a:spcAft>
+                        <a:buClr>
+                          <a:srgbClr val="000000"/>
+                        </a:buClr>
+                        <a:buFont typeface="Arial"/>
+                        <a:buNone/>
+                      </a:pPr>
+                      <a:r>
+                        <a:rPr lang="ja-JP" altLang="en-US" sz="1400" u="none" strike="noStrike" cap="none" dirty="0" smtClean="0">
+                          <a:uFillTx/>
+                          <a:latin typeface="Meiryo"/>
+                          <a:ea typeface="Meiryo"/>
+                          <a:cs typeface="Meiryo"/>
+                          <a:sym typeface="Meiryo"/>
+                        </a:rPr>
+                        <a:t>クールごと</a:t>
+                      </a:r>
+                      <a:endParaRPr sz="1400" u="none" strike="noStrike" cap="none" dirty="0">
+                        <a:uFillTx/>
+                        <a:latin typeface="Meiryo"/>
+                        <a:ea typeface="Meiryo"/>
+                        <a:cs typeface="Meiryo"/>
+                        <a:sym typeface="Meiryo"/>
+                      </a:endParaRPr>
+                    </a:p>
+                  </a:txBody>
+                  <a:tcPr marL="91450" marR="91450" marT="45725" marB="45725">
+                    <a:lnL w="12700" cap="flat" cmpd="sng" algn="ctr">
+                      <a:solidFill>
+                        <a:scrgbClr r="0" g="0" b="0"/>
+                      </a:solidFill>
+                      <a:prstDash val="solid"/>
+                      <a:round/>
+                      <a:headEnd type="none" w="med" len="med"/>
+                      <a:tailEnd type="none" w="med" len="med"/>
+                    </a:lnL>
+                    <a:lnR w="12700" cap="flat" cmpd="sng" algn="ctr">
+                      <a:solidFill>
+                        <a:scrgbClr r="0" g="0" b="0"/>
+                      </a:solidFill>
+                      <a:prstDash val="solid"/>
+                      <a:round/>
+                      <a:headEnd type="none" w="med" len="med"/>
+                      <a:tailEnd type="none" w="med" len="med"/>
+                    </a:lnR>
+                    <a:lnT w="12700" cap="flat" cmpd="sng" algn="ctr">
+                      <a:solidFill>
+                        <a:scrgbClr r="0" g="0" b="0"/>
+                      </a:solidFill>
+                      <a:prstDash val="solid"/>
+                      <a:round/>
+                      <a:headEnd type="none" w="med" len="med"/>
+                      <a:tailEnd type="none" w="med" len="med"/>
+                    </a:lnT>
+                    <a:lnB w="12700" cap="flat" cmpd="sng" algn="ctr">
+                      <a:solidFill>
+                        <a:scrgbClr r="0" g="0" b="0"/>
+                      </a:solidFill>
+                      <a:prstDash val="solid"/>
+                      <a:round/>
+                      <a:headEnd type="none" w="med" len="med"/>
+                      <a:tailEnd type="none" w="med" len="med"/>
+                    </a:lnB>
+                    <a:solidFill>
+                      <a:srgbClr val="FFFFFF"/>
+                    </a:solidFill>
+                  </a:tcPr>
+                </a:tc>
+                <a:tc>
+                  <a:txBody>
+                    <a:bodyPr/>
+                    <a:lstStyle/>
+                    <a:p>
+                      <a:endParaRPr lang="ja-JP" altLang="en-US"/>
+                    </a:p>
+                  </a:txBody>
+                  <a:tcPr marL="91450" marR="91450" marT="45725" marB="45725">
+                    <a:lnL w="12700" cap="flat" cmpd="sng" algn="ctr">
+                      <a:solidFill>
+                        <a:scrgbClr r="0" g="0" b="0"/>
+                      </a:solidFill>
+                      <a:prstDash val="solid"/>
+                      <a:round/>
+                      <a:headEnd type="none" w="med" len="med"/>
+                      <a:tailEnd type="none" w="med" len="med"/>
+                    </a:lnL>
+                    <a:lnR w="12700" cap="flat" cmpd="sng" algn="ctr">
+                      <a:solidFill>
+                        <a:scrgbClr r="0" g="0" b="0"/>
+                      </a:solidFill>
+                      <a:prstDash val="solid"/>
+                      <a:round/>
+                      <a:headEnd type="none" w="med" len="med"/>
+                      <a:tailEnd type="none" w="med" len="med"/>
+                    </a:lnR>
+                    <a:lnT w="12700" cap="flat" cmpd="sng" algn="ctr">
+                      <a:solidFill>
+                        <a:scrgbClr r="0" g="0" b="0"/>
+                      </a:solidFill>
+                      <a:prstDash val="solid"/>
+                      <a:round/>
+                      <a:headEnd type="none" w="med" len="med"/>
+                      <a:tailEnd type="none" w="med" len="med"/>
+                    </a:lnT>
+                    <a:lnB w="12700" cap="flat" cmpd="sng" algn="ctr">
+                      <a:solidFill>
+                        <a:scrgbClr r="0" g="0" b="0"/>
+                      </a:solidFill>
+                      <a:prstDash val="solid"/>
+                      <a:round/>
+                      <a:headEnd type="none" w="med" len="med"/>
+                      <a:tailEnd type="none" w="med" len="med"/>
+                    </a:lnB>
+                    <a:solidFill>
+                      <a:srgbClr val="FFFFFF"/>
+                    </a:solidFill>
+                  </a:tcPr>
+                </a:tc>
+                <a:tc>
+                  <a:txBody>
+                    <a:bodyPr/>
+                    <a:lstStyle/>
+                    <a:p>
+                      <a:endParaRPr lang="ja-JP" altLang="en-US"/>
+                    </a:p>
+                  </a:txBody>
+                  <a:tcPr marL="91450" marR="91450" marT="45725" marB="45725">
+                    <a:lnL w="12700" cap="flat" cmpd="sng" algn="ctr">
+                      <a:solidFill>
+                        <a:scrgbClr r="0" g="0" b="0"/>
+                      </a:solidFill>
+                      <a:prstDash val="solid"/>
+                      <a:round/>
+                      <a:headEnd type="none" w="med" len="med"/>
+                      <a:tailEnd type="none" w="med" len="med"/>
+                    </a:lnL>
+                    <a:lnR w="12700" cap="flat" cmpd="sng" algn="ctr">
+                      <a:solidFill>
+                        <a:scrgbClr r="0" g="0" b="0"/>
+                      </a:solidFill>
+                      <a:prstDash val="solid"/>
+                      <a:round/>
+                      <a:headEnd type="none" w="med" len="med"/>
+                      <a:tailEnd type="none" w="med" len="med"/>
+                    </a:lnR>
+                    <a:lnT w="12700" cap="flat" cmpd="sng" algn="ctr">
+                      <a:solidFill>
+                        <a:scrgbClr r="0" g="0" b="0"/>
+                      </a:solidFill>
+                      <a:prstDash val="solid"/>
+                      <a:round/>
+                      <a:headEnd type="none" w="med" len="med"/>
+                      <a:tailEnd type="none" w="med" len="med"/>
+                    </a:lnT>
+                    <a:lnB w="12700" cap="flat" cmpd="sng" algn="ctr">
+                      <a:solidFill>
+                        <a:scrgbClr r="0" g="0" b="0"/>
+                      </a:solidFill>
+                      <a:prstDash val="solid"/>
+                      <a:round/>
+                      <a:headEnd type="none" w="med" len="med"/>
+                      <a:tailEnd type="none" w="med" len="med"/>
                     </a:lnB>
                     <a:solidFill>
                       <a:srgbClr val="FFFFFF"/>
@@ -16578,6 +16225,108 @@
                     <a:bodyPr/>
                     <a:lstStyle/>
                     <a:p>
+                      <a:endParaRPr lang="ja-JP" altLang="en-US" dirty="0"/>
+                    </a:p>
+                  </a:txBody>
+                  <a:tcPr marL="91450" marR="91450" marT="45725" marB="45725">
+                    <a:lnL w="12700" cap="flat" cmpd="sng" algn="ctr">
+                      <a:solidFill>
+                        <a:scrgbClr r="0" g="0" b="0"/>
+                      </a:solidFill>
+                      <a:prstDash val="solid"/>
+                      <a:round/>
+                      <a:headEnd type="none" w="med" len="med"/>
+                      <a:tailEnd type="none" w="med" len="med"/>
+                    </a:lnL>
+                    <a:lnR w="12700" cap="flat" cmpd="sng" algn="ctr">
+                      <a:solidFill>
+                        <a:scrgbClr r="0" g="0" b="0"/>
+                      </a:solidFill>
+                      <a:prstDash val="solid"/>
+                      <a:round/>
+                      <a:headEnd type="none" w="med" len="med"/>
+                      <a:tailEnd type="none" w="med" len="med"/>
+                    </a:lnR>
+                    <a:lnT w="12700" cap="flat" cmpd="sng" algn="ctr">
+                      <a:solidFill>
+                        <a:scrgbClr r="0" g="0" b="0"/>
+                      </a:solidFill>
+                      <a:prstDash val="solid"/>
+                      <a:round/>
+                      <a:headEnd type="none" w="med" len="med"/>
+                      <a:tailEnd type="none" w="med" len="med"/>
+                    </a:lnT>
+                    <a:lnB w="12700" cap="flat" cmpd="sng" algn="ctr">
+                      <a:solidFill>
+                        <a:scrgbClr r="0" g="0" b="0"/>
+                      </a:solidFill>
+                      <a:prstDash val="solid"/>
+                      <a:round/>
+                      <a:headEnd type="none" w="med" len="med"/>
+                      <a:tailEnd type="none" w="med" len="med"/>
+                    </a:lnB>
+                    <a:solidFill>
+                      <a:srgbClr val="FFFFFF"/>
+                    </a:solidFill>
+                  </a:tcPr>
+                </a:tc>
+                <a:tc>
+                  <a:txBody>
+                    <a:bodyPr/>
+                    <a:lstStyle/>
+                    <a:p>
+                      <a:endParaRPr lang="ja-JP" altLang="en-US"/>
+                    </a:p>
+                  </a:txBody>
+                  <a:tcPr marL="91450" marR="91450" marT="45725" marB="45725">
+                    <a:lnL w="12700" cap="flat" cmpd="sng" algn="ctr">
+                      <a:solidFill>
+                        <a:scrgbClr r="0" g="0" b="0"/>
+                      </a:solidFill>
+                      <a:prstDash val="solid"/>
+                      <a:round/>
+                      <a:headEnd type="none" w="med" len="med"/>
+                      <a:tailEnd type="none" w="med" len="med"/>
+                    </a:lnL>
+                    <a:lnR w="12700" cap="flat" cmpd="sng" algn="ctr">
+                      <a:solidFill>
+                        <a:scrgbClr r="0" g="0" b="0"/>
+                      </a:solidFill>
+                      <a:prstDash val="solid"/>
+                      <a:round/>
+                      <a:headEnd type="none" w="med" len="med"/>
+                      <a:tailEnd type="none" w="med" len="med"/>
+                    </a:lnR>
+                    <a:lnT w="12700" cap="flat" cmpd="sng" algn="ctr">
+                      <a:solidFill>
+                        <a:scrgbClr r="0" g="0" b="0"/>
+                      </a:solidFill>
+                      <a:prstDash val="solid"/>
+                      <a:round/>
+                      <a:headEnd type="none" w="med" len="med"/>
+                      <a:tailEnd type="none" w="med" len="med"/>
+                    </a:lnT>
+                    <a:lnB w="12700" cap="flat" cmpd="sng" algn="ctr">
+                      <a:solidFill>
+                        <a:scrgbClr r="0" g="0" b="0"/>
+                      </a:solidFill>
+                      <a:prstDash val="solid"/>
+                      <a:round/>
+                      <a:headEnd type="none" w="med" len="med"/>
+                      <a:tailEnd type="none" w="med" len="med"/>
+                    </a:lnB>
+                    <a:solidFill>
+                      <a:srgbClr val="FFFFFF"/>
+                    </a:solidFill>
+                  </a:tcPr>
+                </a:tc>
+              </a:tr>
+              <a:tr h="290675">
+                <a:tc>
+                  <a:txBody>
+                    <a:bodyPr/>
+                    <a:lstStyle/>
+                    <a:p>
                       <a:pPr marL="0" marR="0" lvl="0" indent="0" algn="l" rtl="0">
                         <a:lnSpc>
                           <a:spcPct val="100000"/>
@@ -16595,16 +16344,16 @@
                         <a:buNone/>
                       </a:pPr>
                       <a:r>
-                        <a:rPr lang="ja">
+                        <a:rPr lang="ja-JP" altLang="en-US" sz="1400" u="none" strike="noStrike" cap="none" dirty="0" smtClean="0">
                           <a:uFillTx/>
                           <a:latin typeface="Meiryo"/>
                           <a:ea typeface="Meiryo"/>
                           <a:cs typeface="Meiryo"/>
                           <a:sym typeface="Meiryo"/>
                         </a:rPr>
-                        <a:t>点数</a:t>
+                        <a:t>タレント人気ランキング</a:t>
                       </a:r>
-                      <a:endParaRPr sz="1400" u="none" strike="noStrike" cap="none">
+                      <a:endParaRPr sz="1400" u="none" strike="noStrike" cap="none" dirty="0">
                         <a:uFillTx/>
                         <a:latin typeface="Meiryo"/>
                         <a:ea typeface="Meiryo"/>
@@ -16614,45 +16363,118 @@
                     </a:p>
                   </a:txBody>
                   <a:tcPr marL="91450" marR="91450" marT="45725" marB="45725">
-                    <a:lnL w="12700" cap="flat" cmpd="sng">
+                    <a:lnL w="12700" cap="flat" cmpd="sng" algn="ctr">
                       <a:solidFill>
-                        <a:srgbClr val="000000"/>
+                        <a:scrgbClr r="0" g="0" b="0"/>
                       </a:solidFill>
                       <a:prstDash val="solid"/>
                       <a:round/>
-                      <a:headEnd type="none" w="sm" len="sm"/>
-                      <a:tailEnd type="none" w="sm" len="sm"/>
+                      <a:headEnd type="none" w="med" len="med"/>
+                      <a:tailEnd type="none" w="med" len="med"/>
                     </a:lnL>
-                    <a:lnR w="12700" cap="flat" cmpd="sng">
+                    <a:lnR w="12700" cap="flat" cmpd="sng" algn="ctr">
                       <a:solidFill>
-                        <a:srgbClr val="000000"/>
+                        <a:scrgbClr r="0" g="0" b="0"/>
                       </a:solidFill>
                       <a:prstDash val="solid"/>
                       <a:round/>
-                      <a:headEnd type="none" w="sm" len="sm"/>
-                      <a:tailEnd type="none" w="sm" len="sm"/>
+                      <a:headEnd type="none" w="med" len="med"/>
+                      <a:tailEnd type="none" w="med" len="med"/>
                     </a:lnR>
-                    <a:lnT w="12700" cap="flat" cmpd="sng">
+                    <a:lnT w="12700" cap="flat" cmpd="sng" algn="ctr">
                       <a:solidFill>
-                        <a:srgbClr val="000000"/>
+                        <a:scrgbClr r="0" g="0" b="0"/>
                       </a:solidFill>
                       <a:prstDash val="solid"/>
                       <a:round/>
-                      <a:headEnd type="none" w="sm" len="sm"/>
-                      <a:tailEnd type="none" w="sm" len="sm"/>
+                      <a:headEnd type="none" w="med" len="med"/>
+                      <a:tailEnd type="none" w="med" len="med"/>
                     </a:lnT>
-                    <a:lnB w="12700" cap="flat" cmpd="sng">
+                    <a:lnB w="12700" cap="flat" cmpd="sng" algn="ctr">
                       <a:solidFill>
-                        <a:srgbClr val="000000"/>
+                        <a:scrgbClr r="0" g="0" b="0"/>
                       </a:solidFill>
                       <a:prstDash val="solid"/>
                       <a:round/>
-                      <a:headEnd type="none" w="sm" len="sm"/>
-                      <a:tailEnd type="none" w="sm" len="sm"/>
+                      <a:headEnd type="none" w="med" len="med"/>
+                      <a:tailEnd type="none" w="med" len="med"/>
                     </a:lnB>
-                    <a:solidFill>
-                      <a:srgbClr val="FFFFFF"/>
-                    </a:solidFill>
+                  </a:tcPr>
+                </a:tc>
+                <a:tc>
+                  <a:txBody>
+                    <a:bodyPr/>
+                    <a:lstStyle/>
+                    <a:p>
+                      <a:pPr marL="0" lvl="0" indent="0" algn="l" rtl="0">
+                        <a:spcBef>
+                          <a:spcPts val="0"/>
+                        </a:spcBef>
+                        <a:spcAft>
+                          <a:spcPts val="0"/>
+                        </a:spcAft>
+                        <a:buClr>
+                          <a:schemeClr val="dk1"/>
+                        </a:buClr>
+                        <a:buFont typeface="Arial"/>
+                        <a:buNone/>
+                      </a:pPr>
+                      <a:r>
+                        <a:rPr lang="ja-JP" altLang="en-US" dirty="0" smtClean="0">
+                          <a:uFillTx/>
+                          <a:latin typeface="Meiryo"/>
+                          <a:ea typeface="Meiryo"/>
+                          <a:cs typeface="Meiryo"/>
+                          <a:sym typeface="Meiryo"/>
+                        </a:rPr>
+                        <a:t>日経エンタ</a:t>
+                      </a:r>
+                      <a:endParaRPr dirty="0">
+                        <a:uFillTx/>
+                        <a:latin typeface="Meiryo"/>
+                        <a:ea typeface="Meiryo"/>
+                        <a:cs typeface="Meiryo"/>
+                        <a:sym typeface="Meiryo"/>
+                      </a:endParaRPr>
+                    </a:p>
+                  </a:txBody>
+                  <a:tcPr marL="91450" marR="91450" marT="45725" marB="45725">
+                    <a:lnL w="12700" cap="flat" cmpd="sng" algn="ctr">
+                      <a:solidFill>
+                        <a:scrgbClr r="0" g="0" b="0"/>
+                      </a:solidFill>
+                      <a:prstDash val="solid"/>
+                      <a:round/>
+                      <a:headEnd type="none" w="med" len="med"/>
+                      <a:tailEnd type="none" w="med" len="med"/>
+                    </a:lnL>
+                    <a:lnR w="12700" cap="flat" cmpd="sng" algn="ctr">
+                      <a:solidFill>
+                        <a:scrgbClr r="0" g="0" b="0"/>
+                      </a:solidFill>
+                      <a:prstDash val="solid"/>
+                      <a:round/>
+                      <a:headEnd type="none" w="med" len="med"/>
+                      <a:tailEnd type="none" w="med" len="med"/>
+                    </a:lnR>
+                    <a:lnT w="12700" cap="flat" cmpd="sng" algn="ctr">
+                      <a:solidFill>
+                        <a:scrgbClr r="0" g="0" b="0"/>
+                      </a:solidFill>
+                      <a:prstDash val="solid"/>
+                      <a:round/>
+                      <a:headEnd type="none" w="med" len="med"/>
+                      <a:tailEnd type="none" w="med" len="med"/>
+                    </a:lnT>
+                    <a:lnB w="12700" cap="flat" cmpd="sng" algn="ctr">
+                      <a:solidFill>
+                        <a:scrgbClr r="0" g="0" b="0"/>
+                      </a:solidFill>
+                      <a:prstDash val="solid"/>
+                      <a:round/>
+                      <a:headEnd type="none" w="med" len="med"/>
+                      <a:tailEnd type="none" w="med" len="med"/>
+                    </a:lnB>
                   </a:tcPr>
                 </a:tc>
                 <a:tc>
@@ -16677,290 +16499,7 @@
                         <a:buNone/>
                       </a:pPr>
                       <a:r>
-                        <a:rPr lang="ja" sz="1400" u="none" strike="noStrike" cap="none">
-                          <a:uFillTx/>
-                          <a:latin typeface="Meiryo"/>
-                          <a:ea typeface="Meiryo"/>
-                          <a:cs typeface="Meiryo"/>
-                          <a:sym typeface="Meiryo"/>
-                        </a:rPr>
-                        <a:t>100</a:t>
-                      </a:r>
-                      <a:endParaRPr sz="1400" u="none" strike="noStrike" cap="none">
-                        <a:uFillTx/>
-                        <a:latin typeface="Meiryo"/>
-                        <a:ea typeface="Meiryo"/>
-                        <a:cs typeface="Meiryo"/>
-                        <a:sym typeface="Meiryo"/>
-                      </a:endParaRPr>
-                    </a:p>
-                  </a:txBody>
-                  <a:tcPr marL="91450" marR="91450" marT="45725" marB="45725">
-                    <a:lnL w="12700" cap="flat" cmpd="sng">
-                      <a:solidFill>
-                        <a:srgbClr val="000000"/>
-                      </a:solidFill>
-                      <a:prstDash val="solid"/>
-                      <a:round/>
-                      <a:headEnd type="none" w="sm" len="sm"/>
-                      <a:tailEnd type="none" w="sm" len="sm"/>
-                    </a:lnL>
-                    <a:lnR w="12700" cap="flat" cmpd="sng">
-                      <a:solidFill>
-                        <a:srgbClr val="000000"/>
-                      </a:solidFill>
-                      <a:prstDash val="solid"/>
-                      <a:round/>
-                      <a:headEnd type="none" w="sm" len="sm"/>
-                      <a:tailEnd type="none" w="sm" len="sm"/>
-                    </a:lnR>
-                    <a:lnT w="12700" cap="flat" cmpd="sng">
-                      <a:solidFill>
-                        <a:srgbClr val="000000"/>
-                      </a:solidFill>
-                      <a:prstDash val="solid"/>
-                      <a:round/>
-                      <a:headEnd type="none" w="sm" len="sm"/>
-                      <a:tailEnd type="none" w="sm" len="sm"/>
-                    </a:lnT>
-                    <a:lnB w="12700" cap="flat" cmpd="sng">
-                      <a:solidFill>
-                        <a:srgbClr val="000000"/>
-                      </a:solidFill>
-                      <a:prstDash val="solid"/>
-                      <a:round/>
-                      <a:headEnd type="none" w="sm" len="sm"/>
-                      <a:tailEnd type="none" w="sm" len="sm"/>
-                    </a:lnB>
-                    <a:solidFill>
-                      <a:srgbClr val="FFFFFF"/>
-                    </a:solidFill>
-                  </a:tcPr>
-                </a:tc>
-              </a:tr>
-              <a:tr h="290675">
-                <a:tc rowSpan="4">
-                  <a:txBody>
-                    <a:bodyPr/>
-                    <a:lstStyle/>
-                    <a:p>
-                      <a:pPr marL="0" marR="0" lvl="0" indent="0" algn="l" rtl="0">
-                        <a:lnSpc>
-                          <a:spcPct val="100000"/>
-                        </a:lnSpc>
-                        <a:spcBef>
-                          <a:spcPts val="0"/>
-                        </a:spcBef>
-                        <a:spcAft>
-                          <a:spcPts val="0"/>
-                        </a:spcAft>
-                        <a:buClr>
-                          <a:srgbClr val="000000"/>
-                        </a:buClr>
-                        <a:buFont typeface="Arial"/>
-                        <a:buNone/>
-                      </a:pPr>
-                      <a:r>
-                        <a:rPr lang="ja">
-                          <a:uFillTx/>
-                          <a:latin typeface="Meiryo"/>
-                          <a:ea typeface="Meiryo"/>
-                          <a:cs typeface="Meiryo"/>
-                          <a:sym typeface="Meiryo"/>
-                        </a:rPr>
-                        <a:t>出席データ</a:t>
-                      </a:r>
-                      <a:endParaRPr sz="1400" u="none" strike="noStrike" cap="none">
-                        <a:uFillTx/>
-                        <a:latin typeface="Meiryo"/>
-                        <a:ea typeface="Meiryo"/>
-                        <a:cs typeface="Meiryo"/>
-                        <a:sym typeface="Meiryo"/>
-                      </a:endParaRPr>
-                    </a:p>
-                  </a:txBody>
-                  <a:tcPr marL="91450" marR="91450" marT="45725" marB="45725">
-                    <a:lnL w="12700" cap="flat" cmpd="sng">
-                      <a:solidFill>
-                        <a:srgbClr val="000000"/>
-                      </a:solidFill>
-                      <a:prstDash val="solid"/>
-                      <a:round/>
-                      <a:headEnd type="none" w="sm" len="sm"/>
-                      <a:tailEnd type="none" w="sm" len="sm"/>
-                    </a:lnL>
-                    <a:lnR w="12700" cap="flat" cmpd="sng">
-                      <a:solidFill>
-                        <a:srgbClr val="000000"/>
-                      </a:solidFill>
-                      <a:prstDash val="solid"/>
-                      <a:round/>
-                      <a:headEnd type="none" w="sm" len="sm"/>
-                      <a:tailEnd type="none" w="sm" len="sm"/>
-                    </a:lnR>
-                    <a:lnT w="12700" cap="flat" cmpd="sng">
-                      <a:solidFill>
-                        <a:srgbClr val="000000"/>
-                      </a:solidFill>
-                      <a:prstDash val="solid"/>
-                      <a:round/>
-                      <a:headEnd type="none" w="sm" len="sm"/>
-                      <a:tailEnd type="none" w="sm" len="sm"/>
-                    </a:lnT>
-                    <a:lnB w="12700" cap="flat" cmpd="sng">
-                      <a:solidFill>
-                        <a:srgbClr val="000000"/>
-                      </a:solidFill>
-                      <a:prstDash val="solid"/>
-                      <a:round/>
-                      <a:headEnd type="none" w="sm" len="sm"/>
-                      <a:tailEnd type="none" w="sm" len="sm"/>
-                    </a:lnB>
-                    <a:solidFill>
-                      <a:srgbClr val="FFFFFF"/>
-                    </a:solidFill>
-                  </a:tcPr>
-                </a:tc>
-                <a:tc rowSpan="4">
-                  <a:txBody>
-                    <a:bodyPr/>
-                    <a:lstStyle/>
-                    <a:p>
-                      <a:pPr marL="0" lvl="0" indent="0" algn="l" rtl="0">
-                        <a:spcBef>
-                          <a:spcPts val="0"/>
-                        </a:spcBef>
-                        <a:spcAft>
-                          <a:spcPts val="0"/>
-                        </a:spcAft>
-                        <a:buClr>
-                          <a:schemeClr val="dk1"/>
-                        </a:buClr>
-                        <a:buFont typeface="Arial"/>
-                        <a:buNone/>
-                      </a:pPr>
-                      <a:r>
-                        <a:rPr lang="ja">
-                          <a:solidFill>
-                            <a:schemeClr val="dk1"/>
-                          </a:solidFill>
-                          <a:uFillTx/>
-                          <a:latin typeface="Meiryo"/>
-                          <a:ea typeface="Meiryo"/>
-                          <a:cs typeface="Meiryo"/>
-                          <a:sym typeface="Meiryo"/>
-                        </a:rPr>
-                        <a:t>オペレーション部に依頼し</a:t>
-                      </a:r>
-                      <a:endParaRPr>
-                        <a:uFillTx/>
-                        <a:latin typeface="Meiryo"/>
-                        <a:ea typeface="Meiryo"/>
-                        <a:cs typeface="Meiryo"/>
-                        <a:sym typeface="Meiryo"/>
-                      </a:endParaRPr>
-                    </a:p>
-                    <a:p>
-                      <a:pPr marL="0" marR="0" lvl="0" indent="0" algn="l" rtl="0">
-                        <a:lnSpc>
-                          <a:spcPct val="100000"/>
-                        </a:lnSpc>
-                        <a:spcBef>
-                          <a:spcPts val="0"/>
-                        </a:spcBef>
-                        <a:spcAft>
-                          <a:spcPts val="0"/>
-                        </a:spcAft>
-                        <a:buClr>
-                          <a:srgbClr val="000000"/>
-                        </a:buClr>
-                        <a:buFont typeface="Arial"/>
-                        <a:buNone/>
-                      </a:pPr>
-                      <a:r>
-                        <a:rPr lang="ja">
-                          <a:uFillTx/>
-                          <a:latin typeface="Meiryo"/>
-                          <a:ea typeface="Meiryo"/>
-                          <a:cs typeface="Meiryo"/>
-                          <a:sym typeface="Meiryo"/>
-                        </a:rPr>
-                        <a:t>Excelで入手</a:t>
-                      </a:r>
-                      <a:endParaRPr>
-                        <a:uFillTx/>
-                        <a:latin typeface="Meiryo"/>
-                        <a:ea typeface="Meiryo"/>
-                        <a:cs typeface="Meiryo"/>
-                        <a:sym typeface="Meiryo"/>
-                      </a:endParaRPr>
-                    </a:p>
-                  </a:txBody>
-                  <a:tcPr marL="91450" marR="91450" marT="45725" marB="45725">
-                    <a:lnL w="12700" cap="flat" cmpd="sng">
-                      <a:solidFill>
-                        <a:srgbClr val="000000"/>
-                      </a:solidFill>
-                      <a:prstDash val="solid"/>
-                      <a:round/>
-                      <a:headEnd type="none" w="sm" len="sm"/>
-                      <a:tailEnd type="none" w="sm" len="sm"/>
-                    </a:lnL>
-                    <a:lnR w="12700" cap="flat" cmpd="sng">
-                      <a:solidFill>
-                        <a:srgbClr val="000000"/>
-                      </a:solidFill>
-                      <a:prstDash val="solid"/>
-                      <a:round/>
-                      <a:headEnd type="none" w="sm" len="sm"/>
-                      <a:tailEnd type="none" w="sm" len="sm"/>
-                    </a:lnR>
-                    <a:lnT w="12700" cap="flat" cmpd="sng">
-                      <a:solidFill>
-                        <a:srgbClr val="000000"/>
-                      </a:solidFill>
-                      <a:prstDash val="solid"/>
-                      <a:round/>
-                      <a:headEnd type="none" w="sm" len="sm"/>
-                      <a:tailEnd type="none" w="sm" len="sm"/>
-                    </a:lnT>
-                    <a:lnB w="12700" cap="flat" cmpd="sng">
-                      <a:solidFill>
-                        <a:srgbClr val="000000"/>
-                      </a:solidFill>
-                      <a:prstDash val="solid"/>
-                      <a:round/>
-                      <a:headEnd type="none" w="sm" len="sm"/>
-                      <a:tailEnd type="none" w="sm" len="sm"/>
-                    </a:lnB>
-                    <a:solidFill>
-                      <a:srgbClr val="FFFFFF"/>
-                    </a:solidFill>
-                  </a:tcPr>
-                </a:tc>
-                <a:tc rowSpan="4">
-                  <a:txBody>
-                    <a:bodyPr/>
-                    <a:lstStyle/>
-                    <a:p>
-                      <a:pPr marL="0" marR="0" lvl="0" indent="0" algn="l" rtl="0">
-                        <a:lnSpc>
-                          <a:spcPct val="100000"/>
-                        </a:lnSpc>
-                        <a:spcBef>
-                          <a:spcPts val="0"/>
-                        </a:spcBef>
-                        <a:spcAft>
-                          <a:spcPts val="0"/>
-                        </a:spcAft>
-                        <a:buClr>
-                          <a:srgbClr val="000000"/>
-                        </a:buClr>
-                        <a:buFont typeface="Arial"/>
-                        <a:buNone/>
-                      </a:pPr>
-                      <a:r>
-                        <a:rPr lang="ja" sz="1400" u="none" strike="noStrike" cap="none" dirty="0">
+                        <a:rPr lang="ja" sz="1400" u="none" strike="noStrike" cap="none" dirty="0" smtClean="0">
                           <a:uFillTx/>
                           <a:latin typeface="Meiryo"/>
                           <a:ea typeface="Meiryo"/>
@@ -16970,54 +16509,54 @@
                         <a:t>20</a:t>
                       </a:r>
                       <a:r>
-                        <a:rPr lang="en-US" altLang="ja" sz="1400" u="none" strike="noStrike" cap="none" dirty="0">
+                        <a:rPr lang="en-US" altLang="ja" sz="1400" u="none" strike="noStrike" cap="none" dirty="0" smtClean="0">
                           <a:uFillTx/>
                           <a:latin typeface="Meiryo"/>
                           <a:ea typeface="Meiryo"/>
                           <a:cs typeface="Meiryo"/>
                           <a:sym typeface="Meiryo"/>
                         </a:rPr>
-                        <a:t>X</a:t>
+                        <a:t>0</a:t>
                       </a:r>
                       <a:r>
-                        <a:rPr lang="ja" dirty="0">
+                        <a:rPr lang="en-US" altLang="ja-JP" sz="1400" u="none" strike="noStrike" cap="none" dirty="0" smtClean="0">
                           <a:uFillTx/>
                           <a:latin typeface="Meiryo"/>
                           <a:ea typeface="Meiryo"/>
                           <a:cs typeface="Meiryo"/>
                           <a:sym typeface="Meiryo"/>
                         </a:rPr>
-                        <a:t>X</a:t>
+                        <a:t>9</a:t>
                       </a:r>
                       <a:r>
-                        <a:rPr lang="ja" sz="1400" u="none" strike="noStrike" cap="none" dirty="0">
+                        <a:rPr lang="en-US" altLang="ja-JP" sz="1400" u="none" strike="noStrike" cap="none" dirty="0" smtClean="0">
                           <a:uFillTx/>
                           <a:latin typeface="Meiryo"/>
                           <a:ea typeface="Meiryo"/>
                           <a:cs typeface="Meiryo"/>
                           <a:sym typeface="Meiryo"/>
                         </a:rPr>
-                        <a:t>/X~20</a:t>
+                        <a:t>〜</a:t>
                       </a:r>
                       <a:r>
-                        <a:rPr lang="en-US" altLang="ja" sz="1400" u="none" strike="noStrike" cap="none" dirty="0">
+                        <a:rPr lang="en-US" altLang="ja-JP" sz="1400" u="none" strike="noStrike" cap="none" dirty="0" smtClean="0">
                           <a:uFillTx/>
                           <a:latin typeface="Meiryo"/>
                           <a:ea typeface="Meiryo"/>
                           <a:cs typeface="Meiryo"/>
                           <a:sym typeface="Meiryo"/>
                         </a:rPr>
-                        <a:t>XX</a:t>
+                        <a:t>2019</a:t>
                       </a:r>
                       <a:r>
-                        <a:rPr lang="ja" sz="1400" u="none" strike="noStrike" cap="none" dirty="0">
+                        <a:rPr lang="ja-JP" altLang="en-US" sz="1400" u="none" strike="noStrike" cap="none" dirty="0" smtClean="0">
                           <a:uFillTx/>
                           <a:latin typeface="Meiryo"/>
                           <a:ea typeface="Meiryo"/>
                           <a:cs typeface="Meiryo"/>
                           <a:sym typeface="Meiryo"/>
                         </a:rPr>
-                        <a:t>/X</a:t>
+                        <a:t>年</a:t>
                       </a:r>
                       <a:endParaRPr sz="1400" u="none" strike="noStrike" cap="none" dirty="0">
                         <a:uFillTx/>
@@ -17029,127 +16568,42 @@
                     </a:p>
                   </a:txBody>
                   <a:tcPr marL="91450" marR="91450" marT="45725" marB="45725">
-                    <a:lnL w="12700" cap="flat" cmpd="sng">
+                    <a:lnL w="12700" cap="flat" cmpd="sng" algn="ctr">
                       <a:solidFill>
-                        <a:srgbClr val="000000"/>
+                        <a:scrgbClr r="0" g="0" b="0"/>
                       </a:solidFill>
                       <a:prstDash val="solid"/>
                       <a:round/>
-                      <a:headEnd type="none" w="sm" len="sm"/>
-                      <a:tailEnd type="none" w="sm" len="sm"/>
+                      <a:headEnd type="none" w="med" len="med"/>
+                      <a:tailEnd type="none" w="med" len="med"/>
                     </a:lnL>
-                    <a:lnR w="12700" cap="flat" cmpd="sng">
+                    <a:lnR w="12700" cap="flat" cmpd="sng" algn="ctr">
                       <a:solidFill>
-                        <a:srgbClr val="000000"/>
+                        <a:scrgbClr r="0" g="0" b="0"/>
                       </a:solidFill>
                       <a:prstDash val="solid"/>
                       <a:round/>
-                      <a:headEnd type="none" w="sm" len="sm"/>
-                      <a:tailEnd type="none" w="sm" len="sm"/>
+                      <a:headEnd type="none" w="med" len="med"/>
+                      <a:tailEnd type="none" w="med" len="med"/>
                     </a:lnR>
-                    <a:lnT w="12700" cap="flat" cmpd="sng">
+                    <a:lnT w="12700" cap="flat" cmpd="sng" algn="ctr">
                       <a:solidFill>
-                        <a:srgbClr val="000000"/>
+                        <a:scrgbClr r="0" g="0" b="0"/>
                       </a:solidFill>
                       <a:prstDash val="solid"/>
                       <a:round/>
-                      <a:headEnd type="none" w="sm" len="sm"/>
-                      <a:tailEnd type="none" w="sm" len="sm"/>
+                      <a:headEnd type="none" w="med" len="med"/>
+                      <a:tailEnd type="none" w="med" len="med"/>
                     </a:lnT>
-                    <a:lnB w="12700" cap="flat" cmpd="sng">
+                    <a:lnB w="12700" cap="flat" cmpd="sng" algn="ctr">
                       <a:solidFill>
-                        <a:srgbClr val="000000"/>
+                        <a:scrgbClr r="0" g="0" b="0"/>
                       </a:solidFill>
                       <a:prstDash val="solid"/>
                       <a:round/>
-                      <a:headEnd type="none" w="sm" len="sm"/>
-                      <a:tailEnd type="none" w="sm" len="sm"/>
+                      <a:headEnd type="none" w="med" len="med"/>
+                      <a:tailEnd type="none" w="med" len="med"/>
                     </a:lnB>
-                    <a:solidFill>
-                      <a:srgbClr val="FFFFFF"/>
-                    </a:solidFill>
-                  </a:tcPr>
-                </a:tc>
-                <a:tc rowSpan="4">
-                  <a:txBody>
-                    <a:bodyPr/>
-                    <a:lstStyle/>
-                    <a:p>
-                      <a:pPr marL="0" marR="0" lvl="0" indent="0" algn="l" rtl="0">
-                        <a:lnSpc>
-                          <a:spcPct val="100000"/>
-                        </a:lnSpc>
-                        <a:spcBef>
-                          <a:spcPts val="0"/>
-                        </a:spcBef>
-                        <a:spcAft>
-                          <a:spcPts val="0"/>
-                        </a:spcAft>
-                        <a:buClr>
-                          <a:srgbClr val="000000"/>
-                        </a:buClr>
-                        <a:buFont typeface="Arial"/>
-                        <a:buNone/>
-                      </a:pPr>
-                      <a:r>
-                        <a:rPr lang="ja" sz="1400" u="none" strike="noStrike" cap="none">
-                          <a:uFillTx/>
-                          <a:latin typeface="Meiryo"/>
-                          <a:ea typeface="Meiryo"/>
-                          <a:cs typeface="Meiryo"/>
-                          <a:sym typeface="Meiryo"/>
-                        </a:rPr>
-                        <a:t>日別</a:t>
-                      </a:r>
-                      <a:endParaRPr sz="1400" u="none" strike="noStrike" cap="none">
-                        <a:uFillTx/>
-                        <a:latin typeface="Meiryo"/>
-                        <a:ea typeface="Meiryo"/>
-                        <a:cs typeface="Meiryo"/>
-                        <a:sym typeface="Meiryo"/>
-                      </a:endParaRPr>
-                    </a:p>
-                  </a:txBody>
-                  <a:tcPr marL="91450" marR="91450" marT="45725" marB="45725">
-                    <a:lnL w="12700" cap="flat" cmpd="sng">
-                      <a:solidFill>
-                        <a:srgbClr val="000000"/>
-                      </a:solidFill>
-                      <a:prstDash val="solid"/>
-                      <a:round/>
-                      <a:headEnd type="none" w="sm" len="sm"/>
-                      <a:tailEnd type="none" w="sm" len="sm"/>
-                    </a:lnL>
-                    <a:lnR w="12700" cap="flat" cmpd="sng">
-                      <a:solidFill>
-                        <a:srgbClr val="000000"/>
-                      </a:solidFill>
-                      <a:prstDash val="solid"/>
-                      <a:round/>
-                      <a:headEnd type="none" w="sm" len="sm"/>
-                      <a:tailEnd type="none" w="sm" len="sm"/>
-                    </a:lnR>
-                    <a:lnT w="12700" cap="flat" cmpd="sng">
-                      <a:solidFill>
-                        <a:srgbClr val="000000"/>
-                      </a:solidFill>
-                      <a:prstDash val="solid"/>
-                      <a:round/>
-                      <a:headEnd type="none" w="sm" len="sm"/>
-                      <a:tailEnd type="none" w="sm" len="sm"/>
-                    </a:lnT>
-                    <a:lnB w="12700" cap="flat" cmpd="sng">
-                      <a:solidFill>
-                        <a:srgbClr val="000000"/>
-                      </a:solidFill>
-                      <a:prstDash val="solid"/>
-                      <a:round/>
-                      <a:headEnd type="none" w="sm" len="sm"/>
-                      <a:tailEnd type="none" w="sm" len="sm"/>
-                    </a:lnB>
-                    <a:solidFill>
-                      <a:srgbClr val="FFFFFF"/>
-                    </a:solidFill>
                   </a:tcPr>
                 </a:tc>
                 <a:tc>
@@ -17174,16 +16628,16 @@
                         <a:buNone/>
                       </a:pPr>
                       <a:r>
-                        <a:rPr lang="ja" sz="1400" u="none" strike="noStrike" cap="none">
+                        <a:rPr lang="ja-JP" altLang="en-US" sz="1400" u="none" strike="noStrike" cap="none" dirty="0" smtClean="0">
                           <a:uFillTx/>
                           <a:latin typeface="Meiryo"/>
                           <a:ea typeface="Meiryo"/>
                           <a:cs typeface="Meiryo"/>
                           <a:sym typeface="Meiryo"/>
                         </a:rPr>
-                        <a:t>日付</a:t>
+                        <a:t>毎年</a:t>
                       </a:r>
-                      <a:endParaRPr sz="1400" u="none" strike="noStrike" cap="none">
+                      <a:endParaRPr sz="1400" u="none" strike="noStrike" cap="none" dirty="0">
                         <a:uFillTx/>
                         <a:latin typeface="Meiryo"/>
                         <a:ea typeface="Meiryo"/>
@@ -17193,41 +16647,88 @@
                     </a:p>
                   </a:txBody>
                   <a:tcPr marL="91450" marR="91450" marT="45725" marB="45725">
-                    <a:lnL w="12700" cap="flat" cmpd="sng">
+                    <a:lnL w="12700" cap="flat" cmpd="sng" algn="ctr">
                       <a:solidFill>
-                        <a:srgbClr val="000000"/>
+                        <a:scrgbClr r="0" g="0" b="0"/>
                       </a:solidFill>
                       <a:prstDash val="solid"/>
                       <a:round/>
-                      <a:headEnd type="none" w="sm" len="sm"/>
-                      <a:tailEnd type="none" w="sm" len="sm"/>
+                      <a:headEnd type="none" w="med" len="med"/>
+                      <a:tailEnd type="none" w="med" len="med"/>
                     </a:lnL>
-                    <a:lnR w="12700" cap="flat" cmpd="sng">
+                    <a:lnR w="12700" cap="flat" cmpd="sng" algn="ctr">
                       <a:solidFill>
-                        <a:srgbClr val="000000"/>
+                        <a:scrgbClr r="0" g="0" b="0"/>
                       </a:solidFill>
                       <a:prstDash val="solid"/>
                       <a:round/>
-                      <a:headEnd type="none" w="sm" len="sm"/>
-                      <a:tailEnd type="none" w="sm" len="sm"/>
+                      <a:headEnd type="none" w="med" len="med"/>
+                      <a:tailEnd type="none" w="med" len="med"/>
                     </a:lnR>
-                    <a:lnT w="12700" cap="flat" cmpd="sng">
+                    <a:lnT w="12700" cap="flat" cmpd="sng" algn="ctr">
                       <a:solidFill>
-                        <a:srgbClr val="000000"/>
+                        <a:scrgbClr r="0" g="0" b="0"/>
                       </a:solidFill>
                       <a:prstDash val="solid"/>
                       <a:round/>
-                      <a:headEnd type="none" w="sm" len="sm"/>
-                      <a:tailEnd type="none" w="sm" len="sm"/>
+                      <a:headEnd type="none" w="med" len="med"/>
+                      <a:tailEnd type="none" w="med" len="med"/>
                     </a:lnT>
-                    <a:lnB w="12700" cap="flat" cmpd="sng">
+                    <a:lnB w="12700" cap="flat" cmpd="sng" algn="ctr">
                       <a:solidFill>
-                        <a:srgbClr val="000000"/>
+                        <a:scrgbClr r="0" g="0" b="0"/>
                       </a:solidFill>
                       <a:prstDash val="solid"/>
                       <a:round/>
-                      <a:headEnd type="none" w="sm" len="sm"/>
-                      <a:tailEnd type="none" w="sm" len="sm"/>
+                      <a:headEnd type="none" w="med" len="med"/>
+                      <a:tailEnd type="none" w="med" len="med"/>
+                    </a:lnB>
+                  </a:tcPr>
+                </a:tc>
+                <a:tc>
+                  <a:txBody>
+                    <a:bodyPr/>
+                    <a:lstStyle/>
+                    <a:p>
+                      <a:endParaRPr lang="ja-JP" altLang="en-US"/>
+                    </a:p>
+                  </a:txBody>
+                  <a:tcPr marL="91450" marR="91450" marT="45725" marB="45725">
+                    <a:lnL w="12700" cap="flat" cmpd="sng" algn="ctr">
+                      <a:solidFill>
+                        <a:scrgbClr r="0" g="0" b="0"/>
+                      </a:solidFill>
+                      <a:prstDash val="solid"/>
+                      <a:round/>
+                      <a:headEnd type="none" w="med" len="med"/>
+                      <a:tailEnd type="none" w="med" len="med"/>
+                    </a:lnL>
+                    <a:lnR w="12700" cap="flat" cmpd="sng" algn="ctr">
+                      <a:solidFill>
+                        <a:scrgbClr r="0" g="0" b="0"/>
+                      </a:solidFill>
+                      <a:prstDash val="solid"/>
+                      <a:round/>
+                      <a:headEnd type="none" w="med" len="med"/>
+                      <a:tailEnd type="none" w="med" len="med"/>
+                    </a:lnR>
+                    <a:lnT w="12700" cap="flat" cmpd="sng" algn="ctr">
+                      <a:solidFill>
+                        <a:scrgbClr r="0" g="0" b="0"/>
+                      </a:solidFill>
+                      <a:prstDash val="solid"/>
+                      <a:round/>
+                      <a:headEnd type="none" w="med" len="med"/>
+                      <a:tailEnd type="none" w="med" len="med"/>
+                    </a:lnT>
+                    <a:lnB w="12700" cap="flat" cmpd="sng" algn="ctr">
+                      <a:solidFill>
+                        <a:scrgbClr r="0" g="0" b="0"/>
+                      </a:solidFill>
+                      <a:prstDash val="solid"/>
+                      <a:round/>
+                      <a:headEnd type="none" w="med" len="med"/>
+                      <a:tailEnd type="none" w="med" len="med"/>
                     </a:lnB>
                     <a:solidFill>
                       <a:srgbClr val="FFFFFF"/>
@@ -17239,77 +16740,45 @@
                     <a:bodyPr/>
                     <a:lstStyle/>
                     <a:p>
-                      <a:pPr marL="0" marR="0" lvl="0" indent="0" algn="l" rtl="0">
-                        <a:lnSpc>
-                          <a:spcPct val="100000"/>
-                        </a:lnSpc>
-                        <a:spcBef>
-                          <a:spcPts val="0"/>
-                        </a:spcBef>
-                        <a:spcAft>
-                          <a:spcPts val="0"/>
-                        </a:spcAft>
-                        <a:buClr>
-                          <a:srgbClr val="000000"/>
-                        </a:buClr>
-                        <a:buFont typeface="Arial"/>
-                        <a:buNone/>
-                      </a:pPr>
-                      <a:r>
-                        <a:rPr lang="ja" sz="1400" u="none" strike="noStrike" cap="none">
-                          <a:uFillTx/>
-                          <a:latin typeface="Meiryo"/>
-                          <a:ea typeface="Meiryo"/>
-                          <a:cs typeface="Meiryo"/>
-                          <a:sym typeface="Meiryo"/>
-                        </a:rPr>
-                        <a:t>2016-01-01</a:t>
-                      </a:r>
-                      <a:endParaRPr sz="1400" u="none" strike="noStrike" cap="none">
-                        <a:uFillTx/>
-                        <a:latin typeface="Meiryo"/>
-                        <a:ea typeface="Meiryo"/>
-                        <a:cs typeface="Meiryo"/>
-                        <a:sym typeface="Meiryo"/>
-                      </a:endParaRPr>
+                      <a:endParaRPr lang="ja-JP" altLang="en-US" dirty="0"/>
                     </a:p>
                   </a:txBody>
                   <a:tcPr marL="91450" marR="91450" marT="45725" marB="45725">
-                    <a:lnL w="12700" cap="flat" cmpd="sng">
+                    <a:lnL w="12700" cap="flat" cmpd="sng" algn="ctr">
                       <a:solidFill>
-                        <a:srgbClr val="000000"/>
+                        <a:scrgbClr r="0" g="0" b="0"/>
                       </a:solidFill>
                       <a:prstDash val="solid"/>
                       <a:round/>
-                      <a:headEnd type="none" w="sm" len="sm"/>
-                      <a:tailEnd type="none" w="sm" len="sm"/>
+                      <a:headEnd type="none" w="med" len="med"/>
+                      <a:tailEnd type="none" w="med" len="med"/>
                     </a:lnL>
-                    <a:lnR w="12700" cap="flat" cmpd="sng">
+                    <a:lnR w="12700" cap="flat" cmpd="sng" algn="ctr">
                       <a:solidFill>
-                        <a:srgbClr val="000000"/>
+                        <a:scrgbClr r="0" g="0" b="0"/>
                       </a:solidFill>
                       <a:prstDash val="solid"/>
                       <a:round/>
-                      <a:headEnd type="none" w="sm" len="sm"/>
-                      <a:tailEnd type="none" w="sm" len="sm"/>
+                      <a:headEnd type="none" w="med" len="med"/>
+                      <a:tailEnd type="none" w="med" len="med"/>
                     </a:lnR>
-                    <a:lnT w="12700" cap="flat" cmpd="sng">
+                    <a:lnT w="12700" cap="flat" cmpd="sng" algn="ctr">
                       <a:solidFill>
-                        <a:srgbClr val="000000"/>
+                        <a:scrgbClr r="0" g="0" b="0"/>
                       </a:solidFill>
                       <a:prstDash val="solid"/>
                       <a:round/>
-                      <a:headEnd type="none" w="sm" len="sm"/>
-                      <a:tailEnd type="none" w="sm" len="sm"/>
+                      <a:headEnd type="none" w="med" len="med"/>
+                      <a:tailEnd type="none" w="med" len="med"/>
                     </a:lnT>
-                    <a:lnB w="12700" cap="flat" cmpd="sng">
+                    <a:lnB w="12700" cap="flat" cmpd="sng" algn="ctr">
                       <a:solidFill>
-                        <a:srgbClr val="000000"/>
+                        <a:scrgbClr r="0" g="0" b="0"/>
                       </a:solidFill>
                       <a:prstDash val="solid"/>
                       <a:round/>
-                      <a:headEnd type="none" w="sm" len="sm"/>
-                      <a:tailEnd type="none" w="sm" len="sm"/>
+                      <a:headEnd type="none" w="med" len="med"/>
+                      <a:tailEnd type="none" w="med" len="med"/>
                     </a:lnB>
                     <a:solidFill>
                       <a:srgbClr val="FFFFFF"/>
@@ -17317,131 +16786,269 @@
                   </a:tcPr>
                 </a:tc>
               </a:tr>
-              <a:tr h="290675">
-                <a:tc vMerge="1">
+              <a:tr h="890168">
+                <a:tc>
                   <a:txBody>
                     <a:bodyPr/>
                     <a:lstStyle/>
                     <a:p>
-                      <a:endParaRPr lang="en-US">
+                      <a:r>
+                        <a:rPr lang="ja-JP" altLang="en-US" dirty="0" smtClean="0">
+                          <a:uFillTx/>
+                        </a:rPr>
+                        <a:t>そのほかタレントデータ</a:t>
+                      </a:r>
+                      <a:endParaRPr lang="en-US" dirty="0">
                         <a:uFillTx/>
                       </a:endParaRPr>
                     </a:p>
                   </a:txBody>
-                  <a:tcPr/>
-                </a:tc>
-                <a:tc vMerge="1">
-                  <a:txBody>
-                    <a:bodyPr/>
-                    <a:lstStyle/>
-                    <a:p>
-                      <a:endParaRPr lang="en-US">
-                        <a:uFillTx/>
-                      </a:endParaRPr>
-                    </a:p>
-                  </a:txBody>
-                  <a:tcPr/>
-                </a:tc>
-                <a:tc vMerge="1">
-                  <a:txBody>
-                    <a:bodyPr/>
-                    <a:lstStyle/>
-                    <a:p>
-                      <a:endParaRPr lang="en-US">
-                        <a:uFillTx/>
-                      </a:endParaRPr>
-                    </a:p>
-                  </a:txBody>
-                  <a:tcPr/>
-                </a:tc>
-                <a:tc vMerge="1">
-                  <a:txBody>
-                    <a:bodyPr/>
-                    <a:lstStyle/>
-                    <a:p>
-                      <a:endParaRPr lang="en-US">
-                        <a:uFillTx/>
-                      </a:endParaRPr>
-                    </a:p>
-                  </a:txBody>
-                  <a:tcPr/>
+                  <a:tcPr>
+                    <a:lnL w="12700" cap="flat" cmpd="sng" algn="ctr">
+                      <a:solidFill>
+                        <a:scrgbClr r="0" g="0" b="0"/>
+                      </a:solidFill>
+                      <a:prstDash val="solid"/>
+                      <a:round/>
+                      <a:headEnd type="none" w="med" len="med"/>
+                      <a:tailEnd type="none" w="med" len="med"/>
+                    </a:lnL>
+                    <a:lnR w="12700" cap="flat" cmpd="sng" algn="ctr">
+                      <a:solidFill>
+                        <a:scrgbClr r="0" g="0" b="0"/>
+                      </a:solidFill>
+                      <a:prstDash val="solid"/>
+                      <a:round/>
+                      <a:headEnd type="none" w="med" len="med"/>
+                      <a:tailEnd type="none" w="med" len="med"/>
+                    </a:lnR>
+                    <a:lnT w="12700" cap="flat" cmpd="sng" algn="ctr">
+                      <a:solidFill>
+                        <a:scrgbClr r="0" g="0" b="0"/>
+                      </a:solidFill>
+                      <a:prstDash val="solid"/>
+                      <a:round/>
+                      <a:headEnd type="none" w="med" len="med"/>
+                      <a:tailEnd type="none" w="med" len="med"/>
+                    </a:lnT>
+                    <a:lnB w="12700" cap="flat" cmpd="sng" algn="ctr">
+                      <a:solidFill>
+                        <a:scrgbClr r="0" g="0" b="0"/>
+                      </a:solidFill>
+                      <a:prstDash val="solid"/>
+                      <a:round/>
+                      <a:headEnd type="none" w="med" len="med"/>
+                      <a:tailEnd type="none" w="med" len="med"/>
+                    </a:lnB>
+                    <a:noFill/>
+                  </a:tcPr>
                 </a:tc>
                 <a:tc>
                   <a:txBody>
                     <a:bodyPr/>
                     <a:lstStyle/>
                     <a:p>
-                      <a:pPr marL="0" marR="0" lvl="0" indent="0" algn="l" rtl="0">
-                        <a:lnSpc>
-                          <a:spcPct val="100000"/>
-                        </a:lnSpc>
-                        <a:spcBef>
-                          <a:spcPts val="0"/>
-                        </a:spcBef>
-                        <a:spcAft>
-                          <a:spcPts val="0"/>
-                        </a:spcAft>
-                        <a:buClr>
-                          <a:srgbClr val="000000"/>
-                        </a:buClr>
-                        <a:buFont typeface="Arial"/>
-                        <a:buNone/>
-                      </a:pPr>
                       <a:r>
-                        <a:rPr lang="ja">
+                        <a:rPr lang="ja-JP" altLang="en-US" dirty="0" smtClean="0">
                           <a:uFillTx/>
-                          <a:latin typeface="Meiryo"/>
-                          <a:ea typeface="Meiryo"/>
-                          <a:cs typeface="Meiryo"/>
-                          <a:sym typeface="Meiryo"/>
                         </a:rPr>
-                        <a:t>student_id</a:t>
+                        <a:t>事務所、年齢、性別、</a:t>
                       </a:r>
-                      <a:endParaRPr sz="1400" u="none" strike="noStrike" cap="none">
+                      <a:endParaRPr lang="en-US" altLang="ja-JP" dirty="0" smtClean="0">
                         <a:uFillTx/>
-                        <a:latin typeface="Meiryo"/>
-                        <a:ea typeface="Meiryo"/>
-                        <a:cs typeface="Meiryo"/>
-                        <a:sym typeface="Meiryo"/>
                       </a:endParaRPr>
                     </a:p>
                   </a:txBody>
-                  <a:tcPr marL="91450" marR="91450" marT="45725" marB="45725">
-                    <a:lnL w="12700" cap="flat" cmpd="sng">
+                  <a:tcPr>
+                    <a:lnL w="12700" cap="flat" cmpd="sng" algn="ctr">
                       <a:solidFill>
-                        <a:srgbClr val="000000"/>
+                        <a:scrgbClr r="0" g="0" b="0"/>
                       </a:solidFill>
                       <a:prstDash val="solid"/>
                       <a:round/>
-                      <a:headEnd type="none" w="sm" len="sm"/>
-                      <a:tailEnd type="none" w="sm" len="sm"/>
+                      <a:headEnd type="none" w="med" len="med"/>
+                      <a:tailEnd type="none" w="med" len="med"/>
                     </a:lnL>
-                    <a:lnR w="12700" cap="flat" cmpd="sng">
+                    <a:lnR w="12700" cap="flat" cmpd="sng" algn="ctr">
                       <a:solidFill>
-                        <a:srgbClr val="000000"/>
+                        <a:scrgbClr r="0" g="0" b="0"/>
                       </a:solidFill>
                       <a:prstDash val="solid"/>
                       <a:round/>
-                      <a:headEnd type="none" w="sm" len="sm"/>
-                      <a:tailEnd type="none" w="sm" len="sm"/>
+                      <a:headEnd type="none" w="med" len="med"/>
+                      <a:tailEnd type="none" w="med" len="med"/>
                     </a:lnR>
-                    <a:lnT w="12700" cap="flat" cmpd="sng">
+                    <a:lnT w="12700" cap="flat" cmpd="sng" algn="ctr">
                       <a:solidFill>
-                        <a:srgbClr val="000000"/>
+                        <a:scrgbClr r="0" g="0" b="0"/>
                       </a:solidFill>
                       <a:prstDash val="solid"/>
                       <a:round/>
-                      <a:headEnd type="none" w="sm" len="sm"/>
-                      <a:tailEnd type="none" w="sm" len="sm"/>
+                      <a:headEnd type="none" w="med" len="med"/>
+                      <a:tailEnd type="none" w="med" len="med"/>
                     </a:lnT>
-                    <a:lnB w="12700" cap="flat" cmpd="sng">
+                    <a:lnB w="12700" cap="flat" cmpd="sng" algn="ctr">
                       <a:solidFill>
-                        <a:srgbClr val="000000"/>
+                        <a:scrgbClr r="0" g="0" b="0"/>
                       </a:solidFill>
                       <a:prstDash val="solid"/>
                       <a:round/>
-                      <a:headEnd type="none" w="sm" len="sm"/>
-                      <a:tailEnd type="none" w="sm" len="sm"/>
+                      <a:headEnd type="none" w="med" len="med"/>
+                      <a:tailEnd type="none" w="med" len="med"/>
+                    </a:lnB>
+                    <a:noFill/>
+                  </a:tcPr>
+                </a:tc>
+                <a:tc>
+                  <a:txBody>
+                    <a:bodyPr/>
+                    <a:lstStyle/>
+                    <a:p>
+                      <a:endParaRPr lang="en-US" dirty="0">
+                        <a:uFillTx/>
+                      </a:endParaRPr>
+                    </a:p>
+                  </a:txBody>
+                  <a:tcPr>
+                    <a:lnL w="12700" cap="flat" cmpd="sng" algn="ctr">
+                      <a:solidFill>
+                        <a:scrgbClr r="0" g="0" b="0"/>
+                      </a:solidFill>
+                      <a:prstDash val="solid"/>
+                      <a:round/>
+                      <a:headEnd type="none" w="med" len="med"/>
+                      <a:tailEnd type="none" w="med" len="med"/>
+                    </a:lnL>
+                    <a:lnR w="12700" cap="flat" cmpd="sng" algn="ctr">
+                      <a:solidFill>
+                        <a:scrgbClr r="0" g="0" b="0"/>
+                      </a:solidFill>
+                      <a:prstDash val="solid"/>
+                      <a:round/>
+                      <a:headEnd type="none" w="med" len="med"/>
+                      <a:tailEnd type="none" w="med" len="med"/>
+                    </a:lnR>
+                    <a:lnT w="12700" cap="flat" cmpd="sng" algn="ctr">
+                      <a:solidFill>
+                        <a:scrgbClr r="0" g="0" b="0"/>
+                      </a:solidFill>
+                      <a:prstDash val="solid"/>
+                      <a:round/>
+                      <a:headEnd type="none" w="med" len="med"/>
+                      <a:tailEnd type="none" w="med" len="med"/>
+                    </a:lnT>
+                    <a:lnB w="12700" cap="flat" cmpd="sng" algn="ctr">
+                      <a:solidFill>
+                        <a:scrgbClr r="0" g="0" b="0"/>
+                      </a:solidFill>
+                      <a:prstDash val="solid"/>
+                      <a:round/>
+                      <a:headEnd type="none" w="med" len="med"/>
+                      <a:tailEnd type="none" w="med" len="med"/>
+                    </a:lnB>
+                    <a:noFill/>
+                  </a:tcPr>
+                </a:tc>
+                <a:tc>
+                  <a:txBody>
+                    <a:bodyPr/>
+                    <a:lstStyle/>
+                    <a:p>
+                      <a:r>
+                        <a:rPr lang="ja-JP" altLang="en-US" dirty="0" smtClean="0">
+                          <a:uFillTx/>
+                        </a:rPr>
+                        <a:t>人ごと</a:t>
+                      </a:r>
+                      <a:endParaRPr lang="en-US" dirty="0">
+                        <a:uFillTx/>
+                      </a:endParaRPr>
+                    </a:p>
+                  </a:txBody>
+                  <a:tcPr>
+                    <a:lnL w="12700" cap="flat" cmpd="sng" algn="ctr">
+                      <a:solidFill>
+                        <a:scrgbClr r="0" g="0" b="0"/>
+                      </a:solidFill>
+                      <a:prstDash val="solid"/>
+                      <a:round/>
+                      <a:headEnd type="none" w="med" len="med"/>
+                      <a:tailEnd type="none" w="med" len="med"/>
+                    </a:lnL>
+                    <a:lnR w="12700" cap="flat" cmpd="sng" algn="ctr">
+                      <a:solidFill>
+                        <a:scrgbClr r="0" g="0" b="0"/>
+                      </a:solidFill>
+                      <a:prstDash val="solid"/>
+                      <a:round/>
+                      <a:headEnd type="none" w="med" len="med"/>
+                      <a:tailEnd type="none" w="med" len="med"/>
+                    </a:lnR>
+                    <a:lnT w="12700" cap="flat" cmpd="sng" algn="ctr">
+                      <a:solidFill>
+                        <a:scrgbClr r="0" g="0" b="0"/>
+                      </a:solidFill>
+                      <a:prstDash val="solid"/>
+                      <a:round/>
+                      <a:headEnd type="none" w="med" len="med"/>
+                      <a:tailEnd type="none" w="med" len="med"/>
+                    </a:lnT>
+                    <a:lnB w="12700" cap="flat" cmpd="sng" algn="ctr">
+                      <a:solidFill>
+                        <a:scrgbClr r="0" g="0" b="0"/>
+                      </a:solidFill>
+                      <a:prstDash val="solid"/>
+                      <a:round/>
+                      <a:headEnd type="none" w="med" len="med"/>
+                      <a:tailEnd type="none" w="med" len="med"/>
+                    </a:lnB>
+                    <a:noFill/>
+                  </a:tcPr>
+                </a:tc>
+                <a:tc>
+                  <a:txBody>
+                    <a:bodyPr/>
+                    <a:lstStyle/>
+                    <a:p>
+                      <a:endParaRPr lang="ja-JP" altLang="en-US"/>
+                    </a:p>
+                  </a:txBody>
+                  <a:tcPr marL="91450" marR="91450" marT="45725" marB="45725">
+                    <a:lnL w="12700" cap="flat" cmpd="sng" algn="ctr">
+                      <a:solidFill>
+                        <a:scrgbClr r="0" g="0" b="0"/>
+                      </a:solidFill>
+                      <a:prstDash val="solid"/>
+                      <a:round/>
+                      <a:headEnd type="none" w="med" len="med"/>
+                      <a:tailEnd type="none" w="med" len="med"/>
+                    </a:lnL>
+                    <a:lnR w="12700" cap="flat" cmpd="sng" algn="ctr">
+                      <a:solidFill>
+                        <a:scrgbClr r="0" g="0" b="0"/>
+                      </a:solidFill>
+                      <a:prstDash val="solid"/>
+                      <a:round/>
+                      <a:headEnd type="none" w="med" len="med"/>
+                      <a:tailEnd type="none" w="med" len="med"/>
+                    </a:lnR>
+                    <a:lnT w="12700" cap="flat" cmpd="sng" algn="ctr">
+                      <a:solidFill>
+                        <a:scrgbClr r="0" g="0" b="0"/>
+                      </a:solidFill>
+                      <a:prstDash val="solid"/>
+                      <a:round/>
+                      <a:headEnd type="none" w="med" len="med"/>
+                      <a:tailEnd type="none" w="med" len="med"/>
+                    </a:lnT>
+                    <a:lnB w="12700" cap="flat" cmpd="sng" algn="ctr">
+                      <a:solidFill>
+                        <a:scrgbClr r="0" g="0" b="0"/>
+                      </a:solidFill>
+                      <a:prstDash val="solid"/>
+                      <a:round/>
+                      <a:headEnd type="none" w="med" len="med"/>
+                      <a:tailEnd type="none" w="med" len="med"/>
                     </a:lnB>
                     <a:solidFill>
                       <a:srgbClr val="FFFFFF"/>
@@ -17453,505 +17060,45 @@
                     <a:bodyPr/>
                     <a:lstStyle/>
                     <a:p>
-                      <a:pPr marL="0" marR="0" lvl="0" indent="0" algn="l" rtl="0">
-                        <a:lnSpc>
-                          <a:spcPct val="100000"/>
-                        </a:lnSpc>
-                        <a:spcBef>
-                          <a:spcPts val="0"/>
-                        </a:spcBef>
-                        <a:spcAft>
-                          <a:spcPts val="0"/>
-                        </a:spcAft>
-                        <a:buClr>
-                          <a:srgbClr val="000000"/>
-                        </a:buClr>
-                        <a:buFont typeface="Arial"/>
-                        <a:buNone/>
-                      </a:pPr>
-                      <a:r>
-                        <a:rPr lang="ja">
-                          <a:uFillTx/>
-                          <a:latin typeface="Meiryo"/>
-                          <a:ea typeface="Meiryo"/>
-                          <a:cs typeface="Meiryo"/>
-                          <a:sym typeface="Meiryo"/>
-                        </a:rPr>
-                        <a:t>1</a:t>
-                      </a:r>
-                      <a:endParaRPr sz="1400" u="none" strike="noStrike" cap="none">
-                        <a:uFillTx/>
-                        <a:latin typeface="Meiryo"/>
-                        <a:ea typeface="Meiryo"/>
-                        <a:cs typeface="Meiryo"/>
-                        <a:sym typeface="Meiryo"/>
-                      </a:endParaRPr>
+                      <a:endParaRPr lang="ja-JP" altLang="en-US" dirty="0"/>
                     </a:p>
                   </a:txBody>
                   <a:tcPr marL="91450" marR="91450" marT="45725" marB="45725">
-                    <a:lnL w="12700" cap="flat" cmpd="sng">
+                    <a:lnL w="12700" cap="flat" cmpd="sng" algn="ctr">
                       <a:solidFill>
-                        <a:srgbClr val="000000"/>
+                        <a:scrgbClr r="0" g="0" b="0"/>
                       </a:solidFill>
                       <a:prstDash val="solid"/>
                       <a:round/>
-                      <a:headEnd type="none" w="sm" len="sm"/>
-                      <a:tailEnd type="none" w="sm" len="sm"/>
+                      <a:headEnd type="none" w="med" len="med"/>
+                      <a:tailEnd type="none" w="med" len="med"/>
                     </a:lnL>
-                    <a:lnR w="12700" cap="flat" cmpd="sng">
+                    <a:lnR w="12700" cap="flat" cmpd="sng" algn="ctr">
                       <a:solidFill>
-                        <a:srgbClr val="000000"/>
+                        <a:scrgbClr r="0" g="0" b="0"/>
                       </a:solidFill>
                       <a:prstDash val="solid"/>
                       <a:round/>
-                      <a:headEnd type="none" w="sm" len="sm"/>
-                      <a:tailEnd type="none" w="sm" len="sm"/>
+                      <a:headEnd type="none" w="med" len="med"/>
+                      <a:tailEnd type="none" w="med" len="med"/>
                     </a:lnR>
-                    <a:lnT w="12700" cap="flat" cmpd="sng">
+                    <a:lnT w="12700" cap="flat" cmpd="sng" algn="ctr">
                       <a:solidFill>
-                        <a:srgbClr val="000000"/>
+                        <a:scrgbClr r="0" g="0" b="0"/>
                       </a:solidFill>
                       <a:prstDash val="solid"/>
                       <a:round/>
-                      <a:headEnd type="none" w="sm" len="sm"/>
-                      <a:tailEnd type="none" w="sm" len="sm"/>
+                      <a:headEnd type="none" w="med" len="med"/>
+                      <a:tailEnd type="none" w="med" len="med"/>
                     </a:lnT>
-                    <a:lnB w="12700" cap="flat" cmpd="sng">
+                    <a:lnB w="12700" cap="flat" cmpd="sng" algn="ctr">
                       <a:solidFill>
-                        <a:srgbClr val="000000"/>
+                        <a:scrgbClr r="0" g="0" b="0"/>
                       </a:solidFill>
                       <a:prstDash val="solid"/>
                       <a:round/>
-                      <a:headEnd type="none" w="sm" len="sm"/>
-                      <a:tailEnd type="none" w="sm" len="sm"/>
-                    </a:lnB>
-                    <a:solidFill>
-                      <a:srgbClr val="FFFFFF"/>
-                    </a:solidFill>
-                  </a:tcPr>
-                </a:tc>
-              </a:tr>
-              <a:tr h="290675">
-                <a:tc vMerge="1">
-                  <a:txBody>
-                    <a:bodyPr/>
-                    <a:lstStyle/>
-                    <a:p>
-                      <a:endParaRPr lang="en-US">
-                        <a:uFillTx/>
-                      </a:endParaRPr>
-                    </a:p>
-                  </a:txBody>
-                  <a:tcPr/>
-                </a:tc>
-                <a:tc vMerge="1">
-                  <a:txBody>
-                    <a:bodyPr/>
-                    <a:lstStyle/>
-                    <a:p>
-                      <a:endParaRPr lang="en-US">
-                        <a:uFillTx/>
-                      </a:endParaRPr>
-                    </a:p>
-                  </a:txBody>
-                  <a:tcPr/>
-                </a:tc>
-                <a:tc vMerge="1">
-                  <a:txBody>
-                    <a:bodyPr/>
-                    <a:lstStyle/>
-                    <a:p>
-                      <a:endParaRPr lang="en-US">
-                        <a:uFillTx/>
-                      </a:endParaRPr>
-                    </a:p>
-                  </a:txBody>
-                  <a:tcPr/>
-                </a:tc>
-                <a:tc vMerge="1">
-                  <a:txBody>
-                    <a:bodyPr/>
-                    <a:lstStyle/>
-                    <a:p>
-                      <a:endParaRPr lang="en-US">
-                        <a:uFillTx/>
-                      </a:endParaRPr>
-                    </a:p>
-                  </a:txBody>
-                  <a:tcPr/>
-                </a:tc>
-                <a:tc>
-                  <a:txBody>
-                    <a:bodyPr/>
-                    <a:lstStyle/>
-                    <a:p>
-                      <a:pPr marL="0" marR="0" lvl="0" indent="0" algn="l" rtl="0">
-                        <a:lnSpc>
-                          <a:spcPct val="100000"/>
-                        </a:lnSpc>
-                        <a:spcBef>
-                          <a:spcPts val="0"/>
-                        </a:spcBef>
-                        <a:spcAft>
-                          <a:spcPts val="0"/>
-                        </a:spcAft>
-                        <a:buClr>
-                          <a:srgbClr val="000000"/>
-                        </a:buClr>
-                        <a:buFont typeface="Arial"/>
-                        <a:buNone/>
-                      </a:pPr>
-                      <a:r>
-                        <a:rPr lang="ja">
-                          <a:uFillTx/>
-                          <a:latin typeface="Meiryo"/>
-                          <a:ea typeface="Meiryo"/>
-                          <a:cs typeface="Meiryo"/>
-                          <a:sym typeface="Meiryo"/>
-                        </a:rPr>
-                        <a:t>授業</a:t>
-                      </a:r>
-                      <a:endParaRPr sz="1400" u="none" strike="noStrike" cap="none">
-                        <a:uFillTx/>
-                        <a:latin typeface="Meiryo"/>
-                        <a:ea typeface="Meiryo"/>
-                        <a:cs typeface="Meiryo"/>
-                        <a:sym typeface="Meiryo"/>
-                      </a:endParaRPr>
-                    </a:p>
-                  </a:txBody>
-                  <a:tcPr marL="91450" marR="91450" marT="45725" marB="45725">
-                    <a:lnL w="12700" cap="flat" cmpd="sng">
-                      <a:solidFill>
-                        <a:srgbClr val="000000"/>
-                      </a:solidFill>
-                      <a:prstDash val="solid"/>
-                      <a:round/>
-                      <a:headEnd type="none" w="sm" len="sm"/>
-                      <a:tailEnd type="none" w="sm" len="sm"/>
-                    </a:lnL>
-                    <a:lnR w="12700" cap="flat" cmpd="sng">
-                      <a:solidFill>
-                        <a:srgbClr val="000000"/>
-                      </a:solidFill>
-                      <a:prstDash val="solid"/>
-                      <a:round/>
-                      <a:headEnd type="none" w="sm" len="sm"/>
-                      <a:tailEnd type="none" w="sm" len="sm"/>
-                    </a:lnR>
-                    <a:lnT w="12700" cap="flat" cmpd="sng">
-                      <a:solidFill>
-                        <a:srgbClr val="000000"/>
-                      </a:solidFill>
-                      <a:prstDash val="solid"/>
-                      <a:round/>
-                      <a:headEnd type="none" w="sm" len="sm"/>
-                      <a:tailEnd type="none" w="sm" len="sm"/>
-                    </a:lnT>
-                    <a:lnB w="12700" cap="flat" cmpd="sng">
-                      <a:solidFill>
-                        <a:srgbClr val="000000"/>
-                      </a:solidFill>
-                      <a:prstDash val="solid"/>
-                      <a:round/>
-                      <a:headEnd type="none" w="sm" len="sm"/>
-                      <a:tailEnd type="none" w="sm" len="sm"/>
-                    </a:lnB>
-                    <a:solidFill>
-                      <a:srgbClr val="FFFFFF"/>
-                    </a:solidFill>
-                  </a:tcPr>
-                </a:tc>
-                <a:tc>
-                  <a:txBody>
-                    <a:bodyPr/>
-                    <a:lstStyle/>
-                    <a:p>
-                      <a:pPr marL="0" marR="0" lvl="0" indent="0" algn="l" rtl="0">
-                        <a:lnSpc>
-                          <a:spcPct val="100000"/>
-                        </a:lnSpc>
-                        <a:spcBef>
-                          <a:spcPts val="0"/>
-                        </a:spcBef>
-                        <a:spcAft>
-                          <a:spcPts val="0"/>
-                        </a:spcAft>
-                        <a:buClr>
-                          <a:srgbClr val="000000"/>
-                        </a:buClr>
-                        <a:buFont typeface="Arial"/>
-                        <a:buNone/>
-                      </a:pPr>
-                      <a:r>
-                        <a:rPr lang="ja">
-                          <a:uFillTx/>
-                          <a:latin typeface="Meiryo"/>
-                          <a:ea typeface="Meiryo"/>
-                          <a:cs typeface="Meiryo"/>
-                          <a:sym typeface="Meiryo"/>
-                        </a:rPr>
-                        <a:t>機械学習</a:t>
-                      </a:r>
-                      <a:endParaRPr sz="1400" u="none" strike="noStrike" cap="none">
-                        <a:uFillTx/>
-                        <a:latin typeface="Meiryo"/>
-                        <a:ea typeface="Meiryo"/>
-                        <a:cs typeface="Meiryo"/>
-                        <a:sym typeface="Meiryo"/>
-                      </a:endParaRPr>
-                    </a:p>
-                  </a:txBody>
-                  <a:tcPr marL="91450" marR="91450" marT="45725" marB="45725">
-                    <a:lnL w="12700" cap="flat" cmpd="sng">
-                      <a:solidFill>
-                        <a:srgbClr val="000000"/>
-                      </a:solidFill>
-                      <a:prstDash val="solid"/>
-                      <a:round/>
-                      <a:headEnd type="none" w="sm" len="sm"/>
-                      <a:tailEnd type="none" w="sm" len="sm"/>
-                    </a:lnL>
-                    <a:lnR w="12700" cap="flat" cmpd="sng">
-                      <a:solidFill>
-                        <a:srgbClr val="000000"/>
-                      </a:solidFill>
-                      <a:prstDash val="solid"/>
-                      <a:round/>
-                      <a:headEnd type="none" w="sm" len="sm"/>
-                      <a:tailEnd type="none" w="sm" len="sm"/>
-                    </a:lnR>
-                    <a:lnT w="12700" cap="flat" cmpd="sng">
-                      <a:solidFill>
-                        <a:srgbClr val="000000"/>
-                      </a:solidFill>
-                      <a:prstDash val="solid"/>
-                      <a:round/>
-                      <a:headEnd type="none" w="sm" len="sm"/>
-                      <a:tailEnd type="none" w="sm" len="sm"/>
-                    </a:lnT>
-                    <a:lnB w="12700" cap="flat" cmpd="sng">
-                      <a:solidFill>
-                        <a:srgbClr val="000000"/>
-                      </a:solidFill>
-                      <a:prstDash val="solid"/>
-                      <a:round/>
-                      <a:headEnd type="none" w="sm" len="sm"/>
-                      <a:tailEnd type="none" w="sm" len="sm"/>
-                    </a:lnB>
-                    <a:solidFill>
-                      <a:srgbClr val="FFFFFF"/>
-                    </a:solidFill>
-                  </a:tcPr>
-                </a:tc>
-              </a:tr>
-              <a:tr h="290675">
-                <a:tc vMerge="1">
-                  <a:txBody>
-                    <a:bodyPr/>
-                    <a:lstStyle/>
-                    <a:p>
-                      <a:endParaRPr lang="en-US">
-                        <a:uFillTx/>
-                      </a:endParaRPr>
-                    </a:p>
-                  </a:txBody>
-                  <a:tcPr/>
-                </a:tc>
-                <a:tc vMerge="1">
-                  <a:txBody>
-                    <a:bodyPr/>
-                    <a:lstStyle/>
-                    <a:p>
-                      <a:endParaRPr lang="en-US">
-                        <a:uFillTx/>
-                      </a:endParaRPr>
-                    </a:p>
-                  </a:txBody>
-                  <a:tcPr/>
-                </a:tc>
-                <a:tc vMerge="1">
-                  <a:txBody>
-                    <a:bodyPr/>
-                    <a:lstStyle/>
-                    <a:p>
-                      <a:endParaRPr lang="en-US">
-                        <a:uFillTx/>
-                      </a:endParaRPr>
-                    </a:p>
-                  </a:txBody>
-                  <a:tcPr/>
-                </a:tc>
-                <a:tc vMerge="1">
-                  <a:txBody>
-                    <a:bodyPr/>
-                    <a:lstStyle/>
-                    <a:p>
-                      <a:endParaRPr lang="en-US">
-                        <a:uFillTx/>
-                      </a:endParaRPr>
-                    </a:p>
-                  </a:txBody>
-                  <a:tcPr/>
-                </a:tc>
-                <a:tc>
-                  <a:txBody>
-                    <a:bodyPr/>
-                    <a:lstStyle/>
-                    <a:p>
-                      <a:pPr marL="0" marR="0" lvl="0" indent="0" algn="l" rtl="0">
-                        <a:lnSpc>
-                          <a:spcPct val="100000"/>
-                        </a:lnSpc>
-                        <a:spcBef>
-                          <a:spcPts val="0"/>
-                        </a:spcBef>
-                        <a:spcAft>
-                          <a:spcPts val="0"/>
-                        </a:spcAft>
-                        <a:buClr>
-                          <a:srgbClr val="000000"/>
-                        </a:buClr>
-                        <a:buFont typeface="Arial"/>
-                        <a:buNone/>
-                      </a:pPr>
-                      <a:r>
-                        <a:rPr lang="ja">
-                          <a:uFillTx/>
-                          <a:latin typeface="Meiryo"/>
-                          <a:ea typeface="Meiryo"/>
-                          <a:cs typeface="Meiryo"/>
-                          <a:sym typeface="Meiryo"/>
-                        </a:rPr>
-                        <a:t>出席</a:t>
-                      </a:r>
-                      <a:endParaRPr sz="1400" u="none" strike="noStrike" cap="none">
-                        <a:uFillTx/>
-                        <a:latin typeface="Meiryo"/>
-                        <a:ea typeface="Meiryo"/>
-                        <a:cs typeface="Meiryo"/>
-                        <a:sym typeface="Meiryo"/>
-                      </a:endParaRPr>
-                    </a:p>
-                  </a:txBody>
-                  <a:tcPr marL="91450" marR="91450" marT="45725" marB="45725">
-                    <a:lnL w="12700" cap="flat" cmpd="sng">
-                      <a:solidFill>
-                        <a:srgbClr val="000000"/>
-                      </a:solidFill>
-                      <a:prstDash val="solid"/>
-                      <a:round/>
-                      <a:headEnd type="none" w="sm" len="sm"/>
-                      <a:tailEnd type="none" w="sm" len="sm"/>
-                    </a:lnL>
-                    <a:lnR w="12700" cap="flat" cmpd="sng">
-                      <a:solidFill>
-                        <a:srgbClr val="000000"/>
-                      </a:solidFill>
-                      <a:prstDash val="solid"/>
-                      <a:round/>
-                      <a:headEnd type="none" w="sm" len="sm"/>
-                      <a:tailEnd type="none" w="sm" len="sm"/>
-                    </a:lnR>
-                    <a:lnT w="12700" cap="flat" cmpd="sng">
-                      <a:solidFill>
-                        <a:srgbClr val="000000"/>
-                      </a:solidFill>
-                      <a:prstDash val="solid"/>
-                      <a:round/>
-                      <a:headEnd type="none" w="sm" len="sm"/>
-                      <a:tailEnd type="none" w="sm" len="sm"/>
-                    </a:lnT>
-                    <a:lnB w="12700" cap="flat" cmpd="sng">
-                      <a:solidFill>
-                        <a:srgbClr val="000000"/>
-                      </a:solidFill>
-                      <a:prstDash val="solid"/>
-                      <a:round/>
-                      <a:headEnd type="none" w="sm" len="sm"/>
-                      <a:tailEnd type="none" w="sm" len="sm"/>
-                    </a:lnB>
-                    <a:solidFill>
-                      <a:srgbClr val="FFFFFF"/>
-                    </a:solidFill>
-                  </a:tcPr>
-                </a:tc>
-                <a:tc>
-                  <a:txBody>
-                    <a:bodyPr/>
-                    <a:lstStyle/>
-                    <a:p>
-                      <a:pPr marL="0" marR="0" lvl="0" indent="0" algn="l" rtl="0">
-                        <a:lnSpc>
-                          <a:spcPct val="100000"/>
-                        </a:lnSpc>
-                        <a:spcBef>
-                          <a:spcPts val="0"/>
-                        </a:spcBef>
-                        <a:spcAft>
-                          <a:spcPts val="0"/>
-                        </a:spcAft>
-                        <a:buClr>
-                          <a:srgbClr val="000000"/>
-                        </a:buClr>
-                        <a:buFont typeface="Arial"/>
-                        <a:buNone/>
-                      </a:pPr>
-                      <a:r>
-                        <a:rPr lang="ja" sz="1400" u="none" strike="noStrike" cap="none" dirty="0">
-                          <a:uFillTx/>
-                          <a:latin typeface="Meiryo"/>
-                          <a:ea typeface="Meiryo"/>
-                          <a:cs typeface="Meiryo"/>
-                          <a:sym typeface="Meiryo"/>
-                        </a:rPr>
-                        <a:t>1</a:t>
-                      </a:r>
-                      <a:endParaRPr sz="1400" u="none" strike="noStrike" cap="none" dirty="0">
-                        <a:uFillTx/>
-                        <a:latin typeface="Meiryo"/>
-                        <a:ea typeface="Meiryo"/>
-                        <a:cs typeface="Meiryo"/>
-                        <a:sym typeface="Meiryo"/>
-                      </a:endParaRPr>
-                    </a:p>
-                  </a:txBody>
-                  <a:tcPr marL="91450" marR="91450" marT="45725" marB="45725">
-                    <a:lnL w="12700" cap="flat" cmpd="sng">
-                      <a:solidFill>
-                        <a:srgbClr val="000000"/>
-                      </a:solidFill>
-                      <a:prstDash val="solid"/>
-                      <a:round/>
-                      <a:headEnd type="none" w="sm" len="sm"/>
-                      <a:tailEnd type="none" w="sm" len="sm"/>
-                    </a:lnL>
-                    <a:lnR w="12700" cap="flat" cmpd="sng">
-                      <a:solidFill>
-                        <a:srgbClr val="000000"/>
-                      </a:solidFill>
-                      <a:prstDash val="solid"/>
-                      <a:round/>
-                      <a:headEnd type="none" w="sm" len="sm"/>
-                      <a:tailEnd type="none" w="sm" len="sm"/>
-                    </a:lnR>
-                    <a:lnT w="12700" cap="flat" cmpd="sng">
-                      <a:solidFill>
-                        <a:srgbClr val="000000"/>
-                      </a:solidFill>
-                      <a:prstDash val="solid"/>
-                      <a:round/>
-                      <a:headEnd type="none" w="sm" len="sm"/>
-                      <a:tailEnd type="none" w="sm" len="sm"/>
-                    </a:lnT>
-                    <a:lnB w="12700" cap="flat" cmpd="sng">
-                      <a:solidFill>
-                        <a:srgbClr val="000000"/>
-                      </a:solidFill>
-                      <a:prstDash val="solid"/>
-                      <a:round/>
-                      <a:headEnd type="none" w="sm" len="sm"/>
-                      <a:tailEnd type="none" w="sm" len="sm"/>
+                      <a:headEnd type="none" w="med" len="med"/>
+                      <a:tailEnd type="none" w="med" len="med"/>
                     </a:lnB>
                     <a:solidFill>
                       <a:srgbClr val="FFFFFF"/>
@@ -17963,2442 +17110,6 @@
           </a:graphicData>
         </a:graphic>
       </p:graphicFrame>
-      <p:sp>
-        <p:nvSpPr>
-          <p:cNvPr id="6" name="テキスト ボックス 5"/>
-          <p:cNvSpPr txBox="1"/>
-          <p:nvPr/>
-        </p:nvSpPr>
-        <p:spPr>
-          <a:xfrm rot="914259">
-            <a:off x="572985" y="191994"/>
-            <a:ext cx="912948" cy="1862048"/>
-          </a:xfrm>
-          <a:prstGeom prst="rect">
-            <a:avLst/>
-          </a:prstGeom>
-        </p:spPr>
-        <p:txBody>
-          <a:bodyPr wrap="square" rtlCol="0">
-            <a:spAutoFit/>
-          </a:bodyPr>
-          <a:lstStyle/>
-          <a:p>
-            <a:r>
-              <a:rPr kumimoji="1" lang="ja-JP" altLang="en-US" sz="11500" b="1" dirty="0" smtClean="0">
-                <a:solidFill>
-                  <a:srgbClr val="FF0000"/>
-                </a:solidFill>
-              </a:rPr>
-              <a:t>未</a:t>
-            </a:r>
-            <a:endParaRPr kumimoji="1" lang="ja-JP" altLang="en-US" sz="11500" b="1" dirty="0">
-              <a:solidFill>
-                <a:srgbClr val="FF0000"/>
-              </a:solidFill>
-            </a:endParaRPr>
-          </a:p>
-        </p:txBody>
-      </p:sp>
-    </p:spTree>
-  </p:cSld>
-  <p:clrMapOvr>
-    <a:masterClrMapping/>
-  </p:clrMapOvr>
-</p:sld>
-</file>
-
-<file path=ppt/slides/slide6.xml><?xml version="1.0" encoding="utf-8"?>
-<p:sld xmlns:a="http://schemas.openxmlformats.org/drawingml/2006/main" xmlns:r="http://schemas.openxmlformats.org/officeDocument/2006/relationships" xmlns:p="http://schemas.openxmlformats.org/presentationml/2006/main">
-  <p:cSld>
-    <p:spTree>
-      <p:nvGrpSpPr>
-        <p:cNvPr id="1" name="Shape 339"/>
-        <p:cNvGrpSpPr/>
-        <p:nvPr/>
-      </p:nvGrpSpPr>
-      <p:grpSpPr>
-        <a:xfrm>
-          <a:off x="0" y="0"/>
-          <a:ext cx="0" cy="0"/>
-          <a:chOff x="0" y="0"/>
-          <a:chExt cx="0" cy="0"/>
-        </a:xfrm>
-      </p:grpSpPr>
-      <p:sp>
-        <p:nvSpPr>
-          <p:cNvPr id="340" name="Google Shape;340;p33"/>
-          <p:cNvSpPr txBox="1">
-            <a:spLocks noGrp="1"/>
-          </p:cNvSpPr>
-          <p:nvPr>
-            <p:ph type="title"/>
-          </p:nvPr>
-        </p:nvSpPr>
-        <p:spPr>
-          <a:xfrm>
-            <a:off x="143763" y="104752"/>
-            <a:ext cx="8793600" cy="890400"/>
-          </a:xfrm>
-          <a:prstGeom prst="rect">
-            <a:avLst/>
-          </a:prstGeom>
-        </p:spPr>
-        <p:txBody>
-          <a:bodyPr spcFirstLastPara="1" wrap="square" lIns="91425" tIns="91425" rIns="91425" bIns="91425" anchor="ctr" anchorCtr="0">
-            <a:noAutofit/>
-          </a:bodyPr>
-          <a:lstStyle/>
-          <a:p>
-            <a:pPr marL="0" lvl="0" indent="0" algn="ctr" rtl="0">
-              <a:spcBef>
-                <a:spcPts val="720"/>
-              </a:spcBef>
-              <a:spcAft>
-                <a:spcPts val="0"/>
-              </a:spcAft>
-              <a:buClr>
-                <a:schemeClr val="dk1"/>
-              </a:buClr>
-              <a:buSzPts val="1100"/>
-              <a:buFont typeface="Arial"/>
-              <a:buNone/>
-            </a:pPr>
-            <a:r>
-              <a:rPr lang="ja" sz="3000">
-                <a:solidFill>
-                  <a:schemeClr val="lt1"/>
-                </a:solidFill>
-                <a:uFillTx/>
-              </a:rPr>
-              <a:t>4. 分析手法の仮説・アプローチ</a:t>
-            </a:r>
-            <a:endParaRPr sz="3000" b="1">
-              <a:solidFill>
-                <a:srgbClr val="FFFFFF"/>
-              </a:solidFill>
-              <a:uFillTx/>
-            </a:endParaRPr>
-          </a:p>
-        </p:txBody>
-      </p:sp>
-      <p:sp>
-        <p:nvSpPr>
-          <p:cNvPr id="341" name="Google Shape;341;p33"/>
-          <p:cNvSpPr txBox="1">
-            <a:spLocks noGrp="1"/>
-          </p:cNvSpPr>
-          <p:nvPr>
-            <p:ph type="sldNum" idx="12"/>
-          </p:nvPr>
-        </p:nvSpPr>
-        <p:spPr>
-          <a:xfrm>
-            <a:off x="6553200" y="6490819"/>
-            <a:ext cx="2133600" cy="365100"/>
-          </a:xfrm>
-          <a:prstGeom prst="rect">
-            <a:avLst/>
-          </a:prstGeom>
-        </p:spPr>
-        <p:txBody>
-          <a:bodyPr spcFirstLastPara="1" wrap="square" lIns="91425" tIns="45700" rIns="91425" bIns="45700" anchor="ctr" anchorCtr="0">
-            <a:noAutofit/>
-          </a:bodyPr>
-          <a:lstStyle/>
-          <a:p>
-            <a:pPr marL="0" lvl="0" indent="0" algn="r" rtl="0">
-              <a:spcBef>
-                <a:spcPts val="0"/>
-              </a:spcBef>
-              <a:spcAft>
-                <a:spcPts val="0"/>
-              </a:spcAft>
-              <a:buClr>
-                <a:srgbClr val="888888"/>
-              </a:buClr>
-              <a:buFont typeface="Calibri"/>
-              <a:buNone/>
-            </a:pPr>
-            <a:fld id="{00000000-1234-1234-1234-123412341234}" type="slidenum">
-              <a:rPr lang="en-US" altLang="ja">
-                <a:uFillTx/>
-              </a:rPr>
-              <a:t>6</a:t>
-            </a:fld>
-            <a:endParaRPr>
-              <a:uFillTx/>
-            </a:endParaRPr>
-          </a:p>
-        </p:txBody>
-      </p:sp>
-      <p:sp>
-        <p:nvSpPr>
-          <p:cNvPr id="342" name="Google Shape;342;p33"/>
-          <p:cNvSpPr>
-            <a:spLocks/>
-          </p:cNvSpPr>
-          <p:nvPr/>
-        </p:nvSpPr>
-        <p:spPr>
-          <a:xfrm>
-            <a:off x="920200" y="1284000"/>
-            <a:ext cx="2580000" cy="587700"/>
-          </a:xfrm>
-          <a:prstGeom prst="homePlate">
-            <a:avLst>
-              <a:gd name="adj" fmla="val 16184"/>
-            </a:avLst>
-          </a:prstGeom>
-          <a:solidFill>
-            <a:schemeClr val="lt2"/>
-          </a:solidFill>
-          <a:ln w="9525" cap="flat" cmpd="sng">
-            <a:solidFill>
-              <a:schemeClr val="dk2"/>
-            </a:solidFill>
-            <a:prstDash val="solid"/>
-            <a:round/>
-            <a:headEnd type="none" w="sm" len="sm"/>
-            <a:tailEnd type="none" w="sm" len="sm"/>
-          </a:ln>
-        </p:spPr>
-        <p:txBody>
-          <a:bodyPr spcFirstLastPara="1" wrap="square" lIns="91425" tIns="91425" rIns="91425" bIns="91425" anchor="ctr" anchorCtr="0">
-            <a:noAutofit/>
-          </a:bodyPr>
-          <a:lstStyle/>
-          <a:p>
-            <a:pPr marL="0" lvl="0" indent="0" algn="ctr" rtl="0">
-              <a:spcBef>
-                <a:spcPts val="0"/>
-              </a:spcBef>
-              <a:spcAft>
-                <a:spcPts val="0"/>
-              </a:spcAft>
-              <a:buNone/>
-            </a:pPr>
-            <a:r>
-              <a:rPr lang="ja" sz="1600" b="1">
-                <a:solidFill>
-                  <a:srgbClr val="FFFFFF"/>
-                </a:solidFill>
-                <a:uFillTx/>
-              </a:rPr>
-              <a:t>データ加工・前処理</a:t>
-            </a:r>
-            <a:endParaRPr sz="1600" b="1">
-              <a:solidFill>
-                <a:srgbClr val="FFFFFF"/>
-              </a:solidFill>
-              <a:uFillTx/>
-            </a:endParaRPr>
-          </a:p>
-        </p:txBody>
-      </p:sp>
-      <p:sp>
-        <p:nvSpPr>
-          <p:cNvPr id="343" name="Google Shape;343;p33"/>
-          <p:cNvSpPr>
-            <a:spLocks/>
-          </p:cNvSpPr>
-          <p:nvPr/>
-        </p:nvSpPr>
-        <p:spPr>
-          <a:xfrm>
-            <a:off x="3652399" y="1284000"/>
-            <a:ext cx="2580000" cy="587700"/>
-          </a:xfrm>
-          <a:prstGeom prst="homePlate">
-            <a:avLst>
-              <a:gd name="adj" fmla="val 16184"/>
-            </a:avLst>
-          </a:prstGeom>
-          <a:solidFill>
-            <a:schemeClr val="lt2"/>
-          </a:solidFill>
-          <a:ln w="9525" cap="flat" cmpd="sng">
-            <a:solidFill>
-              <a:schemeClr val="dk2"/>
-            </a:solidFill>
-            <a:prstDash val="solid"/>
-            <a:round/>
-            <a:headEnd type="none" w="sm" len="sm"/>
-            <a:tailEnd type="none" w="sm" len="sm"/>
-          </a:ln>
-        </p:spPr>
-        <p:txBody>
-          <a:bodyPr spcFirstLastPara="1" wrap="square" lIns="91425" tIns="91425" rIns="91425" bIns="91425" anchor="ctr" anchorCtr="0">
-            <a:noAutofit/>
-          </a:bodyPr>
-          <a:lstStyle/>
-          <a:p>
-            <a:pPr marL="0" lvl="0" indent="0" algn="ctr" rtl="0">
-              <a:spcBef>
-                <a:spcPts val="0"/>
-              </a:spcBef>
-              <a:spcAft>
-                <a:spcPts val="0"/>
-              </a:spcAft>
-              <a:buNone/>
-            </a:pPr>
-            <a:r>
-              <a:rPr lang="ja" sz="1600" b="1">
-                <a:solidFill>
-                  <a:srgbClr val="FFFFFF"/>
-                </a:solidFill>
-                <a:uFillTx/>
-              </a:rPr>
-              <a:t>データ理解</a:t>
-            </a:r>
-            <a:endParaRPr sz="1600" b="1">
-              <a:solidFill>
-                <a:srgbClr val="FFFFFF"/>
-              </a:solidFill>
-              <a:uFillTx/>
-            </a:endParaRPr>
-          </a:p>
-          <a:p>
-            <a:pPr marL="0" lvl="0" indent="0" algn="ctr" rtl="0">
-              <a:spcBef>
-                <a:spcPts val="0"/>
-              </a:spcBef>
-              <a:spcAft>
-                <a:spcPts val="0"/>
-              </a:spcAft>
-              <a:buNone/>
-            </a:pPr>
-            <a:r>
-              <a:rPr lang="ja" sz="1600" b="1">
-                <a:solidFill>
-                  <a:srgbClr val="FFFFFF"/>
-                </a:solidFill>
-                <a:uFillTx/>
-              </a:rPr>
-              <a:t>基礎分析</a:t>
-            </a:r>
-            <a:endParaRPr sz="1600" b="1">
-              <a:solidFill>
-                <a:srgbClr val="FFFFFF"/>
-              </a:solidFill>
-              <a:uFillTx/>
-            </a:endParaRPr>
-          </a:p>
-        </p:txBody>
-      </p:sp>
-      <p:sp>
-        <p:nvSpPr>
-          <p:cNvPr id="344" name="Google Shape;344;p33"/>
-          <p:cNvSpPr>
-            <a:spLocks/>
-          </p:cNvSpPr>
-          <p:nvPr/>
-        </p:nvSpPr>
-        <p:spPr>
-          <a:xfrm>
-            <a:off x="6416224" y="1284000"/>
-            <a:ext cx="2580000" cy="587700"/>
-          </a:xfrm>
-          <a:prstGeom prst="homePlate">
-            <a:avLst>
-              <a:gd name="adj" fmla="val 16184"/>
-            </a:avLst>
-          </a:prstGeom>
-          <a:solidFill>
-            <a:schemeClr val="lt2"/>
-          </a:solidFill>
-          <a:ln w="9525" cap="flat" cmpd="sng">
-            <a:solidFill>
-              <a:schemeClr val="dk2"/>
-            </a:solidFill>
-            <a:prstDash val="solid"/>
-            <a:round/>
-            <a:headEnd type="none" w="sm" len="sm"/>
-            <a:tailEnd type="none" w="sm" len="sm"/>
-          </a:ln>
-        </p:spPr>
-        <p:txBody>
-          <a:bodyPr spcFirstLastPara="1" wrap="square" lIns="91425" tIns="91425" rIns="91425" bIns="91425" anchor="ctr" anchorCtr="0">
-            <a:noAutofit/>
-          </a:bodyPr>
-          <a:lstStyle/>
-          <a:p>
-            <a:pPr marL="0" lvl="0" indent="0" algn="ctr" rtl="0">
-              <a:spcBef>
-                <a:spcPts val="0"/>
-              </a:spcBef>
-              <a:spcAft>
-                <a:spcPts val="0"/>
-              </a:spcAft>
-              <a:buNone/>
-            </a:pPr>
-            <a:r>
-              <a:rPr lang="ja" sz="1600" b="1">
-                <a:solidFill>
-                  <a:srgbClr val="FFFFFF"/>
-                </a:solidFill>
-                <a:uFillTx/>
-              </a:rPr>
-              <a:t>インサイト出し</a:t>
-            </a:r>
-            <a:endParaRPr sz="1600" b="1">
-              <a:solidFill>
-                <a:srgbClr val="FFFFFF"/>
-              </a:solidFill>
-              <a:uFillTx/>
-            </a:endParaRPr>
-          </a:p>
-          <a:p>
-            <a:pPr marL="0" lvl="0" indent="0" algn="ctr" rtl="0">
-              <a:spcBef>
-                <a:spcPts val="0"/>
-              </a:spcBef>
-              <a:spcAft>
-                <a:spcPts val="0"/>
-              </a:spcAft>
-              <a:buNone/>
-            </a:pPr>
-            <a:r>
-              <a:rPr lang="ja" sz="1600" b="1">
-                <a:solidFill>
-                  <a:srgbClr val="FFFFFF"/>
-                </a:solidFill>
-                <a:uFillTx/>
-              </a:rPr>
-              <a:t>アウトプット作成</a:t>
-            </a:r>
-            <a:endParaRPr sz="1600" b="1">
-              <a:solidFill>
-                <a:srgbClr val="FFFFFF"/>
-              </a:solidFill>
-              <a:uFillTx/>
-            </a:endParaRPr>
-          </a:p>
-        </p:txBody>
-      </p:sp>
-      <p:sp>
-        <p:nvSpPr>
-          <p:cNvPr id="345" name="Google Shape;345;p33"/>
-          <p:cNvSpPr>
-            <a:spLocks/>
-          </p:cNvSpPr>
-          <p:nvPr/>
-        </p:nvSpPr>
-        <p:spPr>
-          <a:xfrm>
-            <a:off x="74375" y="1970125"/>
-            <a:ext cx="845700" cy="1547100"/>
-          </a:xfrm>
-          <a:prstGeom prst="rect">
-            <a:avLst/>
-          </a:prstGeom>
-          <a:solidFill>
-            <a:schemeClr val="lt2"/>
-          </a:solidFill>
-          <a:ln w="9525" cap="flat" cmpd="sng">
-            <a:solidFill>
-              <a:schemeClr val="dk2"/>
-            </a:solidFill>
-            <a:prstDash val="solid"/>
-            <a:round/>
-            <a:headEnd type="none" w="sm" len="sm"/>
-            <a:tailEnd type="none" w="sm" len="sm"/>
-          </a:ln>
-        </p:spPr>
-        <p:txBody>
-          <a:bodyPr spcFirstLastPara="1" wrap="square" lIns="91425" tIns="91425" rIns="91425" bIns="91425" anchor="ctr" anchorCtr="0">
-            <a:noAutofit/>
-          </a:bodyPr>
-          <a:lstStyle/>
-          <a:p>
-            <a:pPr marL="0" lvl="0" indent="0" algn="ctr" rtl="0">
-              <a:spcBef>
-                <a:spcPts val="0"/>
-              </a:spcBef>
-              <a:spcAft>
-                <a:spcPts val="0"/>
-              </a:spcAft>
-              <a:buNone/>
-            </a:pPr>
-            <a:r>
-              <a:rPr lang="ja" b="1">
-                <a:solidFill>
-                  <a:srgbClr val="FFFFFF"/>
-                </a:solidFill>
-                <a:uFillTx/>
-              </a:rPr>
-              <a:t>実施</a:t>
-            </a:r>
-            <a:endParaRPr b="1">
-              <a:solidFill>
-                <a:srgbClr val="FFFFFF"/>
-              </a:solidFill>
-              <a:uFillTx/>
-            </a:endParaRPr>
-          </a:p>
-          <a:p>
-            <a:pPr marL="0" lvl="0" indent="0" algn="ctr" rtl="0">
-              <a:spcBef>
-                <a:spcPts val="0"/>
-              </a:spcBef>
-              <a:spcAft>
-                <a:spcPts val="0"/>
-              </a:spcAft>
-              <a:buNone/>
-            </a:pPr>
-            <a:r>
-              <a:rPr lang="ja" b="1">
-                <a:solidFill>
-                  <a:srgbClr val="FFFFFF"/>
-                </a:solidFill>
-                <a:uFillTx/>
-              </a:rPr>
-              <a:t>事項</a:t>
-            </a:r>
-            <a:endParaRPr b="1">
-              <a:solidFill>
-                <a:srgbClr val="FFFFFF"/>
-              </a:solidFill>
-              <a:uFillTx/>
-            </a:endParaRPr>
-          </a:p>
-        </p:txBody>
-      </p:sp>
-      <p:cxnSp>
-        <p:nvCxnSpPr>
-          <p:cNvPr id="346" name="Google Shape;346;p33"/>
-          <p:cNvCxnSpPr/>
-          <p:nvPr/>
-        </p:nvCxnSpPr>
-        <p:spPr>
-          <a:xfrm>
-            <a:off x="116225" y="3593425"/>
-            <a:ext cx="8794800" cy="0"/>
-          </a:xfrm>
-          <a:prstGeom prst="straightConnector1">
-            <a:avLst/>
-          </a:prstGeom>
-          <a:noFill/>
-          <a:ln w="9525" cap="flat" cmpd="sng">
-            <a:solidFill>
-              <a:schemeClr val="dk2"/>
-            </a:solidFill>
-            <a:prstDash val="solid"/>
-            <a:round/>
-            <a:headEnd type="none" w="med" len="med"/>
-            <a:tailEnd type="none" w="med" len="med"/>
-          </a:ln>
-        </p:spPr>
-      </p:cxnSp>
-      <p:sp>
-        <p:nvSpPr>
-          <p:cNvPr id="347" name="Google Shape;347;p33"/>
-          <p:cNvSpPr>
-            <a:spLocks/>
-          </p:cNvSpPr>
-          <p:nvPr/>
-        </p:nvSpPr>
-        <p:spPr>
-          <a:xfrm>
-            <a:off x="74375" y="3669625"/>
-            <a:ext cx="845700" cy="1547100"/>
-          </a:xfrm>
-          <a:prstGeom prst="rect">
-            <a:avLst/>
-          </a:prstGeom>
-          <a:solidFill>
-            <a:schemeClr val="lt2"/>
-          </a:solidFill>
-          <a:ln w="9525" cap="flat" cmpd="sng">
-            <a:solidFill>
-              <a:schemeClr val="dk2"/>
-            </a:solidFill>
-            <a:prstDash val="solid"/>
-            <a:round/>
-            <a:headEnd type="none" w="sm" len="sm"/>
-            <a:tailEnd type="none" w="sm" len="sm"/>
-          </a:ln>
-        </p:spPr>
-        <p:txBody>
-          <a:bodyPr spcFirstLastPara="1" wrap="square" lIns="91425" tIns="91425" rIns="91425" bIns="91425" anchor="ctr" anchorCtr="0">
-            <a:noAutofit/>
-          </a:bodyPr>
-          <a:lstStyle/>
-          <a:p>
-            <a:pPr lvl="0" algn="ctr"/>
-            <a:r>
-              <a:rPr lang="ja-JP" altLang="en-US" b="1">
-                <a:solidFill>
-                  <a:srgbClr val="FFFFFF"/>
-                </a:solidFill>
-                <a:uFillTx/>
-              </a:rPr>
-              <a:t>必要な</a:t>
-            </a:r>
-          </a:p>
-          <a:p>
-            <a:pPr lvl="0" algn="ctr"/>
-            <a:r>
-              <a:rPr lang="ja-JP" altLang="en-US" b="1">
-                <a:solidFill>
-                  <a:srgbClr val="FFFFFF"/>
-                </a:solidFill>
-                <a:uFillTx/>
-              </a:rPr>
-              <a:t>知識</a:t>
-            </a:r>
-          </a:p>
-          <a:p>
-            <a:pPr lvl="0" algn="ctr"/>
-            <a:r>
-              <a:rPr lang="ja-JP" altLang="en-US" b="1">
-                <a:solidFill>
-                  <a:srgbClr val="FFFFFF"/>
-                </a:solidFill>
-                <a:uFillTx/>
-              </a:rPr>
-              <a:t>・</a:t>
-            </a:r>
-          </a:p>
-          <a:p>
-            <a:pPr lvl="0" algn="ctr"/>
-            <a:r>
-              <a:rPr lang="ja-JP" altLang="en-US" b="1">
-                <a:solidFill>
-                  <a:srgbClr val="FFFFFF"/>
-                </a:solidFill>
-                <a:uFillTx/>
-              </a:rPr>
-              <a:t>技能</a:t>
-            </a:r>
-            <a:endParaRPr lang="ja-JP" altLang="en-US" b="1" dirty="0">
-              <a:solidFill>
-                <a:srgbClr val="FFFFFF"/>
-              </a:solidFill>
-              <a:uFillTx/>
-            </a:endParaRPr>
-          </a:p>
-        </p:txBody>
-      </p:sp>
-      <p:sp>
-        <p:nvSpPr>
-          <p:cNvPr id="348" name="Google Shape;348;p33"/>
-          <p:cNvSpPr txBox="1">
-            <a:spLocks/>
-          </p:cNvSpPr>
-          <p:nvPr/>
-        </p:nvSpPr>
-        <p:spPr>
-          <a:xfrm>
-            <a:off x="920200" y="1970125"/>
-            <a:ext cx="2365200" cy="1327800"/>
-          </a:xfrm>
-          <a:prstGeom prst="rect">
-            <a:avLst/>
-          </a:prstGeom>
-          <a:noFill/>
-          <a:ln>
-            <a:noFill/>
-          </a:ln>
-        </p:spPr>
-        <p:txBody>
-          <a:bodyPr spcFirstLastPara="1" wrap="square" lIns="91425" tIns="91425" rIns="91425" bIns="91425" anchor="t" anchorCtr="0">
-            <a:noAutofit/>
-          </a:bodyPr>
-          <a:lstStyle/>
-          <a:p>
-            <a:pPr marL="457200" lvl="0" indent="-317500" algn="l" rtl="0">
-              <a:lnSpc>
-                <a:spcPct val="120000"/>
-              </a:lnSpc>
-              <a:spcBef>
-                <a:spcPts val="0"/>
-              </a:spcBef>
-              <a:spcAft>
-                <a:spcPts val="0"/>
-              </a:spcAft>
-              <a:buSzPts val="1400"/>
-              <a:buFont typeface="Meiryo"/>
-              <a:buChar char="●"/>
-            </a:pPr>
-            <a:r>
-              <a:rPr lang="ja">
-                <a:solidFill>
-                  <a:schemeClr val="dk1"/>
-                </a:solidFill>
-                <a:uFillTx/>
-                <a:latin typeface="Meiryo"/>
-                <a:ea typeface="Meiryo"/>
-                <a:cs typeface="Meiryo"/>
-                <a:sym typeface="Meiryo"/>
-              </a:rPr>
-              <a:t>分析用DB準備</a:t>
-            </a:r>
-            <a:endParaRPr>
-              <a:solidFill>
-                <a:schemeClr val="dk1"/>
-              </a:solidFill>
-              <a:uFillTx/>
-              <a:latin typeface="Meiryo"/>
-              <a:ea typeface="Meiryo"/>
-              <a:cs typeface="Meiryo"/>
-              <a:sym typeface="Meiryo"/>
-            </a:endParaRPr>
-          </a:p>
-          <a:p>
-            <a:pPr marL="457200" lvl="0" indent="-317500" algn="l" rtl="0">
-              <a:lnSpc>
-                <a:spcPct val="120000"/>
-              </a:lnSpc>
-              <a:spcBef>
-                <a:spcPts val="0"/>
-              </a:spcBef>
-              <a:spcAft>
-                <a:spcPts val="0"/>
-              </a:spcAft>
-              <a:buSzPts val="1400"/>
-              <a:buFont typeface="Meiryo"/>
-              <a:buChar char="●"/>
-            </a:pPr>
-            <a:r>
-              <a:rPr lang="ja">
-                <a:solidFill>
-                  <a:schemeClr val="dk1"/>
-                </a:solidFill>
-                <a:uFillTx/>
-                <a:latin typeface="Meiryo"/>
-                <a:ea typeface="Meiryo"/>
-                <a:cs typeface="Meiryo"/>
-                <a:sym typeface="Meiryo"/>
-              </a:rPr>
-              <a:t>データ詳細理解</a:t>
-            </a:r>
-            <a:endParaRPr>
-              <a:solidFill>
-                <a:schemeClr val="dk1"/>
-              </a:solidFill>
-              <a:uFillTx/>
-              <a:latin typeface="Meiryo"/>
-              <a:ea typeface="Meiryo"/>
-              <a:cs typeface="Meiryo"/>
-              <a:sym typeface="Meiryo"/>
-            </a:endParaRPr>
-          </a:p>
-          <a:p>
-            <a:pPr marL="457200" lvl="0" indent="-317500" algn="l" rtl="0">
-              <a:lnSpc>
-                <a:spcPct val="120000"/>
-              </a:lnSpc>
-              <a:spcBef>
-                <a:spcPts val="0"/>
-              </a:spcBef>
-              <a:spcAft>
-                <a:spcPts val="0"/>
-              </a:spcAft>
-              <a:buSzPts val="1400"/>
-              <a:buFont typeface="Meiryo"/>
-              <a:buChar char="●"/>
-            </a:pPr>
-            <a:r>
-              <a:rPr lang="ja">
-                <a:solidFill>
-                  <a:schemeClr val="dk1"/>
-                </a:solidFill>
-                <a:uFillTx/>
-                <a:latin typeface="Meiryo"/>
-                <a:ea typeface="Meiryo"/>
-                <a:cs typeface="Meiryo"/>
-                <a:sym typeface="Meiryo"/>
-              </a:rPr>
-              <a:t>データマート作成</a:t>
-            </a:r>
-            <a:endParaRPr>
-              <a:solidFill>
-                <a:schemeClr val="dk1"/>
-              </a:solidFill>
-              <a:uFillTx/>
-              <a:latin typeface="Meiryo"/>
-              <a:ea typeface="Meiryo"/>
-              <a:cs typeface="Meiryo"/>
-              <a:sym typeface="Meiryo"/>
-            </a:endParaRPr>
-          </a:p>
-          <a:p>
-            <a:pPr marL="457200" lvl="0" indent="-317500" algn="l" rtl="0">
-              <a:lnSpc>
-                <a:spcPct val="120000"/>
-              </a:lnSpc>
-              <a:spcBef>
-                <a:spcPts val="0"/>
-              </a:spcBef>
-              <a:spcAft>
-                <a:spcPts val="0"/>
-              </a:spcAft>
-              <a:buSzPts val="1400"/>
-              <a:buFont typeface="Meiryo"/>
-              <a:buChar char="●"/>
-            </a:pPr>
-            <a:r>
-              <a:rPr lang="ja">
-                <a:solidFill>
-                  <a:schemeClr val="dk1"/>
-                </a:solidFill>
-                <a:uFillTx/>
-                <a:latin typeface="Meiryo"/>
-                <a:ea typeface="Meiryo"/>
-                <a:cs typeface="Meiryo"/>
-                <a:sym typeface="Meiryo"/>
-              </a:rPr>
-              <a:t>データ前処理</a:t>
-            </a:r>
-            <a:endParaRPr>
-              <a:uFillTx/>
-              <a:latin typeface="Meiryo"/>
-              <a:ea typeface="Meiryo"/>
-              <a:cs typeface="Meiryo"/>
-              <a:sym typeface="Meiryo"/>
-            </a:endParaRPr>
-          </a:p>
-        </p:txBody>
-      </p:sp>
-      <p:sp>
-        <p:nvSpPr>
-          <p:cNvPr id="349" name="Google Shape;349;p33"/>
-          <p:cNvSpPr txBox="1">
-            <a:spLocks/>
-          </p:cNvSpPr>
-          <p:nvPr/>
-        </p:nvSpPr>
-        <p:spPr>
-          <a:xfrm>
-            <a:off x="3652400" y="1970125"/>
-            <a:ext cx="2685000" cy="1327800"/>
-          </a:xfrm>
-          <a:prstGeom prst="rect">
-            <a:avLst/>
-          </a:prstGeom>
-          <a:noFill/>
-          <a:ln>
-            <a:noFill/>
-          </a:ln>
-        </p:spPr>
-        <p:txBody>
-          <a:bodyPr spcFirstLastPara="1" wrap="square" lIns="91425" tIns="91425" rIns="91425" bIns="91425" anchor="t" anchorCtr="0">
-            <a:noAutofit/>
-          </a:bodyPr>
-          <a:lstStyle/>
-          <a:p>
-            <a:pPr marL="457200" lvl="0" indent="-317500" algn="l" rtl="0">
-              <a:lnSpc>
-                <a:spcPct val="120000"/>
-              </a:lnSpc>
-              <a:spcBef>
-                <a:spcPts val="0"/>
-              </a:spcBef>
-              <a:spcAft>
-                <a:spcPts val="0"/>
-              </a:spcAft>
-              <a:buSzPts val="1400"/>
-              <a:buFont typeface="Meiryo"/>
-              <a:buChar char="●"/>
-            </a:pPr>
-            <a:r>
-              <a:rPr lang="ja">
-                <a:solidFill>
-                  <a:schemeClr val="dk1"/>
-                </a:solidFill>
-                <a:uFillTx/>
-                <a:latin typeface="Meiryo"/>
-                <a:ea typeface="Meiryo"/>
-                <a:cs typeface="Meiryo"/>
-                <a:sym typeface="Meiryo"/>
-              </a:rPr>
-              <a:t>受講生の特徴理解</a:t>
-            </a:r>
-            <a:endParaRPr>
-              <a:solidFill>
-                <a:schemeClr val="dk1"/>
-              </a:solidFill>
-              <a:uFillTx/>
-              <a:latin typeface="Meiryo"/>
-              <a:ea typeface="Meiryo"/>
-              <a:cs typeface="Meiryo"/>
-              <a:sym typeface="Meiryo"/>
-            </a:endParaRPr>
-          </a:p>
-          <a:p>
-            <a:pPr marL="914400" lvl="1" indent="-317500" algn="l" rtl="0">
-              <a:lnSpc>
-                <a:spcPct val="120000"/>
-              </a:lnSpc>
-              <a:spcBef>
-                <a:spcPts val="0"/>
-              </a:spcBef>
-              <a:spcAft>
-                <a:spcPts val="0"/>
-              </a:spcAft>
-              <a:buClr>
-                <a:schemeClr val="dk1"/>
-              </a:buClr>
-              <a:buSzPts val="1400"/>
-              <a:buFont typeface="Meiryo"/>
-              <a:buChar char="○"/>
-            </a:pPr>
-            <a:r>
-              <a:rPr lang="ja">
-                <a:solidFill>
-                  <a:schemeClr val="dk1"/>
-                </a:solidFill>
-                <a:uFillTx/>
-                <a:latin typeface="Meiryo"/>
-                <a:ea typeface="Meiryo"/>
-                <a:cs typeface="Meiryo"/>
-                <a:sym typeface="Meiryo"/>
-              </a:rPr>
-              <a:t>要素分解</a:t>
-            </a:r>
-            <a:endParaRPr>
-              <a:solidFill>
-                <a:schemeClr val="dk1"/>
-              </a:solidFill>
-              <a:uFillTx/>
-              <a:latin typeface="Meiryo"/>
-              <a:ea typeface="Meiryo"/>
-              <a:cs typeface="Meiryo"/>
-              <a:sym typeface="Meiryo"/>
-            </a:endParaRPr>
-          </a:p>
-          <a:p>
-            <a:pPr marL="914400" lvl="1" indent="-317500" algn="l" rtl="0">
-              <a:lnSpc>
-                <a:spcPct val="120000"/>
-              </a:lnSpc>
-              <a:spcBef>
-                <a:spcPts val="0"/>
-              </a:spcBef>
-              <a:spcAft>
-                <a:spcPts val="0"/>
-              </a:spcAft>
-              <a:buClr>
-                <a:schemeClr val="dk1"/>
-              </a:buClr>
-              <a:buSzPts val="1400"/>
-              <a:buFont typeface="Meiryo"/>
-              <a:buChar char="○"/>
-            </a:pPr>
-            <a:r>
-              <a:rPr lang="ja">
-                <a:solidFill>
-                  <a:schemeClr val="dk1"/>
-                </a:solidFill>
-                <a:uFillTx/>
-                <a:latin typeface="Meiryo"/>
-                <a:ea typeface="Meiryo"/>
-                <a:cs typeface="Meiryo"/>
-                <a:sym typeface="Meiryo"/>
-              </a:rPr>
-              <a:t>時系列分解</a:t>
-            </a:r>
-            <a:endParaRPr>
-              <a:solidFill>
-                <a:schemeClr val="dk1"/>
-              </a:solidFill>
-              <a:uFillTx/>
-              <a:latin typeface="Meiryo"/>
-              <a:ea typeface="Meiryo"/>
-              <a:cs typeface="Meiryo"/>
-              <a:sym typeface="Meiryo"/>
-            </a:endParaRPr>
-          </a:p>
-          <a:p>
-            <a:pPr marL="457200" lvl="0" indent="-317500" algn="l" rtl="0">
-              <a:lnSpc>
-                <a:spcPct val="120000"/>
-              </a:lnSpc>
-              <a:spcBef>
-                <a:spcPts val="0"/>
-              </a:spcBef>
-              <a:spcAft>
-                <a:spcPts val="0"/>
-              </a:spcAft>
-              <a:buClr>
-                <a:schemeClr val="dk1"/>
-              </a:buClr>
-              <a:buSzPts val="1400"/>
-              <a:buFont typeface="Meiryo"/>
-              <a:buChar char="●"/>
-            </a:pPr>
-            <a:r>
-              <a:rPr lang="ja">
-                <a:solidFill>
-                  <a:schemeClr val="dk1"/>
-                </a:solidFill>
-                <a:uFillTx/>
-                <a:latin typeface="Meiryo"/>
-                <a:ea typeface="Meiryo"/>
-                <a:cs typeface="Meiryo"/>
-                <a:sym typeface="Meiryo"/>
-              </a:rPr>
-              <a:t>特徴量作成</a:t>
-            </a:r>
-            <a:endParaRPr>
-              <a:solidFill>
-                <a:schemeClr val="dk1"/>
-              </a:solidFill>
-              <a:uFillTx/>
-              <a:latin typeface="Meiryo"/>
-              <a:ea typeface="Meiryo"/>
-              <a:cs typeface="Meiryo"/>
-              <a:sym typeface="Meiryo"/>
-            </a:endParaRPr>
-          </a:p>
-          <a:p>
-            <a:pPr marL="457200" lvl="0" indent="-317500" algn="l" rtl="0">
-              <a:lnSpc>
-                <a:spcPct val="120000"/>
-              </a:lnSpc>
-              <a:spcBef>
-                <a:spcPts val="0"/>
-              </a:spcBef>
-              <a:spcAft>
-                <a:spcPts val="0"/>
-              </a:spcAft>
-              <a:buClr>
-                <a:schemeClr val="dk1"/>
-              </a:buClr>
-              <a:buSzPts val="1400"/>
-              <a:buFont typeface="Meiryo"/>
-              <a:buChar char="●"/>
-            </a:pPr>
-            <a:r>
-              <a:rPr lang="ja">
-                <a:solidFill>
-                  <a:schemeClr val="dk1"/>
-                </a:solidFill>
-                <a:uFillTx/>
-                <a:latin typeface="Meiryo"/>
-                <a:ea typeface="Meiryo"/>
-                <a:cs typeface="Meiryo"/>
-                <a:sym typeface="Meiryo"/>
-              </a:rPr>
-              <a:t>可視化</a:t>
-            </a:r>
-            <a:endParaRPr>
-              <a:solidFill>
-                <a:schemeClr val="dk1"/>
-              </a:solidFill>
-              <a:uFillTx/>
-              <a:latin typeface="Meiryo"/>
-              <a:ea typeface="Meiryo"/>
-              <a:cs typeface="Meiryo"/>
-              <a:sym typeface="Meiryo"/>
-            </a:endParaRPr>
-          </a:p>
-          <a:p>
-            <a:pPr marL="457200" lvl="0" indent="-317500" algn="l" rtl="0">
-              <a:lnSpc>
-                <a:spcPct val="120000"/>
-              </a:lnSpc>
-              <a:spcBef>
-                <a:spcPts val="0"/>
-              </a:spcBef>
-              <a:spcAft>
-                <a:spcPts val="0"/>
-              </a:spcAft>
-              <a:buClr>
-                <a:schemeClr val="dk1"/>
-              </a:buClr>
-              <a:buSzPts val="1400"/>
-              <a:buFont typeface="Meiryo"/>
-              <a:buChar char="●"/>
-            </a:pPr>
-            <a:r>
-              <a:rPr lang="ja">
-                <a:solidFill>
-                  <a:schemeClr val="dk1"/>
-                </a:solidFill>
-                <a:uFillTx/>
-                <a:latin typeface="Meiryo"/>
-                <a:ea typeface="Meiryo"/>
-                <a:cs typeface="Meiryo"/>
-                <a:sym typeface="Meiryo"/>
-              </a:rPr>
-              <a:t>モデリング</a:t>
-            </a:r>
-            <a:endParaRPr>
-              <a:solidFill>
-                <a:schemeClr val="dk1"/>
-              </a:solidFill>
-              <a:uFillTx/>
-              <a:latin typeface="Meiryo"/>
-              <a:ea typeface="Meiryo"/>
-              <a:cs typeface="Meiryo"/>
-              <a:sym typeface="Meiryo"/>
-            </a:endParaRPr>
-          </a:p>
-        </p:txBody>
-      </p:sp>
-      <p:sp>
-        <p:nvSpPr>
-          <p:cNvPr id="350" name="Google Shape;350;p33"/>
-          <p:cNvSpPr txBox="1">
-            <a:spLocks/>
-          </p:cNvSpPr>
-          <p:nvPr/>
-        </p:nvSpPr>
-        <p:spPr>
-          <a:xfrm>
-            <a:off x="6416225" y="1992463"/>
-            <a:ext cx="2685000" cy="1327800"/>
-          </a:xfrm>
-          <a:prstGeom prst="rect">
-            <a:avLst/>
-          </a:prstGeom>
-          <a:noFill/>
-          <a:ln>
-            <a:noFill/>
-          </a:ln>
-        </p:spPr>
-        <p:txBody>
-          <a:bodyPr spcFirstLastPara="1" wrap="square" lIns="91425" tIns="91425" rIns="91425" bIns="91425" anchor="t" anchorCtr="0">
-            <a:noAutofit/>
-          </a:bodyPr>
-          <a:lstStyle/>
-          <a:p>
-            <a:pPr marL="457200" lvl="0" indent="-317500" algn="l" rtl="0">
-              <a:lnSpc>
-                <a:spcPct val="120000"/>
-              </a:lnSpc>
-              <a:spcBef>
-                <a:spcPts val="0"/>
-              </a:spcBef>
-              <a:spcAft>
-                <a:spcPts val="0"/>
-              </a:spcAft>
-              <a:buClr>
-                <a:schemeClr val="dk1"/>
-              </a:buClr>
-              <a:buSzPts val="1400"/>
-              <a:buFont typeface="Meiryo"/>
-              <a:buChar char="●"/>
-            </a:pPr>
-            <a:r>
-              <a:rPr lang="ja">
-                <a:solidFill>
-                  <a:schemeClr val="dk1"/>
-                </a:solidFill>
-                <a:uFillTx/>
-                <a:latin typeface="Meiryo"/>
-                <a:ea typeface="Meiryo"/>
-                <a:cs typeface="Meiryo"/>
-                <a:sym typeface="Meiryo"/>
-              </a:rPr>
-              <a:t>インサイト出し</a:t>
-            </a:r>
-            <a:endParaRPr>
-              <a:solidFill>
-                <a:schemeClr val="dk1"/>
-              </a:solidFill>
-              <a:uFillTx/>
-              <a:latin typeface="Meiryo"/>
-              <a:ea typeface="Meiryo"/>
-              <a:cs typeface="Meiryo"/>
-              <a:sym typeface="Meiryo"/>
-            </a:endParaRPr>
-          </a:p>
-          <a:p>
-            <a:pPr marL="457200" lvl="0" indent="-317500" algn="l" rtl="0">
-              <a:lnSpc>
-                <a:spcPct val="120000"/>
-              </a:lnSpc>
-              <a:spcBef>
-                <a:spcPts val="0"/>
-              </a:spcBef>
-              <a:spcAft>
-                <a:spcPts val="0"/>
-              </a:spcAft>
-              <a:buClr>
-                <a:schemeClr val="dk1"/>
-              </a:buClr>
-              <a:buSzPts val="1400"/>
-              <a:buFont typeface="Meiryo"/>
-              <a:buChar char="●"/>
-            </a:pPr>
-            <a:r>
-              <a:rPr lang="ja">
-                <a:solidFill>
-                  <a:schemeClr val="dk1"/>
-                </a:solidFill>
-                <a:uFillTx/>
-                <a:latin typeface="Meiryo"/>
-                <a:ea typeface="Meiryo"/>
-                <a:cs typeface="Meiryo"/>
-                <a:sym typeface="Meiryo"/>
-              </a:rPr>
-              <a:t>ダッシュボード作成</a:t>
-            </a:r>
-            <a:endParaRPr>
-              <a:solidFill>
-                <a:schemeClr val="dk1"/>
-              </a:solidFill>
-              <a:uFillTx/>
-              <a:latin typeface="Meiryo"/>
-              <a:ea typeface="Meiryo"/>
-              <a:cs typeface="Meiryo"/>
-              <a:sym typeface="Meiryo"/>
-            </a:endParaRPr>
-          </a:p>
-          <a:p>
-            <a:pPr marL="457200" lvl="0" indent="-317500" algn="l" rtl="0">
-              <a:lnSpc>
-                <a:spcPct val="120000"/>
-              </a:lnSpc>
-              <a:spcBef>
-                <a:spcPts val="0"/>
-              </a:spcBef>
-              <a:spcAft>
-                <a:spcPts val="0"/>
-              </a:spcAft>
-              <a:buClr>
-                <a:schemeClr val="dk1"/>
-              </a:buClr>
-              <a:buSzPts val="1400"/>
-              <a:buFont typeface="Meiryo"/>
-              <a:buChar char="●"/>
-            </a:pPr>
-            <a:r>
-              <a:rPr lang="ja">
-                <a:solidFill>
-                  <a:schemeClr val="dk1"/>
-                </a:solidFill>
-                <a:uFillTx/>
-                <a:latin typeface="Meiryo"/>
-                <a:ea typeface="Meiryo"/>
-                <a:cs typeface="Meiryo"/>
-                <a:sym typeface="Meiryo"/>
-              </a:rPr>
-              <a:t>レポート作成</a:t>
-            </a:r>
-            <a:endParaRPr>
-              <a:solidFill>
-                <a:schemeClr val="dk1"/>
-              </a:solidFill>
-              <a:uFillTx/>
-              <a:latin typeface="Meiryo"/>
-              <a:ea typeface="Meiryo"/>
-              <a:cs typeface="Meiryo"/>
-              <a:sym typeface="Meiryo"/>
-            </a:endParaRPr>
-          </a:p>
-        </p:txBody>
-      </p:sp>
-      <p:sp>
-        <p:nvSpPr>
-          <p:cNvPr id="351" name="Google Shape;351;p33"/>
-          <p:cNvSpPr txBox="1">
-            <a:spLocks/>
-          </p:cNvSpPr>
-          <p:nvPr/>
-        </p:nvSpPr>
-        <p:spPr>
-          <a:xfrm>
-            <a:off x="925675" y="3669625"/>
-            <a:ext cx="2365200" cy="1100700"/>
-          </a:xfrm>
-          <a:prstGeom prst="rect">
-            <a:avLst/>
-          </a:prstGeom>
-          <a:noFill/>
-          <a:ln>
-            <a:noFill/>
-          </a:ln>
-        </p:spPr>
-        <p:txBody>
-          <a:bodyPr spcFirstLastPara="1" wrap="square" lIns="91425" tIns="91425" rIns="91425" bIns="91425" anchor="t" anchorCtr="0">
-            <a:noAutofit/>
-          </a:bodyPr>
-          <a:lstStyle/>
-          <a:p>
-            <a:pPr marL="457200" lvl="0" indent="-317500" algn="l" rtl="0">
-              <a:lnSpc>
-                <a:spcPct val="120000"/>
-              </a:lnSpc>
-              <a:spcBef>
-                <a:spcPts val="0"/>
-              </a:spcBef>
-              <a:spcAft>
-                <a:spcPts val="0"/>
-              </a:spcAft>
-              <a:buSzPts val="1400"/>
-              <a:buFont typeface="Meiryo"/>
-              <a:buChar char="●"/>
-            </a:pPr>
-            <a:r>
-              <a:rPr lang="ja">
-                <a:solidFill>
-                  <a:schemeClr val="dk1"/>
-                </a:solidFill>
-                <a:uFillTx/>
-                <a:latin typeface="Meiryo"/>
-                <a:ea typeface="Meiryo"/>
-                <a:cs typeface="Meiryo"/>
-                <a:sym typeface="Meiryo"/>
-              </a:rPr>
-              <a:t>MySQLをつかったデータベース構築</a:t>
-            </a:r>
-            <a:endParaRPr>
-              <a:solidFill>
-                <a:schemeClr val="dk1"/>
-              </a:solidFill>
-              <a:uFillTx/>
-              <a:latin typeface="Meiryo"/>
-              <a:ea typeface="Meiryo"/>
-              <a:cs typeface="Meiryo"/>
-              <a:sym typeface="Meiryo"/>
-            </a:endParaRPr>
-          </a:p>
-          <a:p>
-            <a:pPr marL="457200" lvl="0" indent="-317500" algn="l" rtl="0">
-              <a:lnSpc>
-                <a:spcPct val="120000"/>
-              </a:lnSpc>
-              <a:spcBef>
-                <a:spcPts val="0"/>
-              </a:spcBef>
-              <a:spcAft>
-                <a:spcPts val="0"/>
-              </a:spcAft>
-              <a:buClr>
-                <a:schemeClr val="dk1"/>
-              </a:buClr>
-              <a:buSzPts val="1400"/>
-              <a:buFont typeface="Meiryo"/>
-              <a:buChar char="●"/>
-            </a:pPr>
-            <a:r>
-              <a:rPr lang="ja">
-                <a:solidFill>
-                  <a:schemeClr val="dk1"/>
-                </a:solidFill>
-                <a:uFillTx/>
-                <a:latin typeface="Meiryo"/>
-                <a:ea typeface="Meiryo"/>
-                <a:cs typeface="Meiryo"/>
-                <a:sym typeface="Meiryo"/>
-              </a:rPr>
-              <a:t>自動でデータ収集する仕組みを構築</a:t>
-            </a:r>
-            <a:endParaRPr>
-              <a:solidFill>
-                <a:schemeClr val="dk1"/>
-              </a:solidFill>
-              <a:uFillTx/>
-              <a:latin typeface="Meiryo"/>
-              <a:ea typeface="Meiryo"/>
-              <a:cs typeface="Meiryo"/>
-              <a:sym typeface="Meiryo"/>
-            </a:endParaRPr>
-          </a:p>
-        </p:txBody>
-      </p:sp>
-      <p:sp>
-        <p:nvSpPr>
-          <p:cNvPr id="352" name="Google Shape;352;p33"/>
-          <p:cNvSpPr txBox="1">
-            <a:spLocks/>
-          </p:cNvSpPr>
-          <p:nvPr/>
-        </p:nvSpPr>
-        <p:spPr>
-          <a:xfrm>
-            <a:off x="3666900" y="3669625"/>
-            <a:ext cx="2565600" cy="1100700"/>
-          </a:xfrm>
-          <a:prstGeom prst="rect">
-            <a:avLst/>
-          </a:prstGeom>
-          <a:noFill/>
-          <a:ln>
-            <a:noFill/>
-          </a:ln>
-        </p:spPr>
-        <p:txBody>
-          <a:bodyPr spcFirstLastPara="1" wrap="square" lIns="91425" tIns="91425" rIns="91425" bIns="91425" anchor="t" anchorCtr="0">
-            <a:noAutofit/>
-          </a:bodyPr>
-          <a:lstStyle/>
-          <a:p>
-            <a:pPr marL="457200" lvl="0" indent="-317500" algn="l" rtl="0">
-              <a:lnSpc>
-                <a:spcPct val="120000"/>
-              </a:lnSpc>
-              <a:spcBef>
-                <a:spcPts val="0"/>
-              </a:spcBef>
-              <a:spcAft>
-                <a:spcPts val="0"/>
-              </a:spcAft>
-              <a:buSzPts val="1400"/>
-              <a:buFont typeface="Meiryo"/>
-              <a:buChar char="●"/>
-            </a:pPr>
-            <a:r>
-              <a:rPr lang="ja">
-                <a:solidFill>
-                  <a:schemeClr val="dk1"/>
-                </a:solidFill>
-                <a:uFillTx/>
-                <a:latin typeface="Meiryo"/>
-                <a:ea typeface="Meiryo"/>
-                <a:cs typeface="Meiryo"/>
-                <a:sym typeface="Meiryo"/>
-              </a:rPr>
-              <a:t>Tableauによる可視化</a:t>
-            </a:r>
-            <a:endParaRPr>
-              <a:solidFill>
-                <a:schemeClr val="dk1"/>
-              </a:solidFill>
-              <a:uFillTx/>
-              <a:latin typeface="Meiryo"/>
-              <a:ea typeface="Meiryo"/>
-              <a:cs typeface="Meiryo"/>
-              <a:sym typeface="Meiryo"/>
-            </a:endParaRPr>
-          </a:p>
-          <a:p>
-            <a:pPr marL="457200" lvl="0" indent="-317500" algn="l" rtl="0">
-              <a:lnSpc>
-                <a:spcPct val="120000"/>
-              </a:lnSpc>
-              <a:spcBef>
-                <a:spcPts val="0"/>
-              </a:spcBef>
-              <a:spcAft>
-                <a:spcPts val="0"/>
-              </a:spcAft>
-              <a:buSzPts val="1400"/>
-              <a:buFont typeface="Meiryo"/>
-              <a:buChar char="●"/>
-            </a:pPr>
-            <a:r>
-              <a:rPr lang="ja">
-                <a:solidFill>
-                  <a:schemeClr val="dk1"/>
-                </a:solidFill>
-                <a:uFillTx/>
-                <a:latin typeface="Meiryo"/>
-                <a:ea typeface="Meiryo"/>
-                <a:cs typeface="Meiryo"/>
-                <a:sym typeface="Meiryo"/>
-              </a:rPr>
-              <a:t>特徴把握</a:t>
-            </a:r>
-            <a:endParaRPr>
-              <a:solidFill>
-                <a:schemeClr val="dk1"/>
-              </a:solidFill>
-              <a:uFillTx/>
-              <a:latin typeface="Meiryo"/>
-              <a:ea typeface="Meiryo"/>
-              <a:cs typeface="Meiryo"/>
-              <a:sym typeface="Meiryo"/>
-            </a:endParaRPr>
-          </a:p>
-          <a:p>
-            <a:pPr marL="457200" lvl="0" indent="-317500" algn="l" rtl="0">
-              <a:lnSpc>
-                <a:spcPct val="120000"/>
-              </a:lnSpc>
-              <a:spcBef>
-                <a:spcPts val="0"/>
-              </a:spcBef>
-              <a:spcAft>
-                <a:spcPts val="0"/>
-              </a:spcAft>
-              <a:buClr>
-                <a:schemeClr val="dk1"/>
-              </a:buClr>
-              <a:buSzPts val="1400"/>
-              <a:buFont typeface="Meiryo"/>
-              <a:buChar char="●"/>
-            </a:pPr>
-            <a:r>
-              <a:rPr lang="ja">
-                <a:solidFill>
-                  <a:schemeClr val="dk1"/>
-                </a:solidFill>
-                <a:uFillTx/>
-                <a:latin typeface="Meiryo"/>
-                <a:ea typeface="Meiryo"/>
-                <a:cs typeface="Meiryo"/>
-                <a:sym typeface="Meiryo"/>
-              </a:rPr>
-              <a:t>ロジスティック回帰</a:t>
-            </a:r>
-            <a:endParaRPr>
-              <a:solidFill>
-                <a:schemeClr val="dk1"/>
-              </a:solidFill>
-              <a:uFillTx/>
-              <a:latin typeface="Meiryo"/>
-              <a:ea typeface="Meiryo"/>
-              <a:cs typeface="Meiryo"/>
-              <a:sym typeface="Meiryo"/>
-            </a:endParaRPr>
-          </a:p>
-          <a:p>
-            <a:pPr marL="457200" lvl="0" indent="-317500" algn="l" rtl="0">
-              <a:lnSpc>
-                <a:spcPct val="120000"/>
-              </a:lnSpc>
-              <a:spcBef>
-                <a:spcPts val="0"/>
-              </a:spcBef>
-              <a:spcAft>
-                <a:spcPts val="0"/>
-              </a:spcAft>
-              <a:buClr>
-                <a:schemeClr val="dk1"/>
-              </a:buClr>
-              <a:buSzPts val="1400"/>
-              <a:buFont typeface="Meiryo"/>
-              <a:buChar char="●"/>
-            </a:pPr>
-            <a:r>
-              <a:rPr lang="ja">
-                <a:solidFill>
-                  <a:schemeClr val="dk1"/>
-                </a:solidFill>
-                <a:uFillTx/>
-                <a:latin typeface="Meiryo"/>
-                <a:ea typeface="Meiryo"/>
-                <a:cs typeface="Meiryo"/>
-                <a:sym typeface="Meiryo"/>
-              </a:rPr>
-              <a:t>ランダムフォレスト</a:t>
-            </a:r>
-            <a:endParaRPr>
-              <a:solidFill>
-                <a:schemeClr val="dk1"/>
-              </a:solidFill>
-              <a:uFillTx/>
-              <a:latin typeface="Meiryo"/>
-              <a:ea typeface="Meiryo"/>
-              <a:cs typeface="Meiryo"/>
-              <a:sym typeface="Meiryo"/>
-            </a:endParaRPr>
-          </a:p>
-        </p:txBody>
-      </p:sp>
-      <p:sp>
-        <p:nvSpPr>
-          <p:cNvPr id="353" name="Google Shape;353;p33"/>
-          <p:cNvSpPr txBox="1">
-            <a:spLocks/>
-          </p:cNvSpPr>
-          <p:nvPr/>
-        </p:nvSpPr>
-        <p:spPr>
-          <a:xfrm>
-            <a:off x="6371230" y="3631300"/>
-            <a:ext cx="2365200" cy="1100700"/>
-          </a:xfrm>
-          <a:prstGeom prst="rect">
-            <a:avLst/>
-          </a:prstGeom>
-          <a:noFill/>
-          <a:ln>
-            <a:noFill/>
-          </a:ln>
-        </p:spPr>
-        <p:txBody>
-          <a:bodyPr spcFirstLastPara="1" wrap="square" lIns="91425" tIns="91425" rIns="91425" bIns="91425" anchor="t" anchorCtr="0">
-            <a:noAutofit/>
-          </a:bodyPr>
-          <a:lstStyle/>
-          <a:p>
-            <a:pPr marL="457200" lvl="0" indent="-317500" algn="l" rtl="0">
-              <a:lnSpc>
-                <a:spcPct val="120000"/>
-              </a:lnSpc>
-              <a:spcBef>
-                <a:spcPts val="0"/>
-              </a:spcBef>
-              <a:spcAft>
-                <a:spcPts val="0"/>
-              </a:spcAft>
-              <a:buSzPts val="1400"/>
-              <a:buFont typeface="Meiryo"/>
-              <a:buChar char="●"/>
-            </a:pPr>
-            <a:r>
-              <a:rPr lang="ja">
-                <a:solidFill>
-                  <a:schemeClr val="dk1"/>
-                </a:solidFill>
-                <a:uFillTx/>
-                <a:latin typeface="Meiryo"/>
-                <a:ea typeface="Meiryo"/>
-                <a:cs typeface="Meiryo"/>
-                <a:sym typeface="Meiryo"/>
-              </a:rPr>
-              <a:t>プレゼン資料作成</a:t>
-            </a:r>
-            <a:endParaRPr>
-              <a:solidFill>
-                <a:schemeClr val="dk1"/>
-              </a:solidFill>
-              <a:uFillTx/>
-              <a:latin typeface="Meiryo"/>
-              <a:ea typeface="Meiryo"/>
-              <a:cs typeface="Meiryo"/>
-              <a:sym typeface="Meiryo"/>
-            </a:endParaRPr>
-          </a:p>
-          <a:p>
-            <a:pPr marL="457200" lvl="0" indent="-317500" algn="l" rtl="0">
-              <a:lnSpc>
-                <a:spcPct val="120000"/>
-              </a:lnSpc>
-              <a:spcBef>
-                <a:spcPts val="0"/>
-              </a:spcBef>
-              <a:spcAft>
-                <a:spcPts val="0"/>
-              </a:spcAft>
-              <a:buClr>
-                <a:schemeClr val="dk1"/>
-              </a:buClr>
-              <a:buSzPts val="1400"/>
-              <a:buFont typeface="Meiryo"/>
-              <a:buChar char="●"/>
-            </a:pPr>
-            <a:r>
-              <a:rPr lang="ja">
-                <a:solidFill>
-                  <a:schemeClr val="dk1"/>
-                </a:solidFill>
-                <a:uFillTx/>
-                <a:latin typeface="Meiryo"/>
-                <a:ea typeface="Meiryo"/>
-                <a:cs typeface="Meiryo"/>
-                <a:sym typeface="Meiryo"/>
-              </a:rPr>
-              <a:t>Redashを使ったダッシュボードのデザイン</a:t>
-            </a:r>
-            <a:endParaRPr>
-              <a:solidFill>
-                <a:schemeClr val="dk1"/>
-              </a:solidFill>
-              <a:uFillTx/>
-              <a:latin typeface="Meiryo"/>
-              <a:ea typeface="Meiryo"/>
-              <a:cs typeface="Meiryo"/>
-              <a:sym typeface="Meiryo"/>
-            </a:endParaRPr>
-          </a:p>
-        </p:txBody>
-      </p:sp>
-      <p:sp>
-        <p:nvSpPr>
-          <p:cNvPr id="355" name="Google Shape;355;p33"/>
-          <p:cNvSpPr>
-            <a:spLocks/>
-          </p:cNvSpPr>
-          <p:nvPr/>
-        </p:nvSpPr>
-        <p:spPr>
-          <a:xfrm>
-            <a:off x="74375" y="5403665"/>
-            <a:ext cx="845700" cy="945859"/>
-          </a:xfrm>
-          <a:prstGeom prst="rect">
-            <a:avLst/>
-          </a:prstGeom>
-          <a:solidFill>
-            <a:schemeClr val="lt2"/>
-          </a:solidFill>
-          <a:ln w="9525" cap="flat" cmpd="sng">
-            <a:solidFill>
-              <a:schemeClr val="dk2"/>
-            </a:solidFill>
-            <a:prstDash val="solid"/>
-            <a:round/>
-            <a:headEnd type="none" w="sm" len="sm"/>
-            <a:tailEnd type="none" w="sm" len="sm"/>
-          </a:ln>
-        </p:spPr>
-        <p:txBody>
-          <a:bodyPr spcFirstLastPara="1" wrap="square" lIns="91425" tIns="91425" rIns="91425" bIns="91425" anchor="ctr" anchorCtr="0">
-            <a:noAutofit/>
-          </a:bodyPr>
-          <a:lstStyle/>
-          <a:p>
-            <a:pPr marL="0" lvl="0" indent="0" algn="ctr" rtl="0">
-              <a:spcBef>
-                <a:spcPts val="0"/>
-              </a:spcBef>
-              <a:spcAft>
-                <a:spcPts val="0"/>
-              </a:spcAft>
-              <a:buNone/>
-            </a:pPr>
-            <a:r>
-              <a:rPr lang="ja" b="1">
-                <a:solidFill>
-                  <a:srgbClr val="FFFFFF"/>
-                </a:solidFill>
-                <a:uFillTx/>
-              </a:rPr>
-              <a:t>期間</a:t>
-            </a:r>
-            <a:endParaRPr b="1">
-              <a:solidFill>
-                <a:srgbClr val="FFFFFF"/>
-              </a:solidFill>
-              <a:uFillTx/>
-            </a:endParaRPr>
-          </a:p>
-        </p:txBody>
-      </p:sp>
-      <p:sp>
-        <p:nvSpPr>
-          <p:cNvPr id="356" name="Google Shape;356;p33"/>
-          <p:cNvSpPr txBox="1">
-            <a:spLocks/>
-          </p:cNvSpPr>
-          <p:nvPr/>
-        </p:nvSpPr>
-        <p:spPr>
-          <a:xfrm>
-            <a:off x="925674" y="5403666"/>
-            <a:ext cx="2365200" cy="681900"/>
-          </a:xfrm>
-          <a:prstGeom prst="rect">
-            <a:avLst/>
-          </a:prstGeom>
-          <a:noFill/>
-          <a:ln>
-            <a:noFill/>
-          </a:ln>
-        </p:spPr>
-        <p:txBody>
-          <a:bodyPr spcFirstLastPara="1" wrap="square" lIns="91425" tIns="91425" rIns="91425" bIns="91425" anchor="t" anchorCtr="0">
-            <a:noAutofit/>
-          </a:bodyPr>
-          <a:lstStyle/>
-          <a:p>
-            <a:pPr marL="457200" lvl="0" indent="-317500" algn="l" rtl="0">
-              <a:lnSpc>
-                <a:spcPct val="120000"/>
-              </a:lnSpc>
-              <a:spcBef>
-                <a:spcPts val="0"/>
-              </a:spcBef>
-              <a:spcAft>
-                <a:spcPts val="0"/>
-              </a:spcAft>
-              <a:buSzPts val="1400"/>
-              <a:buFont typeface="Meiryo"/>
-              <a:buChar char="●"/>
-            </a:pPr>
-            <a:r>
-              <a:rPr lang="ja">
-                <a:solidFill>
-                  <a:schemeClr val="dk1"/>
-                </a:solidFill>
-                <a:uFillTx/>
-                <a:latin typeface="Meiryo"/>
-                <a:ea typeface="Meiryo"/>
-                <a:cs typeface="Meiryo"/>
-                <a:sym typeface="Meiryo"/>
-              </a:rPr>
-              <a:t>7日</a:t>
-            </a:r>
-            <a:endParaRPr>
-              <a:solidFill>
-                <a:schemeClr val="dk1"/>
-              </a:solidFill>
-              <a:uFillTx/>
-              <a:latin typeface="Meiryo"/>
-              <a:ea typeface="Meiryo"/>
-              <a:cs typeface="Meiryo"/>
-              <a:sym typeface="Meiryo"/>
-            </a:endParaRPr>
-          </a:p>
-        </p:txBody>
-      </p:sp>
-      <p:sp>
-        <p:nvSpPr>
-          <p:cNvPr id="357" name="Google Shape;357;p33"/>
-          <p:cNvSpPr txBox="1">
-            <a:spLocks/>
-          </p:cNvSpPr>
-          <p:nvPr/>
-        </p:nvSpPr>
-        <p:spPr>
-          <a:xfrm>
-            <a:off x="3666903" y="5403666"/>
-            <a:ext cx="2365200" cy="681900"/>
-          </a:xfrm>
-          <a:prstGeom prst="rect">
-            <a:avLst/>
-          </a:prstGeom>
-          <a:noFill/>
-          <a:ln>
-            <a:noFill/>
-          </a:ln>
-        </p:spPr>
-        <p:txBody>
-          <a:bodyPr spcFirstLastPara="1" wrap="square" lIns="91425" tIns="91425" rIns="91425" bIns="91425" anchor="t" anchorCtr="0">
-            <a:noAutofit/>
-          </a:bodyPr>
-          <a:lstStyle/>
-          <a:p>
-            <a:pPr marL="457200" lvl="0" indent="-317500" algn="l" rtl="0">
-              <a:lnSpc>
-                <a:spcPct val="120000"/>
-              </a:lnSpc>
-              <a:spcBef>
-                <a:spcPts val="0"/>
-              </a:spcBef>
-              <a:spcAft>
-                <a:spcPts val="0"/>
-              </a:spcAft>
-              <a:buClr>
-                <a:schemeClr val="dk1"/>
-              </a:buClr>
-              <a:buSzPts val="1400"/>
-              <a:buFont typeface="Meiryo"/>
-              <a:buChar char="●"/>
-            </a:pPr>
-            <a:r>
-              <a:rPr lang="ja">
-                <a:solidFill>
-                  <a:schemeClr val="dk1"/>
-                </a:solidFill>
-                <a:uFillTx/>
-                <a:latin typeface="Meiryo"/>
-                <a:ea typeface="Meiryo"/>
-                <a:cs typeface="Meiryo"/>
-                <a:sym typeface="Meiryo"/>
-              </a:rPr>
-              <a:t>7日</a:t>
-            </a:r>
-            <a:endParaRPr>
-              <a:solidFill>
-                <a:schemeClr val="dk1"/>
-              </a:solidFill>
-              <a:uFillTx/>
-              <a:latin typeface="Meiryo"/>
-              <a:ea typeface="Meiryo"/>
-              <a:cs typeface="Meiryo"/>
-              <a:sym typeface="Meiryo"/>
-            </a:endParaRPr>
-          </a:p>
-        </p:txBody>
-      </p:sp>
-      <p:sp>
-        <p:nvSpPr>
-          <p:cNvPr id="358" name="Google Shape;358;p33"/>
-          <p:cNvSpPr txBox="1">
-            <a:spLocks/>
-          </p:cNvSpPr>
-          <p:nvPr/>
-        </p:nvSpPr>
-        <p:spPr>
-          <a:xfrm>
-            <a:off x="6295026" y="5379925"/>
-            <a:ext cx="2365200" cy="681900"/>
-          </a:xfrm>
-          <a:prstGeom prst="rect">
-            <a:avLst/>
-          </a:prstGeom>
-          <a:noFill/>
-          <a:ln>
-            <a:noFill/>
-          </a:ln>
-        </p:spPr>
-        <p:txBody>
-          <a:bodyPr spcFirstLastPara="1" wrap="square" lIns="91425" tIns="91425" rIns="91425" bIns="91425" anchor="t" anchorCtr="0">
-            <a:noAutofit/>
-          </a:bodyPr>
-          <a:lstStyle/>
-          <a:p>
-            <a:pPr marL="457200" lvl="0" indent="-317500" algn="l" rtl="0">
-              <a:lnSpc>
-                <a:spcPct val="120000"/>
-              </a:lnSpc>
-              <a:spcBef>
-                <a:spcPts val="0"/>
-              </a:spcBef>
-              <a:spcAft>
-                <a:spcPts val="0"/>
-              </a:spcAft>
-              <a:buClr>
-                <a:schemeClr val="dk1"/>
-              </a:buClr>
-              <a:buSzPts val="1400"/>
-              <a:buFont typeface="Meiryo"/>
-              <a:buChar char="●"/>
-            </a:pPr>
-            <a:r>
-              <a:rPr lang="ja">
-                <a:solidFill>
-                  <a:schemeClr val="dk1"/>
-                </a:solidFill>
-                <a:uFillTx/>
-                <a:latin typeface="Meiryo"/>
-                <a:ea typeface="Meiryo"/>
-                <a:cs typeface="Meiryo"/>
-                <a:sym typeface="Meiryo"/>
-              </a:rPr>
-              <a:t>7日</a:t>
-            </a:r>
-            <a:endParaRPr>
-              <a:solidFill>
-                <a:schemeClr val="dk1"/>
-              </a:solidFill>
-              <a:uFillTx/>
-              <a:latin typeface="Meiryo"/>
-              <a:ea typeface="Meiryo"/>
-              <a:cs typeface="Meiryo"/>
-              <a:sym typeface="Meiryo"/>
-            </a:endParaRPr>
-          </a:p>
-        </p:txBody>
-      </p:sp>
-      <p:cxnSp>
-        <p:nvCxnSpPr>
-          <p:cNvPr id="359" name="Google Shape;359;p33"/>
-          <p:cNvCxnSpPr/>
-          <p:nvPr/>
-        </p:nvCxnSpPr>
-        <p:spPr>
-          <a:xfrm>
-            <a:off x="74375" y="5292600"/>
-            <a:ext cx="8794800" cy="0"/>
-          </a:xfrm>
-          <a:prstGeom prst="straightConnector1">
-            <a:avLst/>
-          </a:prstGeom>
-          <a:noFill/>
-          <a:ln w="9525" cap="flat" cmpd="sng">
-            <a:solidFill>
-              <a:schemeClr val="dk2"/>
-            </a:solidFill>
-            <a:prstDash val="solid"/>
-            <a:round/>
-            <a:headEnd type="none" w="med" len="med"/>
-            <a:tailEnd type="none" w="med" len="med"/>
-          </a:ln>
-        </p:spPr>
-      </p:cxnSp>
-      <p:sp>
-        <p:nvSpPr>
-          <p:cNvPr id="21" name="テキスト ボックス 20"/>
-          <p:cNvSpPr txBox="1"/>
-          <p:nvPr/>
-        </p:nvSpPr>
-        <p:spPr>
-          <a:xfrm rot="914259">
-            <a:off x="572985" y="191994"/>
-            <a:ext cx="912948" cy="1862048"/>
-          </a:xfrm>
-          <a:prstGeom prst="rect">
-            <a:avLst/>
-          </a:prstGeom>
-        </p:spPr>
-        <p:txBody>
-          <a:bodyPr wrap="square" rtlCol="0">
-            <a:spAutoFit/>
-          </a:bodyPr>
-          <a:lstStyle/>
-          <a:p>
-            <a:r>
-              <a:rPr kumimoji="1" lang="ja-JP" altLang="en-US" sz="11500" b="1" dirty="0" smtClean="0">
-                <a:solidFill>
-                  <a:srgbClr val="FF0000"/>
-                </a:solidFill>
-              </a:rPr>
-              <a:t>未</a:t>
-            </a:r>
-            <a:endParaRPr kumimoji="1" lang="ja-JP" altLang="en-US" sz="11500" b="1" dirty="0">
-              <a:solidFill>
-                <a:srgbClr val="FF0000"/>
-              </a:solidFill>
-            </a:endParaRPr>
-          </a:p>
-        </p:txBody>
-      </p:sp>
-    </p:spTree>
-  </p:cSld>
-  <p:clrMapOvr>
-    <a:masterClrMapping/>
-  </p:clrMapOvr>
-</p:sld>
-</file>
-
-<file path=ppt/slides/slide7.xml><?xml version="1.0" encoding="utf-8"?>
-<p:sld xmlns:a="http://schemas.openxmlformats.org/drawingml/2006/main" xmlns:r="http://schemas.openxmlformats.org/officeDocument/2006/relationships" xmlns:p="http://schemas.openxmlformats.org/presentationml/2006/main">
-  <p:cSld>
-    <p:spTree>
-      <p:nvGrpSpPr>
-        <p:cNvPr id="1" name="Shape 363"/>
-        <p:cNvGrpSpPr/>
-        <p:nvPr/>
-      </p:nvGrpSpPr>
-      <p:grpSpPr>
-        <a:xfrm>
-          <a:off x="0" y="0"/>
-          <a:ext cx="0" cy="0"/>
-          <a:chOff x="0" y="0"/>
-          <a:chExt cx="0" cy="0"/>
-        </a:xfrm>
-      </p:grpSpPr>
-      <p:sp>
-        <p:nvSpPr>
-          <p:cNvPr id="364" name="Google Shape;364;p34"/>
-          <p:cNvSpPr txBox="1">
-            <a:spLocks noGrp="1"/>
-          </p:cNvSpPr>
-          <p:nvPr>
-            <p:ph type="title"/>
-          </p:nvPr>
-        </p:nvSpPr>
-        <p:spPr>
-          <a:xfrm>
-            <a:off x="143763" y="104752"/>
-            <a:ext cx="8793600" cy="890400"/>
-          </a:xfrm>
-          <a:prstGeom prst="rect">
-            <a:avLst/>
-          </a:prstGeom>
-          <a:noFill/>
-          <a:ln>
-            <a:noFill/>
-          </a:ln>
-        </p:spPr>
-        <p:txBody>
-          <a:bodyPr spcFirstLastPara="1" wrap="square" lIns="91425" tIns="91425" rIns="91425" bIns="91425" anchor="ctr" anchorCtr="0">
-            <a:noAutofit/>
-          </a:bodyPr>
-          <a:lstStyle/>
-          <a:p>
-            <a:pPr marL="0" lvl="0" indent="0" algn="ctr" rtl="0">
-              <a:spcBef>
-                <a:spcPts val="0"/>
-              </a:spcBef>
-              <a:spcAft>
-                <a:spcPts val="0"/>
-              </a:spcAft>
-              <a:buClr>
-                <a:schemeClr val="dk1"/>
-              </a:buClr>
-              <a:buSzPts val="1100"/>
-              <a:buFont typeface="Arial"/>
-              <a:buNone/>
-            </a:pPr>
-            <a:r>
-              <a:rPr lang="ja" sz="3000">
-                <a:solidFill>
-                  <a:schemeClr val="lt1"/>
-                </a:solidFill>
-                <a:uFillTx/>
-              </a:rPr>
-              <a:t>5. 評価方法</a:t>
-            </a:r>
-            <a:endParaRPr sz="3000" b="1" i="0" u="none" strike="noStrike" cap="none">
-              <a:solidFill>
-                <a:srgbClr val="FFFFFF"/>
-              </a:solidFill>
-              <a:uFillTx/>
-              <a:latin typeface="Meiryo"/>
-              <a:ea typeface="Meiryo"/>
-              <a:cs typeface="Meiryo"/>
-              <a:sym typeface="Meiryo"/>
-            </a:endParaRPr>
-          </a:p>
-        </p:txBody>
-      </p:sp>
-      <p:sp>
-        <p:nvSpPr>
-          <p:cNvPr id="365" name="Google Shape;365;p34"/>
-          <p:cNvSpPr txBox="1">
-            <a:spLocks noGrp="1"/>
-          </p:cNvSpPr>
-          <p:nvPr>
-            <p:ph type="body" idx="1"/>
-          </p:nvPr>
-        </p:nvSpPr>
-        <p:spPr>
-          <a:xfrm>
-            <a:off x="457200" y="1230838"/>
-            <a:ext cx="8229600" cy="4949400"/>
-          </a:xfrm>
-          <a:prstGeom prst="rect">
-            <a:avLst/>
-          </a:prstGeom>
-          <a:noFill/>
-          <a:ln>
-            <a:noFill/>
-          </a:ln>
-        </p:spPr>
-        <p:txBody>
-          <a:bodyPr spcFirstLastPara="1" wrap="square" lIns="91425" tIns="91425" rIns="91425" bIns="91425" anchor="t" anchorCtr="0">
-            <a:noAutofit/>
-          </a:bodyPr>
-          <a:lstStyle/>
-          <a:p>
-            <a:pPr marL="0" marR="0" lvl="0" indent="0" algn="l" rtl="0">
-              <a:lnSpc>
-                <a:spcPct val="100000"/>
-              </a:lnSpc>
-              <a:spcBef>
-                <a:spcPts val="0"/>
-              </a:spcBef>
-              <a:spcAft>
-                <a:spcPts val="0"/>
-              </a:spcAft>
-              <a:buNone/>
-            </a:pPr>
-            <a:r>
-              <a:rPr lang="ja" sz="2400">
-                <a:uFillTx/>
-                <a:latin typeface="Meiryo"/>
-                <a:ea typeface="Meiryo"/>
-                <a:cs typeface="Meiryo"/>
-                <a:sym typeface="Meiryo"/>
-              </a:rPr>
-              <a:t>主な検証方法は以下のとおりです。検証中は「うまくいかない可能性があるとしたら」を考えてデータを収集することが重要となります。</a:t>
-            </a:r>
-            <a:endParaRPr sz="2400">
-              <a:uFillTx/>
-              <a:latin typeface="Meiryo"/>
-              <a:ea typeface="Meiryo"/>
-              <a:cs typeface="Meiryo"/>
-              <a:sym typeface="Meiryo"/>
-            </a:endParaRPr>
-          </a:p>
-          <a:p>
-            <a:pPr marL="0" marR="0" lvl="0" indent="0" algn="l" rtl="0">
-              <a:lnSpc>
-                <a:spcPct val="100000"/>
-              </a:lnSpc>
-              <a:spcBef>
-                <a:spcPts val="0"/>
-              </a:spcBef>
-              <a:spcAft>
-                <a:spcPts val="0"/>
-              </a:spcAft>
-              <a:buNone/>
-            </a:pPr>
-            <a:endParaRPr sz="2400" i="0" u="none" strike="noStrike" cap="none">
-              <a:solidFill>
-                <a:schemeClr val="dk1"/>
-              </a:solidFill>
-              <a:uFillTx/>
-              <a:latin typeface="Meiryo"/>
-              <a:ea typeface="Meiryo"/>
-              <a:cs typeface="Meiryo"/>
-              <a:sym typeface="Meiryo"/>
-            </a:endParaRPr>
-          </a:p>
-          <a:p>
-            <a:pPr marL="342900" marR="0" lvl="0" indent="-88900" algn="l" rtl="0">
-              <a:lnSpc>
-                <a:spcPct val="100000"/>
-              </a:lnSpc>
-              <a:spcBef>
-                <a:spcPts val="800"/>
-              </a:spcBef>
-              <a:spcAft>
-                <a:spcPts val="0"/>
-              </a:spcAft>
-              <a:buClr>
-                <a:schemeClr val="dk1"/>
-              </a:buClr>
-              <a:buSzPts val="2400"/>
-              <a:buFont typeface="Meiryo"/>
-              <a:buChar char="•"/>
-            </a:pPr>
-            <a:r>
-              <a:rPr lang="ja" sz="2400">
-                <a:uFillTx/>
-                <a:latin typeface="Meiryo"/>
-                <a:ea typeface="Meiryo"/>
-                <a:cs typeface="Meiryo"/>
-                <a:sym typeface="Meiryo"/>
-              </a:rPr>
-              <a:t>モデリングの精度検証</a:t>
-            </a:r>
-            <a:endParaRPr sz="2400">
-              <a:uFillTx/>
-              <a:latin typeface="Meiryo"/>
-              <a:ea typeface="Meiryo"/>
-              <a:cs typeface="Meiryo"/>
-              <a:sym typeface="Meiryo"/>
-            </a:endParaRPr>
-          </a:p>
-          <a:p>
-            <a:pPr marL="742950" marR="0" lvl="1" indent="-57150" algn="l" rtl="0">
-              <a:lnSpc>
-                <a:spcPct val="100000"/>
-              </a:lnSpc>
-              <a:spcBef>
-                <a:spcPts val="800"/>
-              </a:spcBef>
-              <a:spcAft>
-                <a:spcPts val="0"/>
-              </a:spcAft>
-              <a:buClr>
-                <a:schemeClr val="dk1"/>
-              </a:buClr>
-              <a:buSzPts val="2000"/>
-              <a:buFont typeface="Meiryo"/>
-              <a:buChar char="–"/>
-            </a:pPr>
-            <a:r>
-              <a:rPr lang="ja" sz="2400">
-                <a:uFillTx/>
-                <a:latin typeface="Meiryo"/>
-                <a:ea typeface="Meiryo"/>
-                <a:cs typeface="Meiryo"/>
-                <a:sym typeface="Meiryo"/>
-              </a:rPr>
-              <a:t>バックテスト</a:t>
-            </a:r>
-            <a:endParaRPr sz="2400">
-              <a:uFillTx/>
-              <a:latin typeface="Meiryo"/>
-              <a:ea typeface="Meiryo"/>
-              <a:cs typeface="Meiryo"/>
-              <a:sym typeface="Meiryo"/>
-            </a:endParaRPr>
-          </a:p>
-          <a:p>
-            <a:pPr marL="342900" marR="0" lvl="0" indent="400050" algn="l" rtl="0">
-              <a:lnSpc>
-                <a:spcPct val="100000"/>
-              </a:lnSpc>
-              <a:spcBef>
-                <a:spcPts val="800"/>
-              </a:spcBef>
-              <a:spcAft>
-                <a:spcPts val="0"/>
-              </a:spcAft>
-              <a:buNone/>
-            </a:pPr>
-            <a:endParaRPr sz="2400">
-              <a:uFillTx/>
-              <a:latin typeface="Meiryo"/>
-              <a:ea typeface="Meiryo"/>
-              <a:cs typeface="Meiryo"/>
-              <a:sym typeface="Meiryo"/>
-            </a:endParaRPr>
-          </a:p>
-          <a:p>
-            <a:pPr marL="342900" lvl="0" indent="-88900" algn="l" rtl="0">
-              <a:spcBef>
-                <a:spcPts val="0"/>
-              </a:spcBef>
-              <a:spcAft>
-                <a:spcPts val="0"/>
-              </a:spcAft>
-              <a:buClr>
-                <a:schemeClr val="dk1"/>
-              </a:buClr>
-              <a:buSzPts val="2400"/>
-              <a:buFont typeface="Meiryo"/>
-              <a:buChar char="•"/>
-            </a:pPr>
-            <a:r>
-              <a:rPr lang="ja" sz="2400">
-                <a:uFillTx/>
-                <a:latin typeface="Meiryo"/>
-                <a:ea typeface="Meiryo"/>
-                <a:cs typeface="Meiryo"/>
-                <a:sym typeface="Meiryo"/>
-              </a:rPr>
-              <a:t>打ち手の検証: </a:t>
-            </a:r>
-            <a:endParaRPr sz="2400">
-              <a:uFillTx/>
-              <a:latin typeface="Meiryo"/>
-              <a:ea typeface="Meiryo"/>
-              <a:cs typeface="Meiryo"/>
-              <a:sym typeface="Meiryo"/>
-            </a:endParaRPr>
-          </a:p>
-          <a:p>
-            <a:pPr marL="742950" lvl="1" indent="-57150" algn="l" rtl="0">
-              <a:spcBef>
-                <a:spcPts val="0"/>
-              </a:spcBef>
-              <a:spcAft>
-                <a:spcPts val="0"/>
-              </a:spcAft>
-              <a:buClr>
-                <a:schemeClr val="dk1"/>
-              </a:buClr>
-              <a:buSzPts val="2000"/>
-              <a:buFont typeface="Meiryo"/>
-              <a:buChar char="–"/>
-            </a:pPr>
-            <a:r>
-              <a:rPr lang="ja" sz="2400">
-                <a:uFillTx/>
-                <a:latin typeface="Meiryo"/>
-                <a:ea typeface="Meiryo"/>
-                <a:cs typeface="Meiryo"/>
-                <a:sym typeface="Meiryo"/>
-              </a:rPr>
-              <a:t>ステップ終了時のアンケート</a:t>
-            </a:r>
-            <a:endParaRPr sz="2400">
-              <a:uFillTx/>
-              <a:latin typeface="Meiryo"/>
-              <a:ea typeface="Meiryo"/>
-              <a:cs typeface="Meiryo"/>
-              <a:sym typeface="Meiryo"/>
-            </a:endParaRPr>
-          </a:p>
-          <a:p>
-            <a:pPr marL="0" marR="0" lvl="0" indent="0" algn="l" rtl="0">
-              <a:lnSpc>
-                <a:spcPct val="100000"/>
-              </a:lnSpc>
-              <a:spcBef>
-                <a:spcPts val="800"/>
-              </a:spcBef>
-              <a:spcAft>
-                <a:spcPts val="0"/>
-              </a:spcAft>
-              <a:buNone/>
-            </a:pPr>
-            <a:endParaRPr sz="2400">
-              <a:uFillTx/>
-              <a:latin typeface="Meiryo"/>
-              <a:ea typeface="Meiryo"/>
-              <a:cs typeface="Meiryo"/>
-              <a:sym typeface="Meiryo"/>
-            </a:endParaRPr>
-          </a:p>
-          <a:p>
-            <a:pPr marL="0" marR="0" lvl="0" indent="0" algn="l" rtl="0">
-              <a:lnSpc>
-                <a:spcPct val="100000"/>
-              </a:lnSpc>
-              <a:spcBef>
-                <a:spcPts val="800"/>
-              </a:spcBef>
-              <a:spcAft>
-                <a:spcPts val="0"/>
-              </a:spcAft>
-              <a:buNone/>
-            </a:pPr>
-            <a:endParaRPr sz="2400">
-              <a:uFillTx/>
-              <a:latin typeface="Meiryo"/>
-              <a:ea typeface="Meiryo"/>
-              <a:cs typeface="Meiryo"/>
-              <a:sym typeface="Meiryo"/>
-            </a:endParaRPr>
-          </a:p>
-        </p:txBody>
-      </p:sp>
-      <p:sp>
-        <p:nvSpPr>
-          <p:cNvPr id="367" name="Google Shape;367;p34"/>
-          <p:cNvSpPr txBox="1">
-            <a:spLocks noGrp="1"/>
-          </p:cNvSpPr>
-          <p:nvPr>
-            <p:ph type="sldNum" idx="12"/>
-          </p:nvPr>
-        </p:nvSpPr>
-        <p:spPr>
-          <a:xfrm>
-            <a:off x="6553200" y="6490819"/>
-            <a:ext cx="2133600" cy="365100"/>
-          </a:xfrm>
-          <a:prstGeom prst="rect">
-            <a:avLst/>
-          </a:prstGeom>
-          <a:noFill/>
-          <a:ln>
-            <a:noFill/>
-          </a:ln>
-        </p:spPr>
-        <p:txBody>
-          <a:bodyPr spcFirstLastPara="1" wrap="square" lIns="91425" tIns="45700" rIns="91425" bIns="45700" anchor="ctr" anchorCtr="0">
-            <a:noAutofit/>
-          </a:bodyPr>
-          <a:lstStyle/>
-          <a:p>
-            <a:pPr marL="0" lvl="0" indent="0" algn="r" rtl="0">
-              <a:spcBef>
-                <a:spcPts val="0"/>
-              </a:spcBef>
-              <a:spcAft>
-                <a:spcPts val="0"/>
-              </a:spcAft>
-              <a:buClr>
-                <a:srgbClr val="888888"/>
-              </a:buClr>
-              <a:buFont typeface="Calibri"/>
-              <a:buNone/>
-            </a:pPr>
-            <a:fld id="{00000000-1234-1234-1234-123412341234}" type="slidenum">
-              <a:rPr lang="en-US" altLang="ja">
-                <a:uFillTx/>
-              </a:rPr>
-              <a:t>7</a:t>
-            </a:fld>
-            <a:endParaRPr>
-              <a:uFillTx/>
-            </a:endParaRPr>
-          </a:p>
-        </p:txBody>
-      </p:sp>
-      <p:sp>
-        <p:nvSpPr>
-          <p:cNvPr id="5" name="テキスト ボックス 4"/>
-          <p:cNvSpPr txBox="1"/>
-          <p:nvPr/>
-        </p:nvSpPr>
-        <p:spPr>
-          <a:xfrm rot="914259">
-            <a:off x="572985" y="191994"/>
-            <a:ext cx="912948" cy="1862048"/>
-          </a:xfrm>
-          <a:prstGeom prst="rect">
-            <a:avLst/>
-          </a:prstGeom>
-        </p:spPr>
-        <p:txBody>
-          <a:bodyPr wrap="square" rtlCol="0">
-            <a:spAutoFit/>
-          </a:bodyPr>
-          <a:lstStyle/>
-          <a:p>
-            <a:r>
-              <a:rPr kumimoji="1" lang="ja-JP" altLang="en-US" sz="11500" b="1" dirty="0" smtClean="0">
-                <a:solidFill>
-                  <a:srgbClr val="FF0000"/>
-                </a:solidFill>
-              </a:rPr>
-              <a:t>未</a:t>
-            </a:r>
-            <a:endParaRPr kumimoji="1" lang="ja-JP" altLang="en-US" sz="11500" b="1" dirty="0">
-              <a:solidFill>
-                <a:srgbClr val="FF0000"/>
-              </a:solidFill>
-            </a:endParaRPr>
-          </a:p>
-        </p:txBody>
-      </p:sp>
     </p:spTree>
   </p:cSld>
   <p:clrMapOvr>
